--- a/materials/slides/ch01.pptx
+++ b/materials/slides/ch01.pptx
@@ -3145,7 +3145,7 @@
               <a:pPr>
                 <a:defRPr/>
               </a:pPr>
-              <a:t>2018/3/4</a:t>
+              <a:t>2019/7/16</a:t>
             </a:fld>
             <a:endParaRPr lang="zh-CN" altLang="en-US"/>
           </a:p>
@@ -8826,7 +8826,7 @@
           <a:graphicData uri="http://schemas.openxmlformats.org/presentationml/2006/ole">
             <mc:AlternateContent xmlns:mc="http://schemas.openxmlformats.org/markup-compatibility/2006">
               <mc:Choice xmlns:v="urn:schemas-microsoft-com:vml" Requires="v">
-                <p:oleObj spid="_x0000_s93195" r:id="rId4" imgW="6824520" imgH="1076040" progId="">
+                <p:oleObj spid="_x0000_s93196" r:id="rId4" imgW="6824520" imgH="1076040" progId="">
                   <p:embed/>
                 </p:oleObj>
               </mc:Choice>
@@ -9303,7 +9303,7 @@
               <a:pPr>
                 <a:defRPr/>
               </a:pPr>
-              <a:t>2018/3/4</a:t>
+              <a:t>2019/7/16</a:t>
             </a:fld>
             <a:endParaRPr lang="zh-CN" altLang="en-US"/>
           </a:p>
@@ -9526,7 +9526,7 @@
               <a:pPr>
                 <a:defRPr/>
               </a:pPr>
-              <a:t>2018/3/4</a:t>
+              <a:t>2019/7/16</a:t>
             </a:fld>
             <a:endParaRPr lang="zh-CN" altLang="en-US"/>
           </a:p>
@@ -9715,7 +9715,7 @@
           <a:graphicData uri="http://schemas.openxmlformats.org/presentationml/2006/ole">
             <mc:AlternateContent xmlns:mc="http://schemas.openxmlformats.org/markup-compatibility/2006">
               <mc:Choice xmlns:v="urn:schemas-microsoft-com:vml" Requires="v">
-                <p:oleObj spid="_x0000_s98315" r:id="rId4" imgW="6824520" imgH="1076040" progId="">
+                <p:oleObj spid="_x0000_s98316" r:id="rId4" imgW="6824520" imgH="1076040" progId="">
                   <p:embed/>
                 </p:oleObj>
               </mc:Choice>
@@ -10287,7 +10287,7 @@
           <a:graphicData uri="http://schemas.openxmlformats.org/presentationml/2006/ole">
             <mc:AlternateContent xmlns:mc="http://schemas.openxmlformats.org/markup-compatibility/2006">
               <mc:Choice xmlns:v="urn:schemas-microsoft-com:vml" Requires="v">
-                <p:oleObj spid="_x0000_s94219" r:id="rId4" imgW="6824520" imgH="1076040" progId="">
+                <p:oleObj spid="_x0000_s94220" r:id="rId4" imgW="6824520" imgH="1076040" progId="">
                   <p:embed/>
                 </p:oleObj>
               </mc:Choice>
@@ -10842,7 +10842,7 @@
           <a:graphicData uri="http://schemas.openxmlformats.org/presentationml/2006/ole">
             <mc:AlternateContent xmlns:mc="http://schemas.openxmlformats.org/markup-compatibility/2006">
               <mc:Choice xmlns:v="urn:schemas-microsoft-com:vml" Requires="v">
-                <p:oleObj spid="_x0000_s95243" r:id="rId4" imgW="6824520" imgH="1076040" progId="">
+                <p:oleObj spid="_x0000_s95244" r:id="rId4" imgW="6824520" imgH="1076040" progId="">
                   <p:embed/>
                 </p:oleObj>
               </mc:Choice>
@@ -11381,7 +11381,7 @@
           <a:graphicData uri="http://schemas.openxmlformats.org/presentationml/2006/ole">
             <mc:AlternateContent xmlns:mc="http://schemas.openxmlformats.org/markup-compatibility/2006">
               <mc:Choice xmlns:v="urn:schemas-microsoft-com:vml" Requires="v">
-                <p:oleObj spid="_x0000_s96267" r:id="rId4" imgW="6824520" imgH="1076040" progId="">
+                <p:oleObj spid="_x0000_s96268" r:id="rId4" imgW="6824520" imgH="1076040" progId="">
                   <p:embed/>
                 </p:oleObj>
               </mc:Choice>
@@ -11928,7 +11928,7 @@
               <a:pPr>
                 <a:defRPr/>
               </a:pPr>
-              <a:t>2018/3/4</a:t>
+              <a:t>2019/7/16</a:t>
             </a:fld>
             <a:endParaRPr lang="zh-CN" altLang="en-US"/>
           </a:p>
@@ -12392,7 +12392,7 @@
               <a:pPr>
                 <a:defRPr/>
               </a:pPr>
-              <a:t>2018/3/4</a:t>
+              <a:t>2019/7/16</a:t>
             </a:fld>
             <a:endParaRPr lang="zh-CN" altLang="en-US"/>
           </a:p>
@@ -12581,7 +12581,7 @@
           <a:graphicData uri="http://schemas.openxmlformats.org/presentationml/2006/ole">
             <mc:AlternateContent xmlns:mc="http://schemas.openxmlformats.org/markup-compatibility/2006">
               <mc:Choice xmlns:v="urn:schemas-microsoft-com:vml" Requires="v">
-                <p:oleObj spid="_x0000_s97291" r:id="rId4" imgW="6824520" imgH="1076040" progId="">
+                <p:oleObj spid="_x0000_s97292" r:id="rId4" imgW="6824520" imgH="1076040" progId="">
                   <p:embed/>
                 </p:oleObj>
               </mc:Choice>
@@ -12960,7 +12960,7 @@
               <a:pPr>
                 <a:defRPr/>
               </a:pPr>
-              <a:t>2018/3/4</a:t>
+              <a:t>2019/7/16</a:t>
             </a:fld>
             <a:endParaRPr lang="zh-CN" altLang="en-US"/>
           </a:p>
@@ -13100,7 +13100,7 @@
               <a:pPr>
                 <a:defRPr/>
               </a:pPr>
-              <a:t>2018/3/4</a:t>
+              <a:t>2019/7/16</a:t>
             </a:fld>
             <a:endParaRPr lang="zh-CN" altLang="en-US"/>
           </a:p>
@@ -13420,7 +13420,7 @@
               <a:pPr>
                 <a:defRPr/>
               </a:pPr>
-              <a:t>2018/3/4</a:t>
+              <a:t>2019/7/16</a:t>
             </a:fld>
             <a:endParaRPr lang="zh-CN" altLang="en-US"/>
           </a:p>
@@ -13720,7 +13720,7 @@
               <a:pPr>
                 <a:defRPr/>
               </a:pPr>
-              <a:t>2018/3/4</a:t>
+              <a:t>2019/7/16</a:t>
             </a:fld>
             <a:endParaRPr lang="zh-CN" altLang="en-US"/>
           </a:p>
@@ -14102,7 +14102,7 @@
               <a:pPr>
                 <a:defRPr/>
               </a:pPr>
-              <a:t>2018/3/4</a:t>
+              <a:t>2019/7/16</a:t>
             </a:fld>
             <a:endParaRPr lang="zh-CN" altLang="en-US"/>
           </a:p>
@@ -14237,7 +14237,7 @@
           <a:graphicData uri="http://schemas.openxmlformats.org/presentationml/2006/ole">
             <mc:AlternateContent xmlns:mc="http://schemas.openxmlformats.org/markup-compatibility/2006">
               <mc:Choice xmlns:v="urn:schemas-microsoft-com:vml" Requires="v">
-                <p:oleObj spid="_x0000_s1044" r:id="rId16" imgW="6824520" imgH="1076040" progId="">
+                <p:oleObj spid="_x0000_s1045" r:id="rId16" imgW="6824520" imgH="1076040" progId="">
                   <p:embed/>
                 </p:oleObj>
               </mc:Choice>
@@ -28863,8 +28863,21 @@
               </a:buBlip>
             </a:pPr>
             <a:r>
+              <a:rPr kumimoji="0" lang="zh-CN" altLang="en-US" dirty="0"/>
+              <a:t>课程内容</a:t>
+            </a:r>
+            <a:endParaRPr kumimoji="0" lang="en-US" altLang="zh-CN" dirty="0"/>
+          </a:p>
+          <a:p>
+            <a:pPr lvl="1">
+              <a:buFontTx/>
+              <a:buBlip>
+                <a:blip r:embed="rId3"/>
+              </a:buBlip>
+            </a:pPr>
+            <a:r>
               <a:rPr kumimoji="0" lang="zh-CN" altLang="en-US"/>
-              <a:t>课程内容</a:t>
+              <a:t>课程简介 </a:t>
             </a:r>
             <a:endParaRPr kumimoji="0" lang="en-US" altLang="zh-CN"/>
           </a:p>
@@ -28876,10 +28889,10 @@
               </a:buBlip>
             </a:pPr>
             <a:r>
-              <a:rPr kumimoji="0" lang="zh-CN" altLang="en-US"/>
-              <a:t>课程简介</a:t>
-            </a:r>
-            <a:endParaRPr kumimoji="0" lang="en-US" altLang="zh-CN"/>
+              <a:rPr kumimoji="0" lang="zh-CN" altLang="en-US" dirty="0"/>
+              <a:t>课程内容及学习方式</a:t>
+            </a:r>
+            <a:endParaRPr kumimoji="0" lang="en-US" altLang="zh-CN" dirty="0"/>
           </a:p>
           <a:p>
             <a:pPr lvl="1">
@@ -28889,10 +28902,18 @@
               </a:buBlip>
             </a:pPr>
             <a:r>
-              <a:rPr kumimoji="0" lang="zh-CN" altLang="en-US"/>
-              <a:t>课程内容及学习方式</a:t>
-            </a:r>
-            <a:endParaRPr kumimoji="0" lang="en-US" altLang="zh-CN"/>
+              <a:rPr kumimoji="0" lang="zh-CN" altLang="en-US" dirty="0"/>
+              <a:t>第一个设计模式</a:t>
+            </a:r>
+            <a:r>
+              <a:rPr kumimoji="0" lang="en-US" altLang="zh-CN" dirty="0"/>
+              <a:t>——</a:t>
+            </a:r>
+            <a:r>
+              <a:rPr kumimoji="0" lang="zh-CN" altLang="en-US" dirty="0"/>
+              <a:t>单例模式</a:t>
+            </a:r>
+            <a:endParaRPr kumimoji="0" lang="en-US" altLang="zh-CN" dirty="0"/>
           </a:p>
           <a:p>
             <a:pPr lvl="1">
@@ -28902,28 +28923,7 @@
               </a:buBlip>
             </a:pPr>
             <a:r>
-              <a:rPr kumimoji="0" lang="zh-CN" altLang="en-US"/>
-              <a:t>第一个设计模式</a:t>
-            </a:r>
-            <a:r>
-              <a:rPr kumimoji="0" lang="en-US" altLang="zh-CN"/>
-              <a:t>——</a:t>
-            </a:r>
-            <a:r>
-              <a:rPr kumimoji="0" lang="zh-CN" altLang="en-US"/>
-              <a:t>单例模式</a:t>
-            </a:r>
-            <a:endParaRPr kumimoji="0" lang="en-US" altLang="zh-CN"/>
-          </a:p>
-          <a:p>
-            <a:pPr lvl="1">
-              <a:buFontTx/>
-              <a:buBlip>
-                <a:blip r:embed="rId3"/>
-              </a:buBlip>
-            </a:pPr>
-            <a:r>
-              <a:rPr kumimoji="0" lang="zh-CN" altLang="en-US"/>
+              <a:rPr kumimoji="0" lang="zh-CN" altLang="en-US" dirty="0"/>
               <a:t>好设计的原则</a:t>
             </a:r>
           </a:p>
@@ -45138,7 +45138,7 @@
           <a:graphicData uri="http://schemas.openxmlformats.org/presentationml/2006/ole">
             <mc:AlternateContent xmlns:mc="http://schemas.openxmlformats.org/markup-compatibility/2006">
               <mc:Choice xmlns:v="urn:schemas-microsoft-com:vml" Requires="v">
-                <p:oleObj spid="_x0000_s19471" name="Chart" r:id="rId6" imgW="4076626" imgH="2857631" progId="Excel.Chart.8">
+                <p:oleObj spid="_x0000_s19472" name="Chart" r:id="rId6" imgW="4076626" imgH="2857631" progId="Excel.Chart.8">
                   <p:embed/>
                 </p:oleObj>
               </mc:Choice>

--- a/materials/slides/ch01.pptx
+++ b/materials/slides/ch01.pptx
@@ -63,7 +63,7 @@
     <p:sldId id="409" r:id="rId54"/>
     <p:sldId id="306" r:id="rId55"/>
   </p:sldIdLst>
-  <p:sldSz cx="12192000" cy="6858000"/>
+  <p:sldSz cx="9144000" cy="6858000" type="screen4x3"/>
   <p:notesSz cx="6858000" cy="9144000"/>
   <p:defaultTextStyle>
     <a:defPPr>
@@ -193,12 +193,12 @@
   <p:extLst>
     <p:ext uri="{EFAFB233-063F-42B5-8137-9DF3F51BA10A}">
       <p15:sldGuideLst xmlns:p15="http://schemas.microsoft.com/office/powerpoint/2012/main">
-        <p15:guide id="1" orient="horz" pos="346" userDrawn="1">
+        <p15:guide id="1" orient="horz" pos="346">
           <p15:clr>
             <a:srgbClr val="A4A3A4"/>
           </p15:clr>
         </p15:guide>
-        <p15:guide id="2" pos="7651" userDrawn="1">
+        <p15:guide id="2" pos="5738">
           <p15:clr>
             <a:srgbClr val="A4A3A4"/>
           </p15:clr>
@@ -2970,7 +2970,7 @@
       <inkml:brushProperty name="height" value="0.03333" units="cm"/>
     </inkml:brush>
   </inkml:definitions>
-  <inkml:trace contextRef="#ctx0" brushRef="#br0">6333 5564 5066,'7'0'2949,"-7"5"-1281,0-5-899,8 5-1218,-8-5-1410,0 0-1732</inkml:trace>
+  <inkml:trace contextRef="#ctx0" brushRef="#br0">6333 5564 5066,'5'0'2949,"-5"5"-1281,0-5-899,6 5-1218,-6-5-1410,0 0-1732</inkml:trace>
 </inkml:ink>
 </file>
 
@@ -2997,7 +2997,7 @@
       <inkml:brushProperty name="height" value="0.03333" units="cm"/>
     </inkml:brush>
   </inkml:definitions>
-  <inkml:trace contextRef="#ctx0" brushRef="#br0">3701 6234 8657,'8'6'2052,"1"-6"-513,-1 0-257,0 0-513,-1 0-1025,1 0-578,0 0-448,0 0-642,0 0-192,-8 0 2116,8 0-3462,-1 0-963</inkml:trace>
+  <inkml:trace contextRef="#ctx0" brushRef="#br0">3701 6234 8657,'6'6'2052,"1"-6"-513,-1 0-257,0 0-513,-1 0-1025,1 0-578,0 0-448,0 0-642,0 0-192,-6 0 2116,6 0-3462,-1 0-963</inkml:trace>
 </inkml:ink>
 </file>
 
@@ -3058,7 +3058,7 @@
           <p:cNvPr id="2" name="页眉占位符 1">
             <a:extLst>
               <a:ext uri="{FF2B5EF4-FFF2-40B4-BE49-F238E27FC236}">
-                <a16:creationId xmlns:a16="http://schemas.microsoft.com/office/drawing/2014/main" id="{0EB83318-6EB7-4556-96F9-183E614A7DAA}"/>
+                <a16:creationId xmlns:a16="http://schemas.microsoft.com/office/drawing/2014/main" id="{E9455ED4-4C4D-4F1F-8211-6834A25BB755}"/>
               </a:ext>
             </a:extLst>
           </p:cNvPr>
@@ -3102,7 +3102,7 @@
           <p:cNvPr id="3" name="日期占位符 2">
             <a:extLst>
               <a:ext uri="{FF2B5EF4-FFF2-40B4-BE49-F238E27FC236}">
-                <a16:creationId xmlns:a16="http://schemas.microsoft.com/office/drawing/2014/main" id="{5E991519-E9F7-4218-AC19-9A477AF474E8}"/>
+                <a16:creationId xmlns:a16="http://schemas.microsoft.com/office/drawing/2014/main" id="{D18F45F9-F50D-4C70-BF35-90B89F2339AC}"/>
               </a:ext>
             </a:extLst>
           </p:cNvPr>
@@ -3140,12 +3140,12 @@
             <a:pPr>
               <a:defRPr/>
             </a:pPr>
-            <a:fld id="{CA11A303-43E1-4449-BEFD-32B2034AF8C6}" type="datetimeFigureOut">
+            <a:fld id="{D7047735-1617-4801-9726-1D0DB74F4A5A}" type="datetimeFigureOut">
               <a:rPr lang="zh-CN" altLang="en-US"/>
               <a:pPr>
                 <a:defRPr/>
               </a:pPr>
-              <a:t>2019/7/16</a:t>
+              <a:t>2020/2/16</a:t>
             </a:fld>
             <a:endParaRPr lang="zh-CN" altLang="en-US"/>
           </a:p>
@@ -3156,7 +3156,7 @@
           <p:cNvPr id="4" name="幻灯片图像占位符 3">
             <a:extLst>
               <a:ext uri="{FF2B5EF4-FFF2-40B4-BE49-F238E27FC236}">
-                <a16:creationId xmlns:a16="http://schemas.microsoft.com/office/drawing/2014/main" id="{26E5F321-9FC2-4BD2-BE9F-D8DD5FD0C692}"/>
+                <a16:creationId xmlns:a16="http://schemas.microsoft.com/office/drawing/2014/main" id="{3FA7B5E2-E2FE-462C-8A59-C99CC303A684}"/>
               </a:ext>
             </a:extLst>
           </p:cNvPr>
@@ -3169,8 +3169,8 @@
         </p:nvSpPr>
         <p:spPr>
           <a:xfrm>
-            <a:off x="381000" y="685800"/>
-            <a:ext cx="6096000" cy="3429000"/>
+            <a:off x="1143000" y="685800"/>
+            <a:ext cx="4572000" cy="3429000"/>
           </a:xfrm>
           <a:prstGeom prst="rect">
             <a:avLst/>
@@ -3196,7 +3196,7 @@
           <p:cNvPr id="5" name="备注占位符 4">
             <a:extLst>
               <a:ext uri="{FF2B5EF4-FFF2-40B4-BE49-F238E27FC236}">
-                <a16:creationId xmlns:a16="http://schemas.microsoft.com/office/drawing/2014/main" id="{C9904484-8AF3-4716-B483-59C58EDCC166}"/>
+                <a16:creationId xmlns:a16="http://schemas.microsoft.com/office/drawing/2014/main" id="{72714532-8984-4CB0-93FE-F84D7E912D02}"/>
               </a:ext>
             </a:extLst>
           </p:cNvPr>
@@ -3266,7 +3266,7 @@
           <p:cNvPr id="6" name="页脚占位符 5">
             <a:extLst>
               <a:ext uri="{FF2B5EF4-FFF2-40B4-BE49-F238E27FC236}">
-                <a16:creationId xmlns:a16="http://schemas.microsoft.com/office/drawing/2014/main" id="{4F4764E6-058A-4543-8D9C-53B16C3229AE}"/>
+                <a16:creationId xmlns:a16="http://schemas.microsoft.com/office/drawing/2014/main" id="{3F12547D-65B5-4C0C-AA07-EBF45F1BD32F}"/>
               </a:ext>
             </a:extLst>
           </p:cNvPr>
@@ -3310,7 +3310,7 @@
           <p:cNvPr id="7" name="灯片编号占位符 6">
             <a:extLst>
               <a:ext uri="{FF2B5EF4-FFF2-40B4-BE49-F238E27FC236}">
-                <a16:creationId xmlns:a16="http://schemas.microsoft.com/office/drawing/2014/main" id="{CF160812-6899-4C64-9F4B-AA7CABC3293A}"/>
+                <a16:creationId xmlns:a16="http://schemas.microsoft.com/office/drawing/2014/main" id="{0F0EFA52-AB06-4B45-A239-CA397628844D}"/>
               </a:ext>
             </a:extLst>
           </p:cNvPr>
@@ -3345,7 +3345,7 @@
             <a:pPr>
               <a:defRPr/>
             </a:pPr>
-            <a:fld id="{6F32552C-BD2E-4524-A432-7FBBA3901820}" type="slidenum">
+            <a:fld id="{735EF304-951A-4D5D-A646-6FCA52416888}" type="slidenum">
               <a:rPr lang="zh-CN" altLang="en-US"/>
               <a:pPr>
                 <a:defRPr/>
@@ -3506,7 +3506,7 @@
           <p:cNvPr id="10242" name="幻灯片图像占位符 1">
             <a:extLst>
               <a:ext uri="{FF2B5EF4-FFF2-40B4-BE49-F238E27FC236}">
-                <a16:creationId xmlns:a16="http://schemas.microsoft.com/office/drawing/2014/main" id="{7CADC4B0-5DA6-4ACF-B2D2-C1B5EDD1261A}"/>
+                <a16:creationId xmlns:a16="http://schemas.microsoft.com/office/drawing/2014/main" id="{EAB837AE-8A32-4699-B5C7-E1EB51973AEF}"/>
               </a:ext>
             </a:extLst>
           </p:cNvPr>
@@ -3518,10 +3518,6 @@
           </p:nvPr>
         </p:nvSpPr>
         <p:spPr bwMode="auto">
-          <a:xfrm>
-            <a:off x="381000" y="685800"/>
-            <a:ext cx="6096000" cy="3429000"/>
-          </a:xfrm>
           <a:noFill/>
           <a:ln>
             <a:solidFill>
@@ -3547,7 +3543,7 @@
           <p:cNvPr id="10243" name="备注占位符 2">
             <a:extLst>
               <a:ext uri="{FF2B5EF4-FFF2-40B4-BE49-F238E27FC236}">
-                <a16:creationId xmlns:a16="http://schemas.microsoft.com/office/drawing/2014/main" id="{658302B0-47C6-452C-9135-4EE01C4EDC4A}"/>
+                <a16:creationId xmlns:a16="http://schemas.microsoft.com/office/drawing/2014/main" id="{416AA5C1-87DD-4931-9D41-8EFF4A12B77A}"/>
               </a:ext>
             </a:extLst>
           </p:cNvPr>
@@ -3597,7 +3593,7 @@
           <p:cNvPr id="10244" name="灯片编号占位符 3">
             <a:extLst>
               <a:ext uri="{FF2B5EF4-FFF2-40B4-BE49-F238E27FC236}">
-                <a16:creationId xmlns:a16="http://schemas.microsoft.com/office/drawing/2014/main" id="{B2169250-E029-48CF-8A2C-2DB42CD73F84}"/>
+                <a16:creationId xmlns:a16="http://schemas.microsoft.com/office/drawing/2014/main" id="{D4936B06-6A63-4FA9-B9E1-66EFA838C3C1}"/>
               </a:ext>
             </a:extLst>
           </p:cNvPr>
@@ -3760,7 +3756,7 @@
                 <a:spcPct val="0"/>
               </a:spcBef>
             </a:pPr>
-            <a:fld id="{B3F0D7AD-D54A-4396-9C8E-F6178C7A3959}" type="slidenum">
+            <a:fld id="{99E058BF-D8F7-461D-95D2-BAE94B88B9AC}" type="slidenum">
               <a:rPr kumimoji="0" lang="zh-CN" altLang="en-US" smtClean="0">
                 <a:latin typeface="Arial" panose="020B0604020202020204" pitchFamily="34" charset="0"/>
               </a:rPr>
@@ -3807,7 +3803,7 @@
           <p:cNvPr id="54274" name="幻灯片图像占位符 1">
             <a:extLst>
               <a:ext uri="{FF2B5EF4-FFF2-40B4-BE49-F238E27FC236}">
-                <a16:creationId xmlns:a16="http://schemas.microsoft.com/office/drawing/2014/main" id="{C2A5E50E-8287-4D4B-A4EE-B9A9D345C256}"/>
+                <a16:creationId xmlns:a16="http://schemas.microsoft.com/office/drawing/2014/main" id="{F48E33B9-CFD6-43FC-8C88-23A006F0634A}"/>
               </a:ext>
             </a:extLst>
           </p:cNvPr>
@@ -3819,10 +3815,6 @@
           </p:nvPr>
         </p:nvSpPr>
         <p:spPr bwMode="auto">
-          <a:xfrm>
-            <a:off x="381000" y="685800"/>
-            <a:ext cx="6096000" cy="3429000"/>
-          </a:xfrm>
           <a:noFill/>
           <a:ln>
             <a:solidFill>
@@ -3848,7 +3840,7 @@
           <p:cNvPr id="54275" name="备注占位符 2">
             <a:extLst>
               <a:ext uri="{FF2B5EF4-FFF2-40B4-BE49-F238E27FC236}">
-                <a16:creationId xmlns:a16="http://schemas.microsoft.com/office/drawing/2014/main" id="{36B90399-CC31-4E54-8CF9-B68581F2FF9D}"/>
+                <a16:creationId xmlns:a16="http://schemas.microsoft.com/office/drawing/2014/main" id="{C6147DF8-B794-4517-BF83-5ACAD99D2AAC}"/>
               </a:ext>
             </a:extLst>
           </p:cNvPr>
@@ -3894,7 +3886,7 @@
           <p:cNvPr id="54276" name="灯片编号占位符 3">
             <a:extLst>
               <a:ext uri="{FF2B5EF4-FFF2-40B4-BE49-F238E27FC236}">
-                <a16:creationId xmlns:a16="http://schemas.microsoft.com/office/drawing/2014/main" id="{FFE9DE54-1DC3-4901-968F-01E007CF5103}"/>
+                <a16:creationId xmlns:a16="http://schemas.microsoft.com/office/drawing/2014/main" id="{D05CF9BD-1A0E-49EA-BD2F-72F40ECDA555}"/>
               </a:ext>
             </a:extLst>
           </p:cNvPr>
@@ -4057,7 +4049,7 @@
                 <a:spcPct val="0"/>
               </a:spcBef>
             </a:pPr>
-            <a:fld id="{D5490F4C-D9F7-4C0C-B14D-61D5088F2D25}" type="slidenum">
+            <a:fld id="{E31C8EC0-27EE-470E-B6AA-0011D0D008D0}" type="slidenum">
               <a:rPr kumimoji="0" lang="zh-CN" altLang="en-US" smtClean="0">
                 <a:latin typeface="Arial" panose="020B0604020202020204" pitchFamily="34" charset="0"/>
               </a:rPr>
@@ -4104,7 +4096,7 @@
           <p:cNvPr id="57346" name="幻灯片图像占位符 1">
             <a:extLst>
               <a:ext uri="{FF2B5EF4-FFF2-40B4-BE49-F238E27FC236}">
-                <a16:creationId xmlns:a16="http://schemas.microsoft.com/office/drawing/2014/main" id="{9C8B45FE-B880-4CED-9C56-3D528695ADDF}"/>
+                <a16:creationId xmlns:a16="http://schemas.microsoft.com/office/drawing/2014/main" id="{D44F0011-6C23-416E-B468-A001D2232CC5}"/>
               </a:ext>
             </a:extLst>
           </p:cNvPr>
@@ -4116,10 +4108,6 @@
           </p:nvPr>
         </p:nvSpPr>
         <p:spPr bwMode="auto">
-          <a:xfrm>
-            <a:off x="381000" y="685800"/>
-            <a:ext cx="6096000" cy="3429000"/>
-          </a:xfrm>
           <a:noFill/>
           <a:ln>
             <a:solidFill>
@@ -4145,7 +4133,7 @@
           <p:cNvPr id="57347" name="备注占位符 2">
             <a:extLst>
               <a:ext uri="{FF2B5EF4-FFF2-40B4-BE49-F238E27FC236}">
-                <a16:creationId xmlns:a16="http://schemas.microsoft.com/office/drawing/2014/main" id="{F9FA5BD2-4C7C-4BA2-893E-5D0F9D7883FC}"/>
+                <a16:creationId xmlns:a16="http://schemas.microsoft.com/office/drawing/2014/main" id="{5F6BD8D3-F601-41EE-BBAB-F8698402C6B9}"/>
               </a:ext>
             </a:extLst>
           </p:cNvPr>
@@ -4191,7 +4179,7 @@
           <p:cNvPr id="57348" name="灯片编号占位符 3">
             <a:extLst>
               <a:ext uri="{FF2B5EF4-FFF2-40B4-BE49-F238E27FC236}">
-                <a16:creationId xmlns:a16="http://schemas.microsoft.com/office/drawing/2014/main" id="{56101072-DEBA-4DB7-B01D-76BF35FB6C3A}"/>
+                <a16:creationId xmlns:a16="http://schemas.microsoft.com/office/drawing/2014/main" id="{786FC7EB-079D-402B-A7B8-416CDAE13132}"/>
               </a:ext>
             </a:extLst>
           </p:cNvPr>
@@ -4354,7 +4342,7 @@
                 <a:spcPct val="0"/>
               </a:spcBef>
             </a:pPr>
-            <a:fld id="{73147448-3FA6-4F36-92FF-C0C81CD51B8B}" type="slidenum">
+            <a:fld id="{CCDB41AC-52E1-4099-90A1-D3AAC3251E10}" type="slidenum">
               <a:rPr kumimoji="0" lang="zh-CN" altLang="en-US" smtClean="0">
                 <a:latin typeface="Arial" panose="020B0604020202020204" pitchFamily="34" charset="0"/>
               </a:rPr>
@@ -4401,7 +4389,7 @@
           <p:cNvPr id="60418" name="幻灯片图像占位符 1">
             <a:extLst>
               <a:ext uri="{FF2B5EF4-FFF2-40B4-BE49-F238E27FC236}">
-                <a16:creationId xmlns:a16="http://schemas.microsoft.com/office/drawing/2014/main" id="{DD02A3E8-78EB-4989-8423-FEEB65DDA0E1}"/>
+                <a16:creationId xmlns:a16="http://schemas.microsoft.com/office/drawing/2014/main" id="{ADFC8B34-B0B5-4FF1-B4DB-208E3C9468C4}"/>
               </a:ext>
             </a:extLst>
           </p:cNvPr>
@@ -4413,10 +4401,6 @@
           </p:nvPr>
         </p:nvSpPr>
         <p:spPr bwMode="auto">
-          <a:xfrm>
-            <a:off x="381000" y="685800"/>
-            <a:ext cx="6096000" cy="3429000"/>
-          </a:xfrm>
           <a:noFill/>
           <a:ln>
             <a:solidFill>
@@ -4442,7 +4426,7 @@
           <p:cNvPr id="60419" name="备注占位符 2">
             <a:extLst>
               <a:ext uri="{FF2B5EF4-FFF2-40B4-BE49-F238E27FC236}">
-                <a16:creationId xmlns:a16="http://schemas.microsoft.com/office/drawing/2014/main" id="{C3EA9F04-113E-4AF7-8FAB-DBC8CA1CAE1F}"/>
+                <a16:creationId xmlns:a16="http://schemas.microsoft.com/office/drawing/2014/main" id="{482004A5-D3BA-4A3F-BE0D-4F8ADDB95E7B}"/>
               </a:ext>
             </a:extLst>
           </p:cNvPr>
@@ -4488,7 +4472,7 @@
           <p:cNvPr id="60420" name="幻灯片编号占位符 3">
             <a:extLst>
               <a:ext uri="{FF2B5EF4-FFF2-40B4-BE49-F238E27FC236}">
-                <a16:creationId xmlns:a16="http://schemas.microsoft.com/office/drawing/2014/main" id="{B18D632F-4672-48FD-BA0F-00F2AB275B9D}"/>
+                <a16:creationId xmlns:a16="http://schemas.microsoft.com/office/drawing/2014/main" id="{AAE6A281-9918-48D3-A7F1-DF411AFF0AB9}"/>
               </a:ext>
             </a:extLst>
           </p:cNvPr>
@@ -4651,7 +4635,7 @@
                 <a:spcPct val="0"/>
               </a:spcBef>
             </a:pPr>
-            <a:fld id="{5CF6B299-243E-4FD9-A640-73488E228D6F}" type="slidenum">
+            <a:fld id="{116A007A-4077-4270-9945-CCB300354BAB}" type="slidenum">
               <a:rPr kumimoji="0" lang="zh-CN" altLang="en-US" smtClean="0">
                 <a:latin typeface="Arial" panose="020B0604020202020204" pitchFamily="34" charset="0"/>
               </a:rPr>
@@ -4698,7 +4682,7 @@
           <p:cNvPr id="63490" name="幻灯片图像占位符 1">
             <a:extLst>
               <a:ext uri="{FF2B5EF4-FFF2-40B4-BE49-F238E27FC236}">
-                <a16:creationId xmlns:a16="http://schemas.microsoft.com/office/drawing/2014/main" id="{591D251B-0421-4C0A-8DCB-5C088ECB3B97}"/>
+                <a16:creationId xmlns:a16="http://schemas.microsoft.com/office/drawing/2014/main" id="{00F746DD-33FA-4520-924C-AB4555DF9D1D}"/>
               </a:ext>
             </a:extLst>
           </p:cNvPr>
@@ -4710,10 +4694,6 @@
           </p:nvPr>
         </p:nvSpPr>
         <p:spPr bwMode="auto">
-          <a:xfrm>
-            <a:off x="381000" y="685800"/>
-            <a:ext cx="6096000" cy="3429000"/>
-          </a:xfrm>
           <a:noFill/>
           <a:ln>
             <a:solidFill>
@@ -4739,7 +4719,7 @@
           <p:cNvPr id="63491" name="备注占位符 2">
             <a:extLst>
               <a:ext uri="{FF2B5EF4-FFF2-40B4-BE49-F238E27FC236}">
-                <a16:creationId xmlns:a16="http://schemas.microsoft.com/office/drawing/2014/main" id="{C30FAC86-EF34-4C92-A49E-0643FCC9017E}"/>
+                <a16:creationId xmlns:a16="http://schemas.microsoft.com/office/drawing/2014/main" id="{24F98FA7-9AE4-4453-BC85-9608C4FC7DA7}"/>
               </a:ext>
             </a:extLst>
           </p:cNvPr>
@@ -4788,7 +4768,7 @@
           <p:cNvPr id="63492" name="灯片编号占位符 3">
             <a:extLst>
               <a:ext uri="{FF2B5EF4-FFF2-40B4-BE49-F238E27FC236}">
-                <a16:creationId xmlns:a16="http://schemas.microsoft.com/office/drawing/2014/main" id="{EDEBAF33-A741-467A-BD80-8E518D86414A}"/>
+                <a16:creationId xmlns:a16="http://schemas.microsoft.com/office/drawing/2014/main" id="{8EA77B21-954F-4F05-8BF3-A04BC7C3FBC0}"/>
               </a:ext>
             </a:extLst>
           </p:cNvPr>
@@ -4951,7 +4931,7 @@
                 <a:spcPct val="0"/>
               </a:spcBef>
             </a:pPr>
-            <a:fld id="{843DB358-3F0F-4ECE-B719-738A1732E0E6}" type="slidenum">
+            <a:fld id="{32B16F8E-C74B-442F-AE8D-00A195CC40F0}" type="slidenum">
               <a:rPr kumimoji="0" lang="zh-CN" altLang="en-US" smtClean="0">
                 <a:latin typeface="Arial" panose="020B0604020202020204" pitchFamily="34" charset="0"/>
               </a:rPr>
@@ -4998,7 +4978,7 @@
           <p:cNvPr id="65538" name="幻灯片图像占位符 1">
             <a:extLst>
               <a:ext uri="{FF2B5EF4-FFF2-40B4-BE49-F238E27FC236}">
-                <a16:creationId xmlns:a16="http://schemas.microsoft.com/office/drawing/2014/main" id="{50732D32-4B41-4ABF-8454-267BFC30A8A6}"/>
+                <a16:creationId xmlns:a16="http://schemas.microsoft.com/office/drawing/2014/main" id="{F5EB664B-FD73-4E9B-9343-9F40AD26E3FF}"/>
               </a:ext>
             </a:extLst>
           </p:cNvPr>
@@ -5010,10 +4990,6 @@
           </p:nvPr>
         </p:nvSpPr>
         <p:spPr bwMode="auto">
-          <a:xfrm>
-            <a:off x="381000" y="685800"/>
-            <a:ext cx="6096000" cy="3429000"/>
-          </a:xfrm>
           <a:noFill/>
           <a:ln>
             <a:solidFill>
@@ -5039,7 +5015,7 @@
           <p:cNvPr id="65539" name="备注占位符 2">
             <a:extLst>
               <a:ext uri="{FF2B5EF4-FFF2-40B4-BE49-F238E27FC236}">
-                <a16:creationId xmlns:a16="http://schemas.microsoft.com/office/drawing/2014/main" id="{C3F66903-8CE0-49F4-A7BE-F9A70F1B8906}"/>
+                <a16:creationId xmlns:a16="http://schemas.microsoft.com/office/drawing/2014/main" id="{215E2356-0FE4-4FB9-97AD-8640CF02C7C6}"/>
               </a:ext>
             </a:extLst>
           </p:cNvPr>
@@ -5221,7 +5197,7 @@
           <p:cNvPr id="65540" name="灯片编号占位符 3">
             <a:extLst>
               <a:ext uri="{FF2B5EF4-FFF2-40B4-BE49-F238E27FC236}">
-                <a16:creationId xmlns:a16="http://schemas.microsoft.com/office/drawing/2014/main" id="{0530336A-D455-4CEE-B2C7-551AED40E35B}"/>
+                <a16:creationId xmlns:a16="http://schemas.microsoft.com/office/drawing/2014/main" id="{FF0D495F-B693-4F8F-9F43-0CC7DF9FBA08}"/>
               </a:ext>
             </a:extLst>
           </p:cNvPr>
@@ -5384,7 +5360,7 @@
                 <a:spcPct val="0"/>
               </a:spcBef>
             </a:pPr>
-            <a:fld id="{293AD18B-4F0F-4511-9F53-EBA9579AA7C6}" type="slidenum">
+            <a:fld id="{2E9975BD-3C46-4919-A6B7-25BB0CC7D9BC}" type="slidenum">
               <a:rPr kumimoji="0" lang="zh-CN" altLang="en-US" smtClean="0">
                 <a:latin typeface="Arial" panose="020B0604020202020204" pitchFamily="34" charset="0"/>
               </a:rPr>
@@ -5431,7 +5407,7 @@
           <p:cNvPr id="67586" name="幻灯片图像占位符 1">
             <a:extLst>
               <a:ext uri="{FF2B5EF4-FFF2-40B4-BE49-F238E27FC236}">
-                <a16:creationId xmlns:a16="http://schemas.microsoft.com/office/drawing/2014/main" id="{8620FE72-2F91-4E9E-8B44-3CC8AE1CEF63}"/>
+                <a16:creationId xmlns:a16="http://schemas.microsoft.com/office/drawing/2014/main" id="{71274C78-C30F-4AE5-87D0-FFE468C5A782}"/>
               </a:ext>
             </a:extLst>
           </p:cNvPr>
@@ -5443,10 +5419,6 @@
           </p:nvPr>
         </p:nvSpPr>
         <p:spPr bwMode="auto">
-          <a:xfrm>
-            <a:off x="381000" y="685800"/>
-            <a:ext cx="6096000" cy="3429000"/>
-          </a:xfrm>
           <a:noFill/>
           <a:ln>
             <a:solidFill>
@@ -5472,7 +5444,7 @@
           <p:cNvPr id="67587" name="备注占位符 2">
             <a:extLst>
               <a:ext uri="{FF2B5EF4-FFF2-40B4-BE49-F238E27FC236}">
-                <a16:creationId xmlns:a16="http://schemas.microsoft.com/office/drawing/2014/main" id="{8D7BE700-6855-4CCF-922B-4E4118E940F0}"/>
+                <a16:creationId xmlns:a16="http://schemas.microsoft.com/office/drawing/2014/main" id="{9CC57F73-552D-43EA-AF59-3138F21F511F}"/>
               </a:ext>
             </a:extLst>
           </p:cNvPr>
@@ -5597,7 +5569,7 @@
           <p:cNvPr id="67588" name="灯片编号占位符 3">
             <a:extLst>
               <a:ext uri="{FF2B5EF4-FFF2-40B4-BE49-F238E27FC236}">
-                <a16:creationId xmlns:a16="http://schemas.microsoft.com/office/drawing/2014/main" id="{F0215412-44EE-405C-82A5-26C392E0F35E}"/>
+                <a16:creationId xmlns:a16="http://schemas.microsoft.com/office/drawing/2014/main" id="{C454784F-D0CF-48E7-A4B3-07DF5F2B31F4}"/>
               </a:ext>
             </a:extLst>
           </p:cNvPr>
@@ -5760,7 +5732,7 @@
                 <a:spcPct val="0"/>
               </a:spcBef>
             </a:pPr>
-            <a:fld id="{96E00929-9900-48FB-8B99-7FDE6145E848}" type="slidenum">
+            <a:fld id="{CED81F2F-CAB0-410D-861D-C53E3876D352}" type="slidenum">
               <a:rPr kumimoji="0" lang="zh-CN" altLang="en-US" smtClean="0">
                 <a:latin typeface="Arial" panose="020B0604020202020204" pitchFamily="34" charset="0"/>
               </a:rPr>
@@ -5807,7 +5779,7 @@
           <p:cNvPr id="72706" name="幻灯片图像占位符 1">
             <a:extLst>
               <a:ext uri="{FF2B5EF4-FFF2-40B4-BE49-F238E27FC236}">
-                <a16:creationId xmlns:a16="http://schemas.microsoft.com/office/drawing/2014/main" id="{953471AA-0D65-4371-9A9A-A52EE4E38F00}"/>
+                <a16:creationId xmlns:a16="http://schemas.microsoft.com/office/drawing/2014/main" id="{9FB87EB1-4E3E-437A-8052-DAA3DF6490D9}"/>
               </a:ext>
             </a:extLst>
           </p:cNvPr>
@@ -5819,10 +5791,6 @@
           </p:nvPr>
         </p:nvSpPr>
         <p:spPr bwMode="auto">
-          <a:xfrm>
-            <a:off x="381000" y="685800"/>
-            <a:ext cx="6096000" cy="3429000"/>
-          </a:xfrm>
           <a:noFill/>
           <a:ln>
             <a:solidFill>
@@ -5848,7 +5816,7 @@
           <p:cNvPr id="72707" name="备注占位符 2">
             <a:extLst>
               <a:ext uri="{FF2B5EF4-FFF2-40B4-BE49-F238E27FC236}">
-                <a16:creationId xmlns:a16="http://schemas.microsoft.com/office/drawing/2014/main" id="{B2F414E7-7A20-42DC-8E34-CA9D507265D6}"/>
+                <a16:creationId xmlns:a16="http://schemas.microsoft.com/office/drawing/2014/main" id="{E2F1CB74-A7D4-428D-8476-9CDD5135806B}"/>
               </a:ext>
             </a:extLst>
           </p:cNvPr>
@@ -5998,7 +5966,7 @@
           <p:cNvPr id="72708" name="灯片编号占位符 3">
             <a:extLst>
               <a:ext uri="{FF2B5EF4-FFF2-40B4-BE49-F238E27FC236}">
-                <a16:creationId xmlns:a16="http://schemas.microsoft.com/office/drawing/2014/main" id="{DC418408-9435-4396-BBAC-B110562AB6DC}"/>
+                <a16:creationId xmlns:a16="http://schemas.microsoft.com/office/drawing/2014/main" id="{9FB43DA8-F902-4684-BF29-256C097F74C3}"/>
               </a:ext>
             </a:extLst>
           </p:cNvPr>
@@ -6161,7 +6129,7 @@
                 <a:spcPct val="0"/>
               </a:spcBef>
             </a:pPr>
-            <a:fld id="{46554021-8F73-494B-8169-61BFC5937F0B}" type="slidenum">
+            <a:fld id="{918336E0-FB5A-4C92-A1B2-59D4058444D3}" type="slidenum">
               <a:rPr kumimoji="0" lang="zh-CN" altLang="en-US" smtClean="0">
                 <a:latin typeface="Arial" panose="020B0604020202020204" pitchFamily="34" charset="0"/>
               </a:rPr>
@@ -6208,7 +6176,7 @@
           <p:cNvPr id="12290" name="幻灯片图像占位符 1">
             <a:extLst>
               <a:ext uri="{FF2B5EF4-FFF2-40B4-BE49-F238E27FC236}">
-                <a16:creationId xmlns:a16="http://schemas.microsoft.com/office/drawing/2014/main" id="{7CF8DB7C-43BB-45DA-930F-518DFBC274C3}"/>
+                <a16:creationId xmlns:a16="http://schemas.microsoft.com/office/drawing/2014/main" id="{53334A9E-4189-4591-A64B-B3228F04A758}"/>
               </a:ext>
             </a:extLst>
           </p:cNvPr>
@@ -6220,10 +6188,6 @@
           </p:nvPr>
         </p:nvSpPr>
         <p:spPr bwMode="auto">
-          <a:xfrm>
-            <a:off x="381000" y="685800"/>
-            <a:ext cx="6096000" cy="3429000"/>
-          </a:xfrm>
           <a:noFill/>
           <a:ln>
             <a:solidFill>
@@ -6249,7 +6213,7 @@
           <p:cNvPr id="12291" name="备注占位符 2">
             <a:extLst>
               <a:ext uri="{FF2B5EF4-FFF2-40B4-BE49-F238E27FC236}">
-                <a16:creationId xmlns:a16="http://schemas.microsoft.com/office/drawing/2014/main" id="{6062A509-52B9-4725-8532-AC0D7435789B}"/>
+                <a16:creationId xmlns:a16="http://schemas.microsoft.com/office/drawing/2014/main" id="{EA82584D-2E61-4E81-B65A-33054B9D4DC7}"/>
               </a:ext>
             </a:extLst>
           </p:cNvPr>
@@ -6287,7 +6251,7 @@
           <a:lstStyle/>
           <a:p>
             <a:r>
-              <a:rPr kumimoji="0" lang="zh-CN" altLang="en-US"/>
+              <a:rPr kumimoji="0" lang="zh-CN" altLang="en-US" dirty="0"/>
               <a:t>抽查点名</a:t>
             </a:r>
           </a:p>
@@ -6298,7 +6262,7 @@
           <p:cNvPr id="12292" name="灯片编号占位符 3">
             <a:extLst>
               <a:ext uri="{FF2B5EF4-FFF2-40B4-BE49-F238E27FC236}">
-                <a16:creationId xmlns:a16="http://schemas.microsoft.com/office/drawing/2014/main" id="{810D8D62-194B-49B2-9849-32DE3F5A09E2}"/>
+                <a16:creationId xmlns:a16="http://schemas.microsoft.com/office/drawing/2014/main" id="{F2C5073F-8B2F-429E-892D-14C95CB5F7B5}"/>
               </a:ext>
             </a:extLst>
           </p:cNvPr>
@@ -6461,7 +6425,7 @@
                 <a:spcPct val="0"/>
               </a:spcBef>
             </a:pPr>
-            <a:fld id="{A000505D-14DC-4442-8AAA-317323258654}" type="slidenum">
+            <a:fld id="{27C27728-929E-4B48-BDF5-ED0162E9FAD6}" type="slidenum">
               <a:rPr kumimoji="0" lang="zh-CN" altLang="en-US" smtClean="0">
                 <a:latin typeface="Arial" panose="020B0604020202020204" pitchFamily="34" charset="0"/>
               </a:rPr>
@@ -6508,7 +6472,7 @@
           <p:cNvPr id="16386" name="幻灯片图像占位符 1">
             <a:extLst>
               <a:ext uri="{FF2B5EF4-FFF2-40B4-BE49-F238E27FC236}">
-                <a16:creationId xmlns:a16="http://schemas.microsoft.com/office/drawing/2014/main" id="{36158F91-E9E6-42F8-93E0-9B687D54A551}"/>
+                <a16:creationId xmlns:a16="http://schemas.microsoft.com/office/drawing/2014/main" id="{FF1E6774-070F-4376-A783-0DB9F5754817}"/>
               </a:ext>
             </a:extLst>
           </p:cNvPr>
@@ -6520,10 +6484,6 @@
           </p:nvPr>
         </p:nvSpPr>
         <p:spPr bwMode="auto">
-          <a:xfrm>
-            <a:off x="381000" y="685800"/>
-            <a:ext cx="6096000" cy="3429000"/>
-          </a:xfrm>
           <a:noFill/>
           <a:ln>
             <a:solidFill>
@@ -6549,7 +6509,7 @@
           <p:cNvPr id="16387" name="备注占位符 2">
             <a:extLst>
               <a:ext uri="{FF2B5EF4-FFF2-40B4-BE49-F238E27FC236}">
-                <a16:creationId xmlns:a16="http://schemas.microsoft.com/office/drawing/2014/main" id="{B3611B46-7C4D-44BD-8B9E-F0D9C98789F9}"/>
+                <a16:creationId xmlns:a16="http://schemas.microsoft.com/office/drawing/2014/main" id="{0256ABC3-18B3-487E-8FD0-59B060B94055}"/>
               </a:ext>
             </a:extLst>
           </p:cNvPr>
@@ -6595,7 +6555,7 @@
           <p:cNvPr id="16388" name="灯片编号占位符 3">
             <a:extLst>
               <a:ext uri="{FF2B5EF4-FFF2-40B4-BE49-F238E27FC236}">
-                <a16:creationId xmlns:a16="http://schemas.microsoft.com/office/drawing/2014/main" id="{252E02B9-596A-4486-B5CA-61BE8DC7E4D7}"/>
+                <a16:creationId xmlns:a16="http://schemas.microsoft.com/office/drawing/2014/main" id="{B6BA286D-AB2D-473A-B4EA-E95627F131DE}"/>
               </a:ext>
             </a:extLst>
           </p:cNvPr>
@@ -6758,7 +6718,7 @@
                 <a:spcPct val="0"/>
               </a:spcBef>
             </a:pPr>
-            <a:fld id="{6A1CECF5-362D-4DD7-8932-94384C5ECD79}" type="slidenum">
+            <a:fld id="{F5159A42-B215-4EBF-9CE4-8ED063FBC10C}" type="slidenum">
               <a:rPr kumimoji="0" lang="zh-CN" altLang="en-US" smtClean="0">
                 <a:latin typeface="Arial" panose="020B0604020202020204" pitchFamily="34" charset="0"/>
               </a:rPr>
@@ -6805,7 +6765,7 @@
           <p:cNvPr id="18434" name="幻灯片图像占位符 1">
             <a:extLst>
               <a:ext uri="{FF2B5EF4-FFF2-40B4-BE49-F238E27FC236}">
-                <a16:creationId xmlns:a16="http://schemas.microsoft.com/office/drawing/2014/main" id="{FA8D90A2-04AC-44CB-99F8-3813F58A5B6D}"/>
+                <a16:creationId xmlns:a16="http://schemas.microsoft.com/office/drawing/2014/main" id="{5D952B62-A4C2-4A6E-8A82-33E4768B14AA}"/>
               </a:ext>
             </a:extLst>
           </p:cNvPr>
@@ -6817,10 +6777,6 @@
           </p:nvPr>
         </p:nvSpPr>
         <p:spPr bwMode="auto">
-          <a:xfrm>
-            <a:off x="381000" y="685800"/>
-            <a:ext cx="6096000" cy="3429000"/>
-          </a:xfrm>
           <a:noFill/>
           <a:ln>
             <a:solidFill>
@@ -6846,7 +6802,7 @@
           <p:cNvPr id="18435" name="备注占位符 2">
             <a:extLst>
               <a:ext uri="{FF2B5EF4-FFF2-40B4-BE49-F238E27FC236}">
-                <a16:creationId xmlns:a16="http://schemas.microsoft.com/office/drawing/2014/main" id="{22350B4B-C0BF-4F01-8C5B-125FF27A1C30}"/>
+                <a16:creationId xmlns:a16="http://schemas.microsoft.com/office/drawing/2014/main" id="{BD417288-85A5-4D4F-9BF1-3B1488032D89}"/>
               </a:ext>
             </a:extLst>
           </p:cNvPr>
@@ -6909,7 +6865,7 @@
           <p:cNvPr id="18436" name="灯片编号占位符 3">
             <a:extLst>
               <a:ext uri="{FF2B5EF4-FFF2-40B4-BE49-F238E27FC236}">
-                <a16:creationId xmlns:a16="http://schemas.microsoft.com/office/drawing/2014/main" id="{575BBCFB-B98C-47A3-B67A-0DCCA493BE36}"/>
+                <a16:creationId xmlns:a16="http://schemas.microsoft.com/office/drawing/2014/main" id="{5471899C-C800-4F36-8697-1866F6634BD9}"/>
               </a:ext>
             </a:extLst>
           </p:cNvPr>
@@ -7072,7 +7028,7 @@
                 <a:spcPct val="0"/>
               </a:spcBef>
             </a:pPr>
-            <a:fld id="{D76897B5-E98E-4A21-B3A6-1886760D1729}" type="slidenum">
+            <a:fld id="{98A99839-0C71-4D0B-AE0F-239CCE18AD24}" type="slidenum">
               <a:rPr kumimoji="0" lang="zh-CN" altLang="en-US" smtClean="0">
                 <a:latin typeface="Arial" panose="020B0604020202020204" pitchFamily="34" charset="0"/>
               </a:rPr>
@@ -7119,7 +7075,7 @@
           <p:cNvPr id="20482" name="幻灯片图像占位符 1">
             <a:extLst>
               <a:ext uri="{FF2B5EF4-FFF2-40B4-BE49-F238E27FC236}">
-                <a16:creationId xmlns:a16="http://schemas.microsoft.com/office/drawing/2014/main" id="{D866FC3B-D778-4AD4-AF98-EC44DF96D23F}"/>
+                <a16:creationId xmlns:a16="http://schemas.microsoft.com/office/drawing/2014/main" id="{C0722239-C699-4E7F-A2BB-00B4911FBF9D}"/>
               </a:ext>
             </a:extLst>
           </p:cNvPr>
@@ -7131,10 +7087,6 @@
           </p:nvPr>
         </p:nvSpPr>
         <p:spPr bwMode="auto">
-          <a:xfrm>
-            <a:off x="381000" y="685800"/>
-            <a:ext cx="6096000" cy="3429000"/>
-          </a:xfrm>
           <a:noFill/>
           <a:ln>
             <a:solidFill>
@@ -7160,7 +7112,7 @@
           <p:cNvPr id="20483" name="备注占位符 2">
             <a:extLst>
               <a:ext uri="{FF2B5EF4-FFF2-40B4-BE49-F238E27FC236}">
-                <a16:creationId xmlns:a16="http://schemas.microsoft.com/office/drawing/2014/main" id="{E8E7B680-FBC6-44EC-9B0B-54CEFAA142B9}"/>
+                <a16:creationId xmlns:a16="http://schemas.microsoft.com/office/drawing/2014/main" id="{D8EB7DB5-62B0-442E-B323-8717B17923C2}"/>
               </a:ext>
             </a:extLst>
           </p:cNvPr>
@@ -7206,7 +7158,7 @@
           <p:cNvPr id="20484" name="灯片编号占位符 3">
             <a:extLst>
               <a:ext uri="{FF2B5EF4-FFF2-40B4-BE49-F238E27FC236}">
-                <a16:creationId xmlns:a16="http://schemas.microsoft.com/office/drawing/2014/main" id="{BE0CDF8F-B6E0-4266-B103-1D0AA7262A5E}"/>
+                <a16:creationId xmlns:a16="http://schemas.microsoft.com/office/drawing/2014/main" id="{4D23D1D5-5CC1-406C-966C-56F1EAAC7D4E}"/>
               </a:ext>
             </a:extLst>
           </p:cNvPr>
@@ -7369,7 +7321,7 @@
                 <a:spcPct val="0"/>
               </a:spcBef>
             </a:pPr>
-            <a:fld id="{60C29C1D-41BD-411A-9D15-35951FEFC8AD}" type="slidenum">
+            <a:fld id="{53455884-4E5B-40FF-80BA-A31552C6CA58}" type="slidenum">
               <a:rPr kumimoji="0" lang="en-US" altLang="zh-CN" smtClean="0">
                 <a:latin typeface="Arial" panose="020B0604020202020204" pitchFamily="34" charset="0"/>
               </a:rPr>
@@ -7416,7 +7368,7 @@
           <p:cNvPr id="26626" name="幻灯片图像占位符 1">
             <a:extLst>
               <a:ext uri="{FF2B5EF4-FFF2-40B4-BE49-F238E27FC236}">
-                <a16:creationId xmlns:a16="http://schemas.microsoft.com/office/drawing/2014/main" id="{BEE4255E-4CAC-4EA6-86F1-FF7153902572}"/>
+                <a16:creationId xmlns:a16="http://schemas.microsoft.com/office/drawing/2014/main" id="{5AE9483C-DB3B-4BAE-8582-E461243E99D0}"/>
               </a:ext>
             </a:extLst>
           </p:cNvPr>
@@ -7428,10 +7380,6 @@
           </p:nvPr>
         </p:nvSpPr>
         <p:spPr bwMode="auto">
-          <a:xfrm>
-            <a:off x="381000" y="685800"/>
-            <a:ext cx="6096000" cy="3429000"/>
-          </a:xfrm>
           <a:noFill/>
           <a:ln>
             <a:solidFill>
@@ -7457,7 +7405,7 @@
           <p:cNvPr id="26627" name="备注占位符 2">
             <a:extLst>
               <a:ext uri="{FF2B5EF4-FFF2-40B4-BE49-F238E27FC236}">
-                <a16:creationId xmlns:a16="http://schemas.microsoft.com/office/drawing/2014/main" id="{0CFB0EA2-4F86-47C1-AA53-333068C987F3}"/>
+                <a16:creationId xmlns:a16="http://schemas.microsoft.com/office/drawing/2014/main" id="{219BDAED-4DF5-4893-92C5-3E3A7964CD8A}"/>
               </a:ext>
             </a:extLst>
           </p:cNvPr>
@@ -7506,7 +7454,7 @@
           <p:cNvPr id="26628" name="幻灯片编号占位符 3">
             <a:extLst>
               <a:ext uri="{FF2B5EF4-FFF2-40B4-BE49-F238E27FC236}">
-                <a16:creationId xmlns:a16="http://schemas.microsoft.com/office/drawing/2014/main" id="{24938A38-2DD5-4B99-B3B2-209B831CBCF7}"/>
+                <a16:creationId xmlns:a16="http://schemas.microsoft.com/office/drawing/2014/main" id="{5794CF21-632B-4EED-8A56-36BE8E9275AD}"/>
               </a:ext>
             </a:extLst>
           </p:cNvPr>
@@ -7669,7 +7617,7 @@
                 <a:spcPct val="0"/>
               </a:spcBef>
             </a:pPr>
-            <a:fld id="{D896E7AB-E1D5-4325-BD77-8683A603A2F3}" type="slidenum">
+            <a:fld id="{AAC68779-5FB0-409F-9C04-2940E2529FDC}" type="slidenum">
               <a:rPr kumimoji="0" lang="zh-CN" altLang="en-US" smtClean="0">
                 <a:latin typeface="Arial" panose="020B0604020202020204" pitchFamily="34" charset="0"/>
               </a:rPr>
@@ -7716,7 +7664,7 @@
           <p:cNvPr id="33794" name="幻灯片图像占位符 1">
             <a:extLst>
               <a:ext uri="{FF2B5EF4-FFF2-40B4-BE49-F238E27FC236}">
-                <a16:creationId xmlns:a16="http://schemas.microsoft.com/office/drawing/2014/main" id="{3140C594-50AB-42FD-9BEE-D91094E49108}"/>
+                <a16:creationId xmlns:a16="http://schemas.microsoft.com/office/drawing/2014/main" id="{618222CE-9E0C-46D8-B214-E409474D8921}"/>
               </a:ext>
             </a:extLst>
           </p:cNvPr>
@@ -7728,10 +7676,6 @@
           </p:nvPr>
         </p:nvSpPr>
         <p:spPr bwMode="auto">
-          <a:xfrm>
-            <a:off x="381000" y="685800"/>
-            <a:ext cx="6096000" cy="3429000"/>
-          </a:xfrm>
           <a:noFill/>
           <a:ln>
             <a:solidFill>
@@ -7757,7 +7701,7 @@
           <p:cNvPr id="33795" name="备注占位符 2">
             <a:extLst>
               <a:ext uri="{FF2B5EF4-FFF2-40B4-BE49-F238E27FC236}">
-                <a16:creationId xmlns:a16="http://schemas.microsoft.com/office/drawing/2014/main" id="{568C0207-45AC-48F1-B255-1268434D0C5C}"/>
+                <a16:creationId xmlns:a16="http://schemas.microsoft.com/office/drawing/2014/main" id="{ABDEE59B-5578-4828-9920-CBB7B59009AB}"/>
               </a:ext>
             </a:extLst>
           </p:cNvPr>
@@ -7809,7 +7753,7 @@
           <p:cNvPr id="33796" name="灯片编号占位符 3">
             <a:extLst>
               <a:ext uri="{FF2B5EF4-FFF2-40B4-BE49-F238E27FC236}">
-                <a16:creationId xmlns:a16="http://schemas.microsoft.com/office/drawing/2014/main" id="{A077BE5A-F5E0-479A-BBC5-270CC494A972}"/>
+                <a16:creationId xmlns:a16="http://schemas.microsoft.com/office/drawing/2014/main" id="{AF58165C-F8FE-4516-8D14-EDCEF30280C3}"/>
               </a:ext>
             </a:extLst>
           </p:cNvPr>
@@ -7972,7 +7916,7 @@
                 <a:spcPct val="0"/>
               </a:spcBef>
             </a:pPr>
-            <a:fld id="{11A8F4D3-7C2B-4329-9606-CB257BE48C9E}" type="slidenum">
+            <a:fld id="{1AFF0B6E-8EE2-402C-8CC7-270856185FC8}" type="slidenum">
               <a:rPr kumimoji="0" lang="en-US" altLang="zh-CN" smtClean="0">
                 <a:latin typeface="Arial" panose="020B0604020202020204" pitchFamily="34" charset="0"/>
               </a:rPr>
@@ -8019,7 +7963,7 @@
           <p:cNvPr id="49154" name="幻灯片图像占位符 1">
             <a:extLst>
               <a:ext uri="{FF2B5EF4-FFF2-40B4-BE49-F238E27FC236}">
-                <a16:creationId xmlns:a16="http://schemas.microsoft.com/office/drawing/2014/main" id="{D4EA9078-7A5D-4E5B-BBE5-A6638193B51E}"/>
+                <a16:creationId xmlns:a16="http://schemas.microsoft.com/office/drawing/2014/main" id="{819377AC-83E6-4FE6-877E-45A73010B0D4}"/>
               </a:ext>
             </a:extLst>
           </p:cNvPr>
@@ -8031,10 +7975,6 @@
           </p:nvPr>
         </p:nvSpPr>
         <p:spPr bwMode="auto">
-          <a:xfrm>
-            <a:off x="381000" y="685800"/>
-            <a:ext cx="6096000" cy="3429000"/>
-          </a:xfrm>
           <a:noFill/>
           <a:ln>
             <a:solidFill>
@@ -8060,7 +8000,7 @@
           <p:cNvPr id="49155" name="备注占位符 2">
             <a:extLst>
               <a:ext uri="{FF2B5EF4-FFF2-40B4-BE49-F238E27FC236}">
-                <a16:creationId xmlns:a16="http://schemas.microsoft.com/office/drawing/2014/main" id="{7CA97FD2-98D7-4B7D-86CD-585F9AA9D8C8}"/>
+                <a16:creationId xmlns:a16="http://schemas.microsoft.com/office/drawing/2014/main" id="{7F5E5E0D-3BEF-41C2-AA0D-DC48E3661319}"/>
               </a:ext>
             </a:extLst>
           </p:cNvPr>
@@ -8232,7 +8172,7 @@
           <p:cNvPr id="49156" name="灯片编号占位符 3">
             <a:extLst>
               <a:ext uri="{FF2B5EF4-FFF2-40B4-BE49-F238E27FC236}">
-                <a16:creationId xmlns:a16="http://schemas.microsoft.com/office/drawing/2014/main" id="{840E1250-640E-40E6-9FEC-8EA901F1EAF0}"/>
+                <a16:creationId xmlns:a16="http://schemas.microsoft.com/office/drawing/2014/main" id="{89A0A932-2B6C-4EF9-92A4-EC5026CD7B44}"/>
               </a:ext>
             </a:extLst>
           </p:cNvPr>
@@ -8395,7 +8335,7 @@
                 <a:spcPct val="0"/>
               </a:spcBef>
             </a:pPr>
-            <a:fld id="{8F8A29CC-36F2-4776-AD6A-6D92D4796278}" type="slidenum">
+            <a:fld id="{D28C01E3-D93D-479F-9BB6-EEE625ADF785}" type="slidenum">
               <a:rPr kumimoji="0" lang="zh-CN" altLang="en-US" smtClean="0">
                 <a:latin typeface="Arial" panose="020B0604020202020204" pitchFamily="34" charset="0"/>
               </a:rPr>
@@ -8442,7 +8382,7 @@
           <p:cNvPr id="52226" name="幻灯片图像占位符 1">
             <a:extLst>
               <a:ext uri="{FF2B5EF4-FFF2-40B4-BE49-F238E27FC236}">
-                <a16:creationId xmlns:a16="http://schemas.microsoft.com/office/drawing/2014/main" id="{6D144C0C-70D2-4A89-A935-6CD297BD6DB4}"/>
+                <a16:creationId xmlns:a16="http://schemas.microsoft.com/office/drawing/2014/main" id="{55B5D573-3055-43D8-A06E-EF39BC4A624C}"/>
               </a:ext>
             </a:extLst>
           </p:cNvPr>
@@ -8454,10 +8394,6 @@
           </p:nvPr>
         </p:nvSpPr>
         <p:spPr bwMode="auto">
-          <a:xfrm>
-            <a:off x="381000" y="685800"/>
-            <a:ext cx="6096000" cy="3429000"/>
-          </a:xfrm>
           <a:noFill/>
           <a:ln>
             <a:solidFill>
@@ -8483,7 +8419,7 @@
           <p:cNvPr id="52227" name="备注占位符 2">
             <a:extLst>
               <a:ext uri="{FF2B5EF4-FFF2-40B4-BE49-F238E27FC236}">
-                <a16:creationId xmlns:a16="http://schemas.microsoft.com/office/drawing/2014/main" id="{7503D54D-F103-4564-B58D-BD24F331D617}"/>
+                <a16:creationId xmlns:a16="http://schemas.microsoft.com/office/drawing/2014/main" id="{72214B7B-B10B-4507-9303-84FFE4C1B0B6}"/>
               </a:ext>
             </a:extLst>
           </p:cNvPr>
@@ -8539,7 +8475,7 @@
           <p:cNvPr id="52228" name="灯片编号占位符 3">
             <a:extLst>
               <a:ext uri="{FF2B5EF4-FFF2-40B4-BE49-F238E27FC236}">
-                <a16:creationId xmlns:a16="http://schemas.microsoft.com/office/drawing/2014/main" id="{084AC08F-9360-4EA0-8B25-FAB29359F3C7}"/>
+                <a16:creationId xmlns:a16="http://schemas.microsoft.com/office/drawing/2014/main" id="{8BF0C767-B220-4557-9C25-E247D6AF0CC7}"/>
               </a:ext>
             </a:extLst>
           </p:cNvPr>
@@ -8702,7 +8638,7 @@
                 <a:spcPct val="0"/>
               </a:spcBef>
             </a:pPr>
-            <a:fld id="{0C95B528-9C0C-4E82-9C6F-CDFF28B1109F}" type="slidenum">
+            <a:fld id="{8B0697D2-38C7-4D66-822C-D14DB4540C13}" type="slidenum">
               <a:rPr kumimoji="0" lang="zh-CN" altLang="en-US" smtClean="0">
                 <a:latin typeface="Arial" panose="020B0604020202020204" pitchFamily="34" charset="0"/>
               </a:rPr>
@@ -8749,7 +8685,7 @@
           <p:cNvPr id="3" name="图片 6" descr="图片1.jpg">
             <a:extLst>
               <a:ext uri="{FF2B5EF4-FFF2-40B4-BE49-F238E27FC236}">
-                <a16:creationId xmlns:a16="http://schemas.microsoft.com/office/drawing/2014/main" id="{72AC8627-0FD6-41CB-A023-196486375D84}"/>
+                <a16:creationId xmlns:a16="http://schemas.microsoft.com/office/drawing/2014/main" id="{50724321-5086-4A41-A2FC-57851C58B261}"/>
               </a:ext>
             </a:extLst>
           </p:cNvPr>
@@ -8774,7 +8710,7 @@
         <p:spPr bwMode="auto">
           <a:xfrm>
             <a:off x="0" y="0"/>
-            <a:ext cx="12192000" cy="6858000"/>
+            <a:ext cx="9144000" cy="6858000"/>
           </a:xfrm>
           <a:prstGeom prst="rect">
             <a:avLst/>
@@ -8809,7 +8745,7 @@
           <p:cNvPr id="4" name="Object 7">
             <a:extLst>
               <a:ext uri="{FF2B5EF4-FFF2-40B4-BE49-F238E27FC236}">
-                <a16:creationId xmlns:a16="http://schemas.microsoft.com/office/drawing/2014/main" id="{E2963ABD-A8C1-4A89-8112-1AB926C73148}"/>
+                <a16:creationId xmlns:a16="http://schemas.microsoft.com/office/drawing/2014/main" id="{DB9FB336-A922-4D61-AD8D-C2EC117AD357}"/>
               </a:ext>
             </a:extLst>
           </p:cNvPr>
@@ -8819,14 +8755,14 @@
           <p:nvPr userDrawn="1"/>
         </p:nvGraphicFramePr>
         <p:xfrm>
-          <a:off x="7632701" y="260350"/>
-          <a:ext cx="4239684" cy="501650"/>
+          <a:off x="5724525" y="260350"/>
+          <a:ext cx="3179763" cy="501650"/>
         </p:xfrm>
         <a:graphic>
           <a:graphicData uri="http://schemas.openxmlformats.org/presentationml/2006/ole">
             <mc:AlternateContent xmlns:mc="http://schemas.openxmlformats.org/markup-compatibility/2006">
               <mc:Choice xmlns:v="urn:schemas-microsoft-com:vml" Requires="v">
-                <p:oleObj spid="_x0000_s93196" r:id="rId4" imgW="6824520" imgH="1076040" progId="">
+                <p:oleObj spid="_x0000_s93198" r:id="rId4" imgW="6824520" imgH="1076040" progId="">
                   <p:embed/>
                 </p:oleObj>
               </mc:Choice>
@@ -8838,7 +8774,7 @@
                       <p:cNvPr id="2051" name="Object 7">
                         <a:extLst>
                           <a:ext uri="{FF2B5EF4-FFF2-40B4-BE49-F238E27FC236}">
-                            <a16:creationId xmlns:a16="http://schemas.microsoft.com/office/drawing/2014/main" id="{525E4347-6C88-4B8F-88F4-BDDD2AD399A6}"/>
+                            <a16:creationId xmlns:a16="http://schemas.microsoft.com/office/drawing/2014/main" id="{F484873A-0016-49A1-B89B-C0421ADC245C}"/>
                           </a:ext>
                         </a:extLst>
                       </p:cNvPr>
@@ -8862,8 +8798,8 @@
                     </p:blipFill>
                     <p:spPr bwMode="auto">
                       <a:xfrm>
-                        <a:off x="7632701" y="260350"/>
-                        <a:ext cx="4239684" cy="501650"/>
+                        <a:off x="5724525" y="260350"/>
+                        <a:ext cx="3179763" cy="501650"/>
                       </a:xfrm>
                       <a:prstGeom prst="rect">
                         <a:avLst/>
@@ -8916,7 +8852,7 @@
           <p:cNvPr id="5" name="TextBox 3">
             <a:extLst>
               <a:ext uri="{FF2B5EF4-FFF2-40B4-BE49-F238E27FC236}">
-                <a16:creationId xmlns:a16="http://schemas.microsoft.com/office/drawing/2014/main" id="{8F4C5ED8-169A-4D2A-BF1F-918178A755BF}"/>
+                <a16:creationId xmlns:a16="http://schemas.microsoft.com/office/drawing/2014/main" id="{D056DA56-1B30-4BEB-9102-89EFC0CB690F}"/>
               </a:ext>
             </a:extLst>
           </p:cNvPr>
@@ -8927,8 +8863,8 @@
         </p:nvSpPr>
         <p:spPr bwMode="auto">
           <a:xfrm>
-            <a:off x="2476501" y="5040314"/>
-            <a:ext cx="6762751" cy="554037"/>
+            <a:off x="1857375" y="5040313"/>
+            <a:ext cx="5072063" cy="554037"/>
           </a:xfrm>
           <a:prstGeom prst="rect">
             <a:avLst/>
@@ -9129,8 +9065,8 @@
         </p:nvSpPr>
         <p:spPr bwMode="auto">
           <a:xfrm>
-            <a:off x="666712" y="4368792"/>
-            <a:ext cx="10572824" cy="560406"/>
+            <a:off x="500034" y="4368792"/>
+            <a:ext cx="7929618" cy="560406"/>
           </a:xfrm>
           <a:prstGeom prst="rect">
             <a:avLst/>
@@ -9170,7 +9106,7 @@
     </p:spTree>
     <p:extLst>
       <p:ext uri="{BB962C8B-B14F-4D97-AF65-F5344CB8AC3E}">
-        <p14:creationId xmlns:p14="http://schemas.microsoft.com/office/powerpoint/2010/main" val="2526897731"/>
+        <p14:creationId xmlns:p14="http://schemas.microsoft.com/office/powerpoint/2010/main" val="2985806612"/>
       </p:ext>
     </p:extLst>
   </p:cSld>
@@ -9275,7 +9211,7 @@
           <p:cNvPr id="4" name="日期占位符 3">
             <a:extLst>
               <a:ext uri="{FF2B5EF4-FFF2-40B4-BE49-F238E27FC236}">
-                <a16:creationId xmlns:a16="http://schemas.microsoft.com/office/drawing/2014/main" id="{B6329A1A-CA39-4BFF-9782-399C4A89E707}"/>
+                <a16:creationId xmlns:a16="http://schemas.microsoft.com/office/drawing/2014/main" id="{A12ECAA6-E616-4415-A870-D0E676F00169}"/>
               </a:ext>
             </a:extLst>
           </p:cNvPr>
@@ -9298,12 +9234,12 @@
             <a:pPr>
               <a:defRPr/>
             </a:pPr>
-            <a:fld id="{671D64B4-86D6-4ABF-86D0-4A3664328F57}" type="datetimeFigureOut">
+            <a:fld id="{856F1CB8-FB96-4252-99D1-1786A89087A3}" type="datetimeFigureOut">
               <a:rPr lang="zh-CN" altLang="en-US"/>
               <a:pPr>
                 <a:defRPr/>
               </a:pPr>
-              <a:t>2019/7/16</a:t>
+              <a:t>2020/2/16</a:t>
             </a:fld>
             <a:endParaRPr lang="zh-CN" altLang="en-US"/>
           </a:p>
@@ -9314,7 +9250,7 @@
           <p:cNvPr id="5" name="页脚占位符 4">
             <a:extLst>
               <a:ext uri="{FF2B5EF4-FFF2-40B4-BE49-F238E27FC236}">
-                <a16:creationId xmlns:a16="http://schemas.microsoft.com/office/drawing/2014/main" id="{7F224B3B-1765-45B1-81A3-DBFDCD8080DA}"/>
+                <a16:creationId xmlns:a16="http://schemas.microsoft.com/office/drawing/2014/main" id="{6B429811-1ABF-4817-944C-9FA488BDDCBF}"/>
               </a:ext>
             </a:extLst>
           </p:cNvPr>
@@ -9346,7 +9282,7 @@
           <p:cNvPr id="6" name="灯片编号占位符 5">
             <a:extLst>
               <a:ext uri="{FF2B5EF4-FFF2-40B4-BE49-F238E27FC236}">
-                <a16:creationId xmlns:a16="http://schemas.microsoft.com/office/drawing/2014/main" id="{BD3E96B0-83C5-435F-A307-266D510C56BC}"/>
+                <a16:creationId xmlns:a16="http://schemas.microsoft.com/office/drawing/2014/main" id="{D17BE708-837A-4ECA-AAE0-FDD48C76E1A0}"/>
               </a:ext>
             </a:extLst>
           </p:cNvPr>
@@ -9369,7 +9305,7 @@
             <a:pPr>
               <a:defRPr/>
             </a:pPr>
-            <a:fld id="{B1D9FB42-ED68-4871-B23F-4F3E98431CE4}" type="slidenum">
+            <a:fld id="{8859F1B7-80E3-469C-B39B-B985673D4DFE}" type="slidenum">
               <a:rPr lang="zh-CN" altLang="en-US"/>
               <a:pPr>
                 <a:defRPr/>
@@ -9383,7 +9319,7 @@
     </p:spTree>
     <p:extLst>
       <p:ext uri="{BB962C8B-B14F-4D97-AF65-F5344CB8AC3E}">
-        <p14:creationId xmlns:p14="http://schemas.microsoft.com/office/powerpoint/2010/main" val="1897508196"/>
+        <p14:creationId xmlns:p14="http://schemas.microsoft.com/office/powerpoint/2010/main" val="752910754"/>
       </p:ext>
     </p:extLst>
   </p:cSld>
@@ -9422,8 +9358,8 @@
         </p:nvSpPr>
         <p:spPr>
           <a:xfrm>
-            <a:off x="8839200" y="274639"/>
-            <a:ext cx="2743200" cy="5851525"/>
+            <a:off x="6629400" y="274638"/>
+            <a:ext cx="2057400" cy="5851525"/>
           </a:xfrm>
         </p:spPr>
         <p:txBody>
@@ -9449,8 +9385,8 @@
         </p:nvSpPr>
         <p:spPr>
           <a:xfrm>
-            <a:off x="609600" y="274639"/>
-            <a:ext cx="8026400" cy="5851525"/>
+            <a:off x="457200" y="274638"/>
+            <a:ext cx="6019800" cy="5851525"/>
           </a:xfrm>
         </p:spPr>
         <p:txBody>
@@ -9498,7 +9434,7 @@
           <p:cNvPr id="4" name="日期占位符 3">
             <a:extLst>
               <a:ext uri="{FF2B5EF4-FFF2-40B4-BE49-F238E27FC236}">
-                <a16:creationId xmlns:a16="http://schemas.microsoft.com/office/drawing/2014/main" id="{36BD902D-FC56-441C-9790-6C70290C84DF}"/>
+                <a16:creationId xmlns:a16="http://schemas.microsoft.com/office/drawing/2014/main" id="{47515B2C-37B6-446A-A4EE-4C73B528DE7C}"/>
               </a:ext>
             </a:extLst>
           </p:cNvPr>
@@ -9521,12 +9457,12 @@
             <a:pPr>
               <a:defRPr/>
             </a:pPr>
-            <a:fld id="{601A4CAB-CD68-4540-B0A8-37D09FF3928E}" type="datetimeFigureOut">
+            <a:fld id="{434072B7-48AF-4A5F-B8D6-2892CD02220D}" type="datetimeFigureOut">
               <a:rPr lang="zh-CN" altLang="en-US"/>
               <a:pPr>
                 <a:defRPr/>
               </a:pPr>
-              <a:t>2019/7/16</a:t>
+              <a:t>2020/2/16</a:t>
             </a:fld>
             <a:endParaRPr lang="zh-CN" altLang="en-US"/>
           </a:p>
@@ -9537,7 +9473,7 @@
           <p:cNvPr id="5" name="页脚占位符 4">
             <a:extLst>
               <a:ext uri="{FF2B5EF4-FFF2-40B4-BE49-F238E27FC236}">
-                <a16:creationId xmlns:a16="http://schemas.microsoft.com/office/drawing/2014/main" id="{5ACC543F-A6E0-489C-85FC-62BD2628A6E5}"/>
+                <a16:creationId xmlns:a16="http://schemas.microsoft.com/office/drawing/2014/main" id="{70602AA2-5FFB-4D86-9A9D-A0E66E5D7038}"/>
               </a:ext>
             </a:extLst>
           </p:cNvPr>
@@ -9569,7 +9505,7 @@
           <p:cNvPr id="6" name="灯片编号占位符 5">
             <a:extLst>
               <a:ext uri="{FF2B5EF4-FFF2-40B4-BE49-F238E27FC236}">
-                <a16:creationId xmlns:a16="http://schemas.microsoft.com/office/drawing/2014/main" id="{EEEA0088-A5C4-440F-BDFA-D0B246B66C37}"/>
+                <a16:creationId xmlns:a16="http://schemas.microsoft.com/office/drawing/2014/main" id="{CC13BED7-8491-4C96-BA86-7D3E5764AD74}"/>
               </a:ext>
             </a:extLst>
           </p:cNvPr>
@@ -9592,7 +9528,7 @@
             <a:pPr>
               <a:defRPr/>
             </a:pPr>
-            <a:fld id="{23484747-3BEC-44E2-B9E3-5F48AF364926}" type="slidenum">
+            <a:fld id="{3EACEC49-DFC4-49F0-98A8-50179D92E59F}" type="slidenum">
               <a:rPr lang="zh-CN" altLang="en-US"/>
               <a:pPr>
                 <a:defRPr/>
@@ -9606,7 +9542,7 @@
     </p:spTree>
     <p:extLst>
       <p:ext uri="{BB962C8B-B14F-4D97-AF65-F5344CB8AC3E}">
-        <p14:creationId xmlns:p14="http://schemas.microsoft.com/office/powerpoint/2010/main" val="2618251644"/>
+        <p14:creationId xmlns:p14="http://schemas.microsoft.com/office/powerpoint/2010/main" val="3929542161"/>
       </p:ext>
     </p:extLst>
   </p:cSld>
@@ -9638,7 +9574,7 @@
           <p:cNvPr id="4" name="图片 6" descr="图片1.jpg">
             <a:extLst>
               <a:ext uri="{FF2B5EF4-FFF2-40B4-BE49-F238E27FC236}">
-                <a16:creationId xmlns:a16="http://schemas.microsoft.com/office/drawing/2014/main" id="{D2E45724-ABD4-46B7-8F48-DF799D8E14A1}"/>
+                <a16:creationId xmlns:a16="http://schemas.microsoft.com/office/drawing/2014/main" id="{E6198DE4-854D-4337-9A3E-EAB1A992E75A}"/>
               </a:ext>
             </a:extLst>
           </p:cNvPr>
@@ -9663,7 +9599,7 @@
         <p:spPr bwMode="auto">
           <a:xfrm>
             <a:off x="0" y="0"/>
-            <a:ext cx="12192000" cy="6858000"/>
+            <a:ext cx="9144000" cy="6858000"/>
           </a:xfrm>
           <a:prstGeom prst="rect">
             <a:avLst/>
@@ -9698,7 +9634,7 @@
           <p:cNvPr id="5" name="Object 7">
             <a:extLst>
               <a:ext uri="{FF2B5EF4-FFF2-40B4-BE49-F238E27FC236}">
-                <a16:creationId xmlns:a16="http://schemas.microsoft.com/office/drawing/2014/main" id="{F829E828-E5F7-4BA3-9FEC-10138BE50C87}"/>
+                <a16:creationId xmlns:a16="http://schemas.microsoft.com/office/drawing/2014/main" id="{3C130FA4-2FD3-448B-A45B-628578073FE2}"/>
               </a:ext>
             </a:extLst>
           </p:cNvPr>
@@ -9708,14 +9644,14 @@
           <p:nvPr userDrawn="1"/>
         </p:nvGraphicFramePr>
         <p:xfrm>
-          <a:off x="7632701" y="260350"/>
-          <a:ext cx="4239684" cy="501650"/>
+          <a:off x="5724525" y="260350"/>
+          <a:ext cx="3179763" cy="501650"/>
         </p:xfrm>
         <a:graphic>
           <a:graphicData uri="http://schemas.openxmlformats.org/presentationml/2006/ole">
             <mc:AlternateContent xmlns:mc="http://schemas.openxmlformats.org/markup-compatibility/2006">
               <mc:Choice xmlns:v="urn:schemas-microsoft-com:vml" Requires="v">
-                <p:oleObj spid="_x0000_s98316" r:id="rId4" imgW="6824520" imgH="1076040" progId="">
+                <p:oleObj spid="_x0000_s98318" r:id="rId4" imgW="6824520" imgH="1076040" progId="">
                   <p:embed/>
                 </p:oleObj>
               </mc:Choice>
@@ -9727,7 +9663,7 @@
                       <p:cNvPr id="7171" name="Object 7">
                         <a:extLst>
                           <a:ext uri="{FF2B5EF4-FFF2-40B4-BE49-F238E27FC236}">
-                            <a16:creationId xmlns:a16="http://schemas.microsoft.com/office/drawing/2014/main" id="{BD719F71-EEFD-4EC9-B3A4-2A8752E0A084}"/>
+                            <a16:creationId xmlns:a16="http://schemas.microsoft.com/office/drawing/2014/main" id="{7EE8FFC7-4DF7-4D70-9AA1-716715EA368E}"/>
                           </a:ext>
                         </a:extLst>
                       </p:cNvPr>
@@ -9751,8 +9687,8 @@
                     </p:blipFill>
                     <p:spPr bwMode="auto">
                       <a:xfrm>
-                        <a:off x="7632701" y="260350"/>
-                        <a:ext cx="4239684" cy="501650"/>
+                        <a:off x="5724525" y="260350"/>
+                        <a:ext cx="3179763" cy="501650"/>
                       </a:xfrm>
                       <a:prstGeom prst="rect">
                         <a:avLst/>
@@ -9805,7 +9741,7 @@
           <p:cNvPr id="6" name="TextBox 3">
             <a:extLst>
               <a:ext uri="{FF2B5EF4-FFF2-40B4-BE49-F238E27FC236}">
-                <a16:creationId xmlns:a16="http://schemas.microsoft.com/office/drawing/2014/main" id="{AE43B8C9-BE0C-46AE-A78F-85D1B4D53F74}"/>
+                <a16:creationId xmlns:a16="http://schemas.microsoft.com/office/drawing/2014/main" id="{331858D9-7656-4275-8E22-297A0D929077}"/>
               </a:ext>
             </a:extLst>
           </p:cNvPr>
@@ -9816,8 +9752,8 @@
         </p:nvSpPr>
         <p:spPr bwMode="auto">
           <a:xfrm>
-            <a:off x="2476501" y="5040314"/>
-            <a:ext cx="6762751" cy="549275"/>
+            <a:off x="1857375" y="5040313"/>
+            <a:ext cx="5072063" cy="549275"/>
           </a:xfrm>
           <a:prstGeom prst="rect">
             <a:avLst/>
@@ -10097,7 +10033,7 @@
           <p:cNvPr id="7" name="Rectangle 5">
             <a:extLst>
               <a:ext uri="{FF2B5EF4-FFF2-40B4-BE49-F238E27FC236}">
-                <a16:creationId xmlns:a16="http://schemas.microsoft.com/office/drawing/2014/main" id="{9026631D-89E8-464C-834E-6ED08BE99A24}"/>
+                <a16:creationId xmlns:a16="http://schemas.microsoft.com/office/drawing/2014/main" id="{FDA9D3CD-4C37-4F86-B688-D9949607B01D}"/>
               </a:ext>
             </a:extLst>
           </p:cNvPr>
@@ -10141,7 +10077,7 @@
           <p:cNvPr id="8" name="Rectangle 6">
             <a:extLst>
               <a:ext uri="{FF2B5EF4-FFF2-40B4-BE49-F238E27FC236}">
-                <a16:creationId xmlns:a16="http://schemas.microsoft.com/office/drawing/2014/main" id="{A04C3E85-0277-4D54-87F6-523D45E0D8EB}"/>
+                <a16:creationId xmlns:a16="http://schemas.microsoft.com/office/drawing/2014/main" id="{E5D8323C-D69A-4992-AAA6-AD4A74DBE4ED}"/>
               </a:ext>
             </a:extLst>
           </p:cNvPr>
@@ -10164,7 +10100,7 @@
             <a:pPr>
               <a:defRPr/>
             </a:pPr>
-            <a:fld id="{9688F7CB-7FD0-4D4E-887D-04AEA1D9B579}" type="slidenum">
+            <a:fld id="{59214E6C-4112-4B4A-A063-6FF9B659ECDD}" type="slidenum">
               <a:rPr lang="en-US" altLang="zh-CN"/>
               <a:pPr>
                 <a:defRPr/>
@@ -10178,7 +10114,7 @@
     </p:spTree>
     <p:extLst>
       <p:ext uri="{BB962C8B-B14F-4D97-AF65-F5344CB8AC3E}">
-        <p14:creationId xmlns:p14="http://schemas.microsoft.com/office/powerpoint/2010/main" val="685424185"/>
+        <p14:creationId xmlns:p14="http://schemas.microsoft.com/office/powerpoint/2010/main" val="4192595712"/>
       </p:ext>
     </p:extLst>
   </p:cSld>
@@ -10210,7 +10146,7 @@
           <p:cNvPr id="3" name="图片 6" descr="图片1.jpg">
             <a:extLst>
               <a:ext uri="{FF2B5EF4-FFF2-40B4-BE49-F238E27FC236}">
-                <a16:creationId xmlns:a16="http://schemas.microsoft.com/office/drawing/2014/main" id="{F1E05092-E9FB-4F16-949F-4A3395D4B546}"/>
+                <a16:creationId xmlns:a16="http://schemas.microsoft.com/office/drawing/2014/main" id="{E0F869E7-CECF-4C87-8F2E-343C25EA23A1}"/>
               </a:ext>
             </a:extLst>
           </p:cNvPr>
@@ -10235,7 +10171,7 @@
         <p:spPr bwMode="auto">
           <a:xfrm>
             <a:off x="0" y="0"/>
-            <a:ext cx="12192000" cy="6858000"/>
+            <a:ext cx="9144000" cy="6858000"/>
           </a:xfrm>
           <a:prstGeom prst="rect">
             <a:avLst/>
@@ -10270,7 +10206,7 @@
           <p:cNvPr id="4" name="Object 7">
             <a:extLst>
               <a:ext uri="{FF2B5EF4-FFF2-40B4-BE49-F238E27FC236}">
-                <a16:creationId xmlns:a16="http://schemas.microsoft.com/office/drawing/2014/main" id="{245F13C6-862C-4A0F-AA00-4F1D6A6B5478}"/>
+                <a16:creationId xmlns:a16="http://schemas.microsoft.com/office/drawing/2014/main" id="{21841ABA-F8C3-414E-8CDF-EFE7F315776E}"/>
               </a:ext>
             </a:extLst>
           </p:cNvPr>
@@ -10280,14 +10216,14 @@
           <p:nvPr userDrawn="1"/>
         </p:nvGraphicFramePr>
         <p:xfrm>
-          <a:off x="7632701" y="260350"/>
-          <a:ext cx="4239684" cy="501650"/>
+          <a:off x="5724525" y="260350"/>
+          <a:ext cx="3179763" cy="501650"/>
         </p:xfrm>
         <a:graphic>
           <a:graphicData uri="http://schemas.openxmlformats.org/presentationml/2006/ole">
             <mc:AlternateContent xmlns:mc="http://schemas.openxmlformats.org/markup-compatibility/2006">
               <mc:Choice xmlns:v="urn:schemas-microsoft-com:vml" Requires="v">
-                <p:oleObj spid="_x0000_s94220" r:id="rId4" imgW="6824520" imgH="1076040" progId="">
+                <p:oleObj spid="_x0000_s94222" r:id="rId4" imgW="6824520" imgH="1076040" progId="">
                   <p:embed/>
                 </p:oleObj>
               </mc:Choice>
@@ -10299,7 +10235,7 @@
                       <p:cNvPr id="3075" name="Object 7">
                         <a:extLst>
                           <a:ext uri="{FF2B5EF4-FFF2-40B4-BE49-F238E27FC236}">
-                            <a16:creationId xmlns:a16="http://schemas.microsoft.com/office/drawing/2014/main" id="{D41FCF42-F6C8-4668-B425-72D2723B25CA}"/>
+                            <a16:creationId xmlns:a16="http://schemas.microsoft.com/office/drawing/2014/main" id="{F2F37639-72F6-4562-97D1-AC39574EA0C3}"/>
                           </a:ext>
                         </a:extLst>
                       </p:cNvPr>
@@ -10323,8 +10259,8 @@
                     </p:blipFill>
                     <p:spPr bwMode="auto">
                       <a:xfrm>
-                        <a:off x="7632701" y="260350"/>
-                        <a:ext cx="4239684" cy="501650"/>
+                        <a:off x="5724525" y="260350"/>
+                        <a:ext cx="3179763" cy="501650"/>
                       </a:xfrm>
                       <a:prstGeom prst="rect">
                         <a:avLst/>
@@ -10377,7 +10313,7 @@
           <p:cNvPr id="6" name="TextBox 3">
             <a:extLst>
               <a:ext uri="{FF2B5EF4-FFF2-40B4-BE49-F238E27FC236}">
-                <a16:creationId xmlns:a16="http://schemas.microsoft.com/office/drawing/2014/main" id="{2725F67D-3A44-4E3D-AF77-309CD697D95B}"/>
+                <a16:creationId xmlns:a16="http://schemas.microsoft.com/office/drawing/2014/main" id="{44C36394-FF51-49C4-A5A8-A327C2829C54}"/>
               </a:ext>
             </a:extLst>
           </p:cNvPr>
@@ -10388,8 +10324,8 @@
         </p:nvSpPr>
         <p:spPr bwMode="auto">
           <a:xfrm>
-            <a:off x="2476501" y="5040314"/>
-            <a:ext cx="6762751" cy="549275"/>
+            <a:off x="1857375" y="5040313"/>
+            <a:ext cx="5072063" cy="549275"/>
           </a:xfrm>
           <a:prstGeom prst="rect">
             <a:avLst/>
@@ -10556,7 +10492,7 @@
           <p:cNvPr id="7" name="Picture 2" descr="F:\work\第二\蓝色块窄树\未标题-2.png">
             <a:extLst>
               <a:ext uri="{FF2B5EF4-FFF2-40B4-BE49-F238E27FC236}">
-                <a16:creationId xmlns:a16="http://schemas.microsoft.com/office/drawing/2014/main" id="{6F3D5666-D745-43D3-9DE6-44D8FB7B78DA}"/>
+                <a16:creationId xmlns:a16="http://schemas.microsoft.com/office/drawing/2014/main" id="{6F41DAE7-369A-40BA-A43B-3ECC5E3C2AB4}"/>
               </a:ext>
             </a:extLst>
           </p:cNvPr>
@@ -10581,7 +10517,7 @@
         <p:spPr bwMode="auto">
           <a:xfrm>
             <a:off x="0" y="0"/>
-            <a:ext cx="12194117" cy="6859588"/>
+            <a:ext cx="9145588" cy="6859588"/>
           </a:xfrm>
           <a:prstGeom prst="rect">
             <a:avLst/>
@@ -10623,8 +10559,8 @@
         </p:nvSpPr>
         <p:spPr>
           <a:xfrm>
-            <a:off x="609600" y="1071546"/>
-            <a:ext cx="10915688" cy="5357850"/>
+            <a:off x="457200" y="1071546"/>
+            <a:ext cx="8186766" cy="5357850"/>
           </a:xfrm>
         </p:spPr>
         <p:txBody>
@@ -10733,7 +10669,7 @@
     </p:spTree>
     <p:extLst>
       <p:ext uri="{BB962C8B-B14F-4D97-AF65-F5344CB8AC3E}">
-        <p14:creationId xmlns:p14="http://schemas.microsoft.com/office/powerpoint/2010/main" val="946627402"/>
+        <p14:creationId xmlns:p14="http://schemas.microsoft.com/office/powerpoint/2010/main" val="1281354228"/>
       </p:ext>
     </p:extLst>
   </p:cSld>
@@ -10765,7 +10701,7 @@
           <p:cNvPr id="4" name="图片 6" descr="图片1.jpg">
             <a:extLst>
               <a:ext uri="{FF2B5EF4-FFF2-40B4-BE49-F238E27FC236}">
-                <a16:creationId xmlns:a16="http://schemas.microsoft.com/office/drawing/2014/main" id="{B2A62245-E75F-45D3-BCC9-870FCE22BD08}"/>
+                <a16:creationId xmlns:a16="http://schemas.microsoft.com/office/drawing/2014/main" id="{A7E90E42-2998-42BC-B326-248EA0BC013F}"/>
               </a:ext>
             </a:extLst>
           </p:cNvPr>
@@ -10790,7 +10726,7 @@
         <p:spPr bwMode="auto">
           <a:xfrm>
             <a:off x="0" y="0"/>
-            <a:ext cx="12192000" cy="6858000"/>
+            <a:ext cx="9144000" cy="6858000"/>
           </a:xfrm>
           <a:prstGeom prst="rect">
             <a:avLst/>
@@ -10825,7 +10761,7 @@
           <p:cNvPr id="5" name="Object 7">
             <a:extLst>
               <a:ext uri="{FF2B5EF4-FFF2-40B4-BE49-F238E27FC236}">
-                <a16:creationId xmlns:a16="http://schemas.microsoft.com/office/drawing/2014/main" id="{5698CF02-7D3E-48C7-AA66-1595BE95B8FF}"/>
+                <a16:creationId xmlns:a16="http://schemas.microsoft.com/office/drawing/2014/main" id="{831E1476-E203-4F43-A231-52294EA2059D}"/>
               </a:ext>
             </a:extLst>
           </p:cNvPr>
@@ -10835,14 +10771,14 @@
           <p:nvPr userDrawn="1"/>
         </p:nvGraphicFramePr>
         <p:xfrm>
-          <a:off x="7632701" y="260350"/>
-          <a:ext cx="4239684" cy="501650"/>
+          <a:off x="5724525" y="260350"/>
+          <a:ext cx="3179763" cy="501650"/>
         </p:xfrm>
         <a:graphic>
           <a:graphicData uri="http://schemas.openxmlformats.org/presentationml/2006/ole">
             <mc:AlternateContent xmlns:mc="http://schemas.openxmlformats.org/markup-compatibility/2006">
               <mc:Choice xmlns:v="urn:schemas-microsoft-com:vml" Requires="v">
-                <p:oleObj spid="_x0000_s95244" r:id="rId4" imgW="6824520" imgH="1076040" progId="">
+                <p:oleObj spid="_x0000_s95246" r:id="rId4" imgW="6824520" imgH="1076040" progId="">
                   <p:embed/>
                 </p:oleObj>
               </mc:Choice>
@@ -10854,7 +10790,7 @@
                       <p:cNvPr id="4099" name="Object 7">
                         <a:extLst>
                           <a:ext uri="{FF2B5EF4-FFF2-40B4-BE49-F238E27FC236}">
-                            <a16:creationId xmlns:a16="http://schemas.microsoft.com/office/drawing/2014/main" id="{4240E8FA-67AA-4790-A762-93FB5E84394B}"/>
+                            <a16:creationId xmlns:a16="http://schemas.microsoft.com/office/drawing/2014/main" id="{8C6873EA-46E0-4015-B400-F700E9507DA0}"/>
                           </a:ext>
                         </a:extLst>
                       </p:cNvPr>
@@ -10878,8 +10814,8 @@
                     </p:blipFill>
                     <p:spPr bwMode="auto">
                       <a:xfrm>
-                        <a:off x="7632701" y="260350"/>
-                        <a:ext cx="4239684" cy="501650"/>
+                        <a:off x="5724525" y="260350"/>
+                        <a:ext cx="3179763" cy="501650"/>
                       </a:xfrm>
                       <a:prstGeom prst="rect">
                         <a:avLst/>
@@ -10932,7 +10868,7 @@
           <p:cNvPr id="6" name="TextBox 3">
             <a:extLst>
               <a:ext uri="{FF2B5EF4-FFF2-40B4-BE49-F238E27FC236}">
-                <a16:creationId xmlns:a16="http://schemas.microsoft.com/office/drawing/2014/main" id="{E31C0A70-35E0-481B-8F24-A1510BB743A4}"/>
+                <a16:creationId xmlns:a16="http://schemas.microsoft.com/office/drawing/2014/main" id="{068CE39F-20C3-447E-B6D3-300854906402}"/>
               </a:ext>
             </a:extLst>
           </p:cNvPr>
@@ -10943,8 +10879,8 @@
         </p:nvSpPr>
         <p:spPr bwMode="auto">
           <a:xfrm>
-            <a:off x="2476501" y="5040314"/>
-            <a:ext cx="6762751" cy="549275"/>
+            <a:off x="1857375" y="5040313"/>
+            <a:ext cx="5072063" cy="549275"/>
           </a:xfrm>
           <a:prstGeom prst="rect">
             <a:avLst/>
@@ -11111,7 +11047,7 @@
           <p:cNvPr id="7" name="Picture 2" descr="F:\work\第二\蓝色块窄树\未标题-2.png">
             <a:extLst>
               <a:ext uri="{FF2B5EF4-FFF2-40B4-BE49-F238E27FC236}">
-                <a16:creationId xmlns:a16="http://schemas.microsoft.com/office/drawing/2014/main" id="{D6BFF8A1-0C64-43B6-973A-17551C6BE2F5}"/>
+                <a16:creationId xmlns:a16="http://schemas.microsoft.com/office/drawing/2014/main" id="{27EFB090-129C-4F81-AC6D-957A3199C107}"/>
               </a:ext>
             </a:extLst>
           </p:cNvPr>
@@ -11136,7 +11072,7 @@
         <p:spPr bwMode="auto">
           <a:xfrm>
             <a:off x="0" y="0"/>
-            <a:ext cx="12194117" cy="6859588"/>
+            <a:ext cx="9145588" cy="6859588"/>
           </a:xfrm>
           <a:prstGeom prst="rect">
             <a:avLst/>
@@ -11178,8 +11114,8 @@
         </p:nvSpPr>
         <p:spPr>
           <a:xfrm>
-            <a:off x="609600" y="928670"/>
-            <a:ext cx="10915688" cy="5500726"/>
+            <a:off x="457200" y="928670"/>
+            <a:ext cx="8186766" cy="5500726"/>
           </a:xfrm>
         </p:spPr>
         <p:txBody>
@@ -11272,7 +11208,7 @@
     </p:spTree>
     <p:extLst>
       <p:ext uri="{BB962C8B-B14F-4D97-AF65-F5344CB8AC3E}">
-        <p14:creationId xmlns:p14="http://schemas.microsoft.com/office/powerpoint/2010/main" val="3974283627"/>
+        <p14:creationId xmlns:p14="http://schemas.microsoft.com/office/powerpoint/2010/main" val="3863584709"/>
       </p:ext>
     </p:extLst>
   </p:cSld>
@@ -11304,7 +11240,7 @@
           <p:cNvPr id="5" name="图片 6" descr="图片1.jpg">
             <a:extLst>
               <a:ext uri="{FF2B5EF4-FFF2-40B4-BE49-F238E27FC236}">
-                <a16:creationId xmlns:a16="http://schemas.microsoft.com/office/drawing/2014/main" id="{72F55033-6CC6-44A2-811B-7E7B3B9F685C}"/>
+                <a16:creationId xmlns:a16="http://schemas.microsoft.com/office/drawing/2014/main" id="{04D4164B-46E7-45E9-AA53-345EE4EF18F1}"/>
               </a:ext>
             </a:extLst>
           </p:cNvPr>
@@ -11329,7 +11265,7 @@
         <p:spPr bwMode="auto">
           <a:xfrm>
             <a:off x="0" y="0"/>
-            <a:ext cx="12192000" cy="6858000"/>
+            <a:ext cx="9144000" cy="6858000"/>
           </a:xfrm>
           <a:prstGeom prst="rect">
             <a:avLst/>
@@ -11364,7 +11300,7 @@
           <p:cNvPr id="6" name="Object 7">
             <a:extLst>
               <a:ext uri="{FF2B5EF4-FFF2-40B4-BE49-F238E27FC236}">
-                <a16:creationId xmlns:a16="http://schemas.microsoft.com/office/drawing/2014/main" id="{EF5C6FDB-9281-4016-93D1-CD3D7DA5D897}"/>
+                <a16:creationId xmlns:a16="http://schemas.microsoft.com/office/drawing/2014/main" id="{480FDB5C-04F9-446E-8901-551B5D9964F1}"/>
               </a:ext>
             </a:extLst>
           </p:cNvPr>
@@ -11374,14 +11310,14 @@
           <p:nvPr userDrawn="1"/>
         </p:nvGraphicFramePr>
         <p:xfrm>
-          <a:off x="7632701" y="260350"/>
-          <a:ext cx="4239684" cy="501650"/>
+          <a:off x="5724525" y="260350"/>
+          <a:ext cx="3179763" cy="501650"/>
         </p:xfrm>
         <a:graphic>
           <a:graphicData uri="http://schemas.openxmlformats.org/presentationml/2006/ole">
             <mc:AlternateContent xmlns:mc="http://schemas.openxmlformats.org/markup-compatibility/2006">
               <mc:Choice xmlns:v="urn:schemas-microsoft-com:vml" Requires="v">
-                <p:oleObj spid="_x0000_s96268" r:id="rId4" imgW="6824520" imgH="1076040" progId="">
+                <p:oleObj spid="_x0000_s96270" r:id="rId4" imgW="6824520" imgH="1076040" progId="">
                   <p:embed/>
                 </p:oleObj>
               </mc:Choice>
@@ -11393,7 +11329,7 @@
                       <p:cNvPr id="5123" name="Object 7">
                         <a:extLst>
                           <a:ext uri="{FF2B5EF4-FFF2-40B4-BE49-F238E27FC236}">
-                            <a16:creationId xmlns:a16="http://schemas.microsoft.com/office/drawing/2014/main" id="{4220B9EA-F433-42F0-BB0C-FD02EE502A15}"/>
+                            <a16:creationId xmlns:a16="http://schemas.microsoft.com/office/drawing/2014/main" id="{9DF09C67-CAE8-4969-B1DA-14AB6AF6440A}"/>
                           </a:ext>
                         </a:extLst>
                       </p:cNvPr>
@@ -11417,8 +11353,8 @@
                     </p:blipFill>
                     <p:spPr bwMode="auto">
                       <a:xfrm>
-                        <a:off x="7632701" y="260350"/>
-                        <a:ext cx="4239684" cy="501650"/>
+                        <a:off x="5724525" y="260350"/>
+                        <a:ext cx="3179763" cy="501650"/>
                       </a:xfrm>
                       <a:prstGeom prst="rect">
                         <a:avLst/>
@@ -11471,7 +11407,7 @@
           <p:cNvPr id="7" name="TextBox 3">
             <a:extLst>
               <a:ext uri="{FF2B5EF4-FFF2-40B4-BE49-F238E27FC236}">
-                <a16:creationId xmlns:a16="http://schemas.microsoft.com/office/drawing/2014/main" id="{607ACB89-6A87-43F5-B158-95290958FC24}"/>
+                <a16:creationId xmlns:a16="http://schemas.microsoft.com/office/drawing/2014/main" id="{C5A15DD2-8AC7-41C6-B578-56BAF9FF4C3E}"/>
               </a:ext>
             </a:extLst>
           </p:cNvPr>
@@ -11482,8 +11418,8 @@
         </p:nvSpPr>
         <p:spPr bwMode="auto">
           <a:xfrm>
-            <a:off x="2476501" y="5040314"/>
-            <a:ext cx="6762751" cy="549275"/>
+            <a:off x="1857375" y="5040313"/>
+            <a:ext cx="5072063" cy="549275"/>
           </a:xfrm>
           <a:prstGeom prst="rect">
             <a:avLst/>
@@ -11650,7 +11586,7 @@
           <p:cNvPr id="8" name="Picture 2" descr="F:\work\第二\蓝色块窄树\未标题-2.png">
             <a:extLst>
               <a:ext uri="{FF2B5EF4-FFF2-40B4-BE49-F238E27FC236}">
-                <a16:creationId xmlns:a16="http://schemas.microsoft.com/office/drawing/2014/main" id="{735CFD3F-7997-4AC1-ADF7-3A79F44D0575}"/>
+                <a16:creationId xmlns:a16="http://schemas.microsoft.com/office/drawing/2014/main" id="{A8B7C07A-A933-429B-BFC3-B0989BCC9138}"/>
               </a:ext>
             </a:extLst>
           </p:cNvPr>
@@ -11675,7 +11611,7 @@
         <p:spPr bwMode="auto">
           <a:xfrm>
             <a:off x="0" y="0"/>
-            <a:ext cx="12194117" cy="6859588"/>
+            <a:ext cx="9145588" cy="6859588"/>
           </a:xfrm>
           <a:prstGeom prst="rect">
             <a:avLst/>
@@ -11739,8 +11675,8 @@
         </p:nvSpPr>
         <p:spPr>
           <a:xfrm>
-            <a:off x="609600" y="1600201"/>
-            <a:ext cx="5384800" cy="4525963"/>
+            <a:off x="457200" y="1600200"/>
+            <a:ext cx="4038600" cy="4525963"/>
           </a:xfrm>
         </p:spPr>
         <p:txBody>
@@ -11823,8 +11759,8 @@
         </p:nvSpPr>
         <p:spPr>
           <a:xfrm>
-            <a:off x="6197600" y="1600201"/>
-            <a:ext cx="5384800" cy="4525963"/>
+            <a:off x="4648200" y="1600200"/>
+            <a:ext cx="4038600" cy="4525963"/>
           </a:xfrm>
         </p:spPr>
         <p:txBody>
@@ -11900,7 +11836,7 @@
           <p:cNvPr id="9" name="日期占位符 3">
             <a:extLst>
               <a:ext uri="{FF2B5EF4-FFF2-40B4-BE49-F238E27FC236}">
-                <a16:creationId xmlns:a16="http://schemas.microsoft.com/office/drawing/2014/main" id="{7DA5C573-FE90-485A-A5DE-EA41ADAE852A}"/>
+                <a16:creationId xmlns:a16="http://schemas.microsoft.com/office/drawing/2014/main" id="{B4798B12-009C-426E-9334-066A800C3D8C}"/>
               </a:ext>
             </a:extLst>
           </p:cNvPr>
@@ -11923,12 +11859,12 @@
             <a:pPr>
               <a:defRPr/>
             </a:pPr>
-            <a:fld id="{7B237F60-D1C2-4BF5-8407-0EA5B472BCE0}" type="datetimeFigureOut">
+            <a:fld id="{EF7538EF-52A4-4262-812F-71FF1F00E282}" type="datetimeFigureOut">
               <a:rPr lang="zh-CN" altLang="en-US"/>
               <a:pPr>
                 <a:defRPr/>
               </a:pPr>
-              <a:t>2019/7/16</a:t>
+              <a:t>2020/2/16</a:t>
             </a:fld>
             <a:endParaRPr lang="zh-CN" altLang="en-US"/>
           </a:p>
@@ -11939,7 +11875,7 @@
           <p:cNvPr id="10" name="页脚占位符 4">
             <a:extLst>
               <a:ext uri="{FF2B5EF4-FFF2-40B4-BE49-F238E27FC236}">
-                <a16:creationId xmlns:a16="http://schemas.microsoft.com/office/drawing/2014/main" id="{212BD1FA-817F-4FC5-99DF-4B9E93B1275A}"/>
+                <a16:creationId xmlns:a16="http://schemas.microsoft.com/office/drawing/2014/main" id="{1365C560-BEAA-47CF-88BD-2A8B11D0EB33}"/>
               </a:ext>
             </a:extLst>
           </p:cNvPr>
@@ -11971,7 +11907,7 @@
           <p:cNvPr id="11" name="灯片编号占位符 5">
             <a:extLst>
               <a:ext uri="{FF2B5EF4-FFF2-40B4-BE49-F238E27FC236}">
-                <a16:creationId xmlns:a16="http://schemas.microsoft.com/office/drawing/2014/main" id="{9B4618AF-8CC7-4AE2-ACC5-B8B62CF4EE00}"/>
+                <a16:creationId xmlns:a16="http://schemas.microsoft.com/office/drawing/2014/main" id="{D12F58E6-4EA7-4730-9563-1678587B717A}"/>
               </a:ext>
             </a:extLst>
           </p:cNvPr>
@@ -11994,7 +11930,7 @@
             <a:pPr>
               <a:defRPr/>
             </a:pPr>
-            <a:fld id="{A1F51B3B-D304-4FC0-98E3-7EDC26BE37B9}" type="slidenum">
+            <a:fld id="{A6E77296-F51F-41E9-830D-0A8EAE6FE836}" type="slidenum">
               <a:rPr lang="zh-CN" altLang="en-US"/>
               <a:pPr>
                 <a:defRPr/>
@@ -12008,7 +11944,7 @@
     </p:spTree>
     <p:extLst>
       <p:ext uri="{BB962C8B-B14F-4D97-AF65-F5344CB8AC3E}">
-        <p14:creationId xmlns:p14="http://schemas.microsoft.com/office/powerpoint/2010/main" val="3502340991"/>
+        <p14:creationId xmlns:p14="http://schemas.microsoft.com/office/powerpoint/2010/main" val="146926419"/>
       </p:ext>
     </p:extLst>
   </p:cSld>
@@ -12073,8 +12009,8 @@
         </p:nvSpPr>
         <p:spPr>
           <a:xfrm>
-            <a:off x="609600" y="1535113"/>
-            <a:ext cx="5386917" cy="639762"/>
+            <a:off x="457200" y="1535113"/>
+            <a:ext cx="4040188" cy="639762"/>
           </a:xfrm>
         </p:spPr>
         <p:txBody>
@@ -12138,8 +12074,8 @@
         </p:nvSpPr>
         <p:spPr>
           <a:xfrm>
-            <a:off x="609600" y="2174875"/>
-            <a:ext cx="5386917" cy="3951288"/>
+            <a:off x="457200" y="2174875"/>
+            <a:ext cx="4040188" cy="3951288"/>
           </a:xfrm>
         </p:spPr>
         <p:txBody>
@@ -12222,8 +12158,8 @@
         </p:nvSpPr>
         <p:spPr>
           <a:xfrm>
-            <a:off x="6193368" y="1535113"/>
-            <a:ext cx="5389033" cy="639762"/>
+            <a:off x="4645025" y="1535113"/>
+            <a:ext cx="4041775" cy="639762"/>
           </a:xfrm>
         </p:spPr>
         <p:txBody>
@@ -12287,8 +12223,8 @@
         </p:nvSpPr>
         <p:spPr>
           <a:xfrm>
-            <a:off x="6193368" y="2174875"/>
-            <a:ext cx="5389033" cy="3951288"/>
+            <a:off x="4645025" y="2174875"/>
+            <a:ext cx="4041775" cy="3951288"/>
           </a:xfrm>
         </p:spPr>
         <p:txBody>
@@ -12364,7 +12300,7 @@
           <p:cNvPr id="7" name="日期占位符 3">
             <a:extLst>
               <a:ext uri="{FF2B5EF4-FFF2-40B4-BE49-F238E27FC236}">
-                <a16:creationId xmlns:a16="http://schemas.microsoft.com/office/drawing/2014/main" id="{24257002-E480-4D13-A24C-9953565B362F}"/>
+                <a16:creationId xmlns:a16="http://schemas.microsoft.com/office/drawing/2014/main" id="{6474916B-7915-4F24-ACD7-D0D7CF953985}"/>
               </a:ext>
             </a:extLst>
           </p:cNvPr>
@@ -12387,12 +12323,12 @@
             <a:pPr>
               <a:defRPr/>
             </a:pPr>
-            <a:fld id="{84F59702-904B-4097-A7B1-0AAABB1F3AC8}" type="datetimeFigureOut">
+            <a:fld id="{A255EF5E-ED16-493E-94EC-E9DBFFA57DCD}" type="datetimeFigureOut">
               <a:rPr lang="zh-CN" altLang="en-US"/>
               <a:pPr>
                 <a:defRPr/>
               </a:pPr>
-              <a:t>2019/7/16</a:t>
+              <a:t>2020/2/16</a:t>
             </a:fld>
             <a:endParaRPr lang="zh-CN" altLang="en-US"/>
           </a:p>
@@ -12403,7 +12339,7 @@
           <p:cNvPr id="8" name="页脚占位符 4">
             <a:extLst>
               <a:ext uri="{FF2B5EF4-FFF2-40B4-BE49-F238E27FC236}">
-                <a16:creationId xmlns:a16="http://schemas.microsoft.com/office/drawing/2014/main" id="{4B44DD28-AA3C-44DD-9156-815432CB8262}"/>
+                <a16:creationId xmlns:a16="http://schemas.microsoft.com/office/drawing/2014/main" id="{9CCBC693-19C7-478C-93B8-ECB0DB7BC0C4}"/>
               </a:ext>
             </a:extLst>
           </p:cNvPr>
@@ -12435,7 +12371,7 @@
           <p:cNvPr id="9" name="灯片编号占位符 5">
             <a:extLst>
               <a:ext uri="{FF2B5EF4-FFF2-40B4-BE49-F238E27FC236}">
-                <a16:creationId xmlns:a16="http://schemas.microsoft.com/office/drawing/2014/main" id="{0AF0870E-BB02-4F59-81B1-87BB5B46755D}"/>
+                <a16:creationId xmlns:a16="http://schemas.microsoft.com/office/drawing/2014/main" id="{2E9A606F-46FF-4E18-BB54-32F487C4C702}"/>
               </a:ext>
             </a:extLst>
           </p:cNvPr>
@@ -12458,7 +12394,7 @@
             <a:pPr>
               <a:defRPr/>
             </a:pPr>
-            <a:fld id="{76C741ED-A4B4-4F67-9FCB-1ED0321453EA}" type="slidenum">
+            <a:fld id="{2BF80BB8-56D9-48A5-A86B-88F742752C72}" type="slidenum">
               <a:rPr lang="zh-CN" altLang="en-US"/>
               <a:pPr>
                 <a:defRPr/>
@@ -12472,7 +12408,7 @@
     </p:spTree>
     <p:extLst>
       <p:ext uri="{BB962C8B-B14F-4D97-AF65-F5344CB8AC3E}">
-        <p14:creationId xmlns:p14="http://schemas.microsoft.com/office/powerpoint/2010/main" val="1229616740"/>
+        <p14:creationId xmlns:p14="http://schemas.microsoft.com/office/powerpoint/2010/main" val="3391301042"/>
       </p:ext>
     </p:extLst>
   </p:cSld>
@@ -12504,7 +12440,7 @@
           <p:cNvPr id="3" name="图片 6" descr="图片1.jpg">
             <a:extLst>
               <a:ext uri="{FF2B5EF4-FFF2-40B4-BE49-F238E27FC236}">
-                <a16:creationId xmlns:a16="http://schemas.microsoft.com/office/drawing/2014/main" id="{3504F020-9F60-47DD-8719-3568D649F2C7}"/>
+                <a16:creationId xmlns:a16="http://schemas.microsoft.com/office/drawing/2014/main" id="{D4DA2DCD-B3CE-4E4D-9CD7-60A06969AAE1}"/>
               </a:ext>
             </a:extLst>
           </p:cNvPr>
@@ -12529,7 +12465,7 @@
         <p:spPr bwMode="auto">
           <a:xfrm>
             <a:off x="0" y="0"/>
-            <a:ext cx="12192000" cy="6858000"/>
+            <a:ext cx="9144000" cy="6858000"/>
           </a:xfrm>
           <a:prstGeom prst="rect">
             <a:avLst/>
@@ -12564,7 +12500,7 @@
           <p:cNvPr id="4" name="Object 7">
             <a:extLst>
               <a:ext uri="{FF2B5EF4-FFF2-40B4-BE49-F238E27FC236}">
-                <a16:creationId xmlns:a16="http://schemas.microsoft.com/office/drawing/2014/main" id="{75FC4A2B-5162-469B-8638-606434CBDB2B}"/>
+                <a16:creationId xmlns:a16="http://schemas.microsoft.com/office/drawing/2014/main" id="{C89FD4DC-353E-4DC1-AD61-3BA8028C6FD5}"/>
               </a:ext>
             </a:extLst>
           </p:cNvPr>
@@ -12574,14 +12510,14 @@
           <p:nvPr userDrawn="1"/>
         </p:nvGraphicFramePr>
         <p:xfrm>
-          <a:off x="7632701" y="260350"/>
-          <a:ext cx="4239684" cy="501650"/>
+          <a:off x="5724525" y="260350"/>
+          <a:ext cx="3179763" cy="501650"/>
         </p:xfrm>
         <a:graphic>
           <a:graphicData uri="http://schemas.openxmlformats.org/presentationml/2006/ole">
             <mc:AlternateContent xmlns:mc="http://schemas.openxmlformats.org/markup-compatibility/2006">
               <mc:Choice xmlns:v="urn:schemas-microsoft-com:vml" Requires="v">
-                <p:oleObj spid="_x0000_s97292" r:id="rId4" imgW="6824520" imgH="1076040" progId="">
+                <p:oleObj spid="_x0000_s97294" r:id="rId4" imgW="6824520" imgH="1076040" progId="">
                   <p:embed/>
                 </p:oleObj>
               </mc:Choice>
@@ -12593,7 +12529,7 @@
                       <p:cNvPr id="6147" name="Object 7">
                         <a:extLst>
                           <a:ext uri="{FF2B5EF4-FFF2-40B4-BE49-F238E27FC236}">
-                            <a16:creationId xmlns:a16="http://schemas.microsoft.com/office/drawing/2014/main" id="{5597AC1E-4BAB-45FB-A794-42142358B781}"/>
+                            <a16:creationId xmlns:a16="http://schemas.microsoft.com/office/drawing/2014/main" id="{FAE76F90-B843-4869-8E19-9D7D96885482}"/>
                           </a:ext>
                         </a:extLst>
                       </p:cNvPr>
@@ -12617,8 +12553,8 @@
                     </p:blipFill>
                     <p:spPr bwMode="auto">
                       <a:xfrm>
-                        <a:off x="7632701" y="260350"/>
-                        <a:ext cx="4239684" cy="501650"/>
+                        <a:off x="5724525" y="260350"/>
+                        <a:ext cx="3179763" cy="501650"/>
                       </a:xfrm>
                       <a:prstGeom prst="rect">
                         <a:avLst/>
@@ -12671,7 +12607,7 @@
           <p:cNvPr id="5" name="TextBox 3">
             <a:extLst>
               <a:ext uri="{FF2B5EF4-FFF2-40B4-BE49-F238E27FC236}">
-                <a16:creationId xmlns:a16="http://schemas.microsoft.com/office/drawing/2014/main" id="{C69A5771-7BBC-4BAB-8B70-E1095F389A97}"/>
+                <a16:creationId xmlns:a16="http://schemas.microsoft.com/office/drawing/2014/main" id="{27FD69F0-4D65-42E3-BCA3-F206FB3A2823}"/>
               </a:ext>
             </a:extLst>
           </p:cNvPr>
@@ -12682,8 +12618,8 @@
         </p:nvSpPr>
         <p:spPr bwMode="auto">
           <a:xfrm>
-            <a:off x="2476501" y="5040314"/>
-            <a:ext cx="6762751" cy="549275"/>
+            <a:off x="1857375" y="5040313"/>
+            <a:ext cx="5072063" cy="549275"/>
           </a:xfrm>
           <a:prstGeom prst="rect">
             <a:avLst/>
@@ -12850,7 +12786,7 @@
           <p:cNvPr id="6" name="Picture 2" descr="F:\work\第二\蓝色块窄树\未标题-2.png">
             <a:extLst>
               <a:ext uri="{FF2B5EF4-FFF2-40B4-BE49-F238E27FC236}">
-                <a16:creationId xmlns:a16="http://schemas.microsoft.com/office/drawing/2014/main" id="{77976302-3B14-49A5-BB94-407A5A17C101}"/>
+                <a16:creationId xmlns:a16="http://schemas.microsoft.com/office/drawing/2014/main" id="{CE04733E-8469-4266-9D3B-84F2EAD4D948}"/>
               </a:ext>
             </a:extLst>
           </p:cNvPr>
@@ -12875,7 +12811,7 @@
         <p:spPr bwMode="auto">
           <a:xfrm>
             <a:off x="0" y="0"/>
-            <a:ext cx="12194117" cy="6859588"/>
+            <a:ext cx="9145588" cy="6859588"/>
           </a:xfrm>
           <a:prstGeom prst="rect">
             <a:avLst/>
@@ -12932,7 +12868,7 @@
           <p:cNvPr id="7" name="日期占位符 3">
             <a:extLst>
               <a:ext uri="{FF2B5EF4-FFF2-40B4-BE49-F238E27FC236}">
-                <a16:creationId xmlns:a16="http://schemas.microsoft.com/office/drawing/2014/main" id="{B33391FA-4D13-48A2-A518-91CA730588F8}"/>
+                <a16:creationId xmlns:a16="http://schemas.microsoft.com/office/drawing/2014/main" id="{478C1E16-B02C-4F1A-A00A-107203FE5A78}"/>
               </a:ext>
             </a:extLst>
           </p:cNvPr>
@@ -12955,12 +12891,12 @@
             <a:pPr>
               <a:defRPr/>
             </a:pPr>
-            <a:fld id="{DB18E56D-2790-41A8-BD4A-A3BA0EF21F52}" type="datetimeFigureOut">
+            <a:fld id="{5BB42F81-E5B0-477A-B5D8-2BD8D54A21A2}" type="datetimeFigureOut">
               <a:rPr lang="zh-CN" altLang="en-US"/>
               <a:pPr>
                 <a:defRPr/>
               </a:pPr>
-              <a:t>2019/7/16</a:t>
+              <a:t>2020/2/16</a:t>
             </a:fld>
             <a:endParaRPr lang="zh-CN" altLang="en-US"/>
           </a:p>
@@ -12971,7 +12907,7 @@
           <p:cNvPr id="8" name="页脚占位符 4">
             <a:extLst>
               <a:ext uri="{FF2B5EF4-FFF2-40B4-BE49-F238E27FC236}">
-                <a16:creationId xmlns:a16="http://schemas.microsoft.com/office/drawing/2014/main" id="{BDF28C49-7587-481B-82C6-F60B60CEA8CD}"/>
+                <a16:creationId xmlns:a16="http://schemas.microsoft.com/office/drawing/2014/main" id="{5E925674-9259-40D1-9F26-A3816D179BD3}"/>
               </a:ext>
             </a:extLst>
           </p:cNvPr>
@@ -13003,7 +12939,7 @@
           <p:cNvPr id="9" name="灯片编号占位符 5">
             <a:extLst>
               <a:ext uri="{FF2B5EF4-FFF2-40B4-BE49-F238E27FC236}">
-                <a16:creationId xmlns:a16="http://schemas.microsoft.com/office/drawing/2014/main" id="{445481F7-0B37-4EB4-8457-E87B10C8B6FC}"/>
+                <a16:creationId xmlns:a16="http://schemas.microsoft.com/office/drawing/2014/main" id="{BAB29FEB-2E6C-49DB-986E-1759B74F0C02}"/>
               </a:ext>
             </a:extLst>
           </p:cNvPr>
@@ -13026,7 +12962,7 @@
             <a:pPr>
               <a:defRPr/>
             </a:pPr>
-            <a:fld id="{BB26B80D-0123-4217-A18C-360EE66F6FC0}" type="slidenum">
+            <a:fld id="{69F5C1EB-3FDD-42E6-B708-EDC9851EC180}" type="slidenum">
               <a:rPr lang="zh-CN" altLang="en-US"/>
               <a:pPr>
                 <a:defRPr/>
@@ -13040,7 +12976,7 @@
     </p:spTree>
     <p:extLst>
       <p:ext uri="{BB962C8B-B14F-4D97-AF65-F5344CB8AC3E}">
-        <p14:creationId xmlns:p14="http://schemas.microsoft.com/office/powerpoint/2010/main" val="373061304"/>
+        <p14:creationId xmlns:p14="http://schemas.microsoft.com/office/powerpoint/2010/main" val="4029462727"/>
       </p:ext>
     </p:extLst>
   </p:cSld>
@@ -13072,7 +13008,7 @@
           <p:cNvPr id="2" name="日期占位符 3">
             <a:extLst>
               <a:ext uri="{FF2B5EF4-FFF2-40B4-BE49-F238E27FC236}">
-                <a16:creationId xmlns:a16="http://schemas.microsoft.com/office/drawing/2014/main" id="{D39B024E-806C-4059-A756-1AAA8623BE75}"/>
+                <a16:creationId xmlns:a16="http://schemas.microsoft.com/office/drawing/2014/main" id="{0DAB9EB0-2B57-4F8B-8520-817FDA14D13B}"/>
               </a:ext>
             </a:extLst>
           </p:cNvPr>
@@ -13095,12 +13031,12 @@
             <a:pPr>
               <a:defRPr/>
             </a:pPr>
-            <a:fld id="{D91989EF-8059-4572-9540-68E32F45339A}" type="datetimeFigureOut">
+            <a:fld id="{701AC425-351D-4800-B180-8C5394D476A1}" type="datetimeFigureOut">
               <a:rPr lang="zh-CN" altLang="en-US"/>
               <a:pPr>
                 <a:defRPr/>
               </a:pPr>
-              <a:t>2019/7/16</a:t>
+              <a:t>2020/2/16</a:t>
             </a:fld>
             <a:endParaRPr lang="zh-CN" altLang="en-US"/>
           </a:p>
@@ -13111,7 +13047,7 @@
           <p:cNvPr id="3" name="页脚占位符 4">
             <a:extLst>
               <a:ext uri="{FF2B5EF4-FFF2-40B4-BE49-F238E27FC236}">
-                <a16:creationId xmlns:a16="http://schemas.microsoft.com/office/drawing/2014/main" id="{01603AFE-E0ED-4E5F-B5D6-9DE225297CDD}"/>
+                <a16:creationId xmlns:a16="http://schemas.microsoft.com/office/drawing/2014/main" id="{3DD9DF09-AAF9-499E-A254-12A8CF8EAE82}"/>
               </a:ext>
             </a:extLst>
           </p:cNvPr>
@@ -13143,7 +13079,7 @@
           <p:cNvPr id="4" name="灯片编号占位符 5">
             <a:extLst>
               <a:ext uri="{FF2B5EF4-FFF2-40B4-BE49-F238E27FC236}">
-                <a16:creationId xmlns:a16="http://schemas.microsoft.com/office/drawing/2014/main" id="{0E6598B1-7B9B-4167-9205-DF62AA790B6C}"/>
+                <a16:creationId xmlns:a16="http://schemas.microsoft.com/office/drawing/2014/main" id="{DFA65F36-228C-4DFC-A9FC-408EE7378712}"/>
               </a:ext>
             </a:extLst>
           </p:cNvPr>
@@ -13166,7 +13102,7 @@
             <a:pPr>
               <a:defRPr/>
             </a:pPr>
-            <a:fld id="{08195860-C318-4F5E-A54F-E9A44636B11A}" type="slidenum">
+            <a:fld id="{CDEA3ECC-E574-4A99-950B-727502E03612}" type="slidenum">
               <a:rPr lang="zh-CN" altLang="en-US"/>
               <a:pPr>
                 <a:defRPr/>
@@ -13180,7 +13116,7 @@
     </p:spTree>
     <p:extLst>
       <p:ext uri="{BB962C8B-B14F-4D97-AF65-F5344CB8AC3E}">
-        <p14:creationId xmlns:p14="http://schemas.microsoft.com/office/powerpoint/2010/main" val="1898005627"/>
+        <p14:creationId xmlns:p14="http://schemas.microsoft.com/office/powerpoint/2010/main" val="1143614439"/>
       </p:ext>
     </p:extLst>
   </p:cSld>
@@ -13219,8 +13155,8 @@
         </p:nvSpPr>
         <p:spPr>
           <a:xfrm>
-            <a:off x="609601" y="273050"/>
-            <a:ext cx="4011084" cy="1162050"/>
+            <a:off x="457200" y="273050"/>
+            <a:ext cx="3008313" cy="1162050"/>
           </a:xfrm>
         </p:spPr>
         <p:txBody>
@@ -13250,8 +13186,8 @@
         </p:nvSpPr>
         <p:spPr>
           <a:xfrm>
-            <a:off x="4766733" y="273051"/>
-            <a:ext cx="6815667" cy="5853113"/>
+            <a:off x="3575050" y="273050"/>
+            <a:ext cx="5111750" cy="5853113"/>
           </a:xfrm>
         </p:spPr>
         <p:txBody>
@@ -13334,8 +13270,8 @@
         </p:nvSpPr>
         <p:spPr>
           <a:xfrm>
-            <a:off x="609601" y="1435101"/>
-            <a:ext cx="4011084" cy="4691063"/>
+            <a:off x="457200" y="1435100"/>
+            <a:ext cx="3008313" cy="4691063"/>
           </a:xfrm>
         </p:spPr>
         <p:txBody>
@@ -13392,7 +13328,7 @@
           <p:cNvPr id="5" name="日期占位符 3">
             <a:extLst>
               <a:ext uri="{FF2B5EF4-FFF2-40B4-BE49-F238E27FC236}">
-                <a16:creationId xmlns:a16="http://schemas.microsoft.com/office/drawing/2014/main" id="{C55038D4-92D2-4D87-A50F-AEBF08B3B319}"/>
+                <a16:creationId xmlns:a16="http://schemas.microsoft.com/office/drawing/2014/main" id="{2D846E08-F222-41FD-80BD-971ECDB5A8D4}"/>
               </a:ext>
             </a:extLst>
           </p:cNvPr>
@@ -13415,12 +13351,12 @@
             <a:pPr>
               <a:defRPr/>
             </a:pPr>
-            <a:fld id="{2A981B15-61E7-4B70-844E-A4B4EE2F0212}" type="datetimeFigureOut">
+            <a:fld id="{CCC6A027-203F-4318-811B-6878E9F394E2}" type="datetimeFigureOut">
               <a:rPr lang="zh-CN" altLang="en-US"/>
               <a:pPr>
                 <a:defRPr/>
               </a:pPr>
-              <a:t>2019/7/16</a:t>
+              <a:t>2020/2/16</a:t>
             </a:fld>
             <a:endParaRPr lang="zh-CN" altLang="en-US"/>
           </a:p>
@@ -13431,7 +13367,7 @@
           <p:cNvPr id="6" name="页脚占位符 4">
             <a:extLst>
               <a:ext uri="{FF2B5EF4-FFF2-40B4-BE49-F238E27FC236}">
-                <a16:creationId xmlns:a16="http://schemas.microsoft.com/office/drawing/2014/main" id="{44511C5B-AFAE-4110-9CBD-9ADDB0E23F44}"/>
+                <a16:creationId xmlns:a16="http://schemas.microsoft.com/office/drawing/2014/main" id="{14439332-2FCF-4A2F-BA80-214EC0A61915}"/>
               </a:ext>
             </a:extLst>
           </p:cNvPr>
@@ -13463,7 +13399,7 @@
           <p:cNvPr id="7" name="灯片编号占位符 5">
             <a:extLst>
               <a:ext uri="{FF2B5EF4-FFF2-40B4-BE49-F238E27FC236}">
-                <a16:creationId xmlns:a16="http://schemas.microsoft.com/office/drawing/2014/main" id="{6AC2E9A5-0AC9-4F86-ACD1-0B3DDD655876}"/>
+                <a16:creationId xmlns:a16="http://schemas.microsoft.com/office/drawing/2014/main" id="{8C89C6A8-EB6B-4A40-BAFF-341A70AE8AC5}"/>
               </a:ext>
             </a:extLst>
           </p:cNvPr>
@@ -13486,7 +13422,7 @@
             <a:pPr>
               <a:defRPr/>
             </a:pPr>
-            <a:fld id="{86E8225B-0BAA-49B0-A92B-7E62ED1F3731}" type="slidenum">
+            <a:fld id="{46006660-1248-4227-A97F-024C364B6CBC}" type="slidenum">
               <a:rPr lang="zh-CN" altLang="en-US"/>
               <a:pPr>
                 <a:defRPr/>
@@ -13500,7 +13436,7 @@
     </p:spTree>
     <p:extLst>
       <p:ext uri="{BB962C8B-B14F-4D97-AF65-F5344CB8AC3E}">
-        <p14:creationId xmlns:p14="http://schemas.microsoft.com/office/powerpoint/2010/main" val="733144898"/>
+        <p14:creationId xmlns:p14="http://schemas.microsoft.com/office/powerpoint/2010/main" val="3905273803"/>
       </p:ext>
     </p:extLst>
   </p:cSld>
@@ -13539,8 +13475,8 @@
         </p:nvSpPr>
         <p:spPr>
           <a:xfrm>
-            <a:off x="2389717" y="4800600"/>
-            <a:ext cx="7315200" cy="566738"/>
+            <a:off x="1792288" y="4800600"/>
+            <a:ext cx="5486400" cy="566738"/>
           </a:xfrm>
         </p:spPr>
         <p:txBody>
@@ -13570,8 +13506,8 @@
         </p:nvSpPr>
         <p:spPr>
           <a:xfrm>
-            <a:off x="2389717" y="612775"/>
-            <a:ext cx="7315200" cy="4114800"/>
+            <a:off x="1792288" y="612775"/>
+            <a:ext cx="5486400" cy="4114800"/>
           </a:xfrm>
         </p:spPr>
         <p:txBody>
@@ -13634,8 +13570,8 @@
         </p:nvSpPr>
         <p:spPr>
           <a:xfrm>
-            <a:off x="2389717" y="5367338"/>
-            <a:ext cx="7315200" cy="804862"/>
+            <a:off x="1792288" y="5367338"/>
+            <a:ext cx="5486400" cy="804862"/>
           </a:xfrm>
         </p:spPr>
         <p:txBody>
@@ -13692,7 +13628,7 @@
           <p:cNvPr id="5" name="日期占位符 3">
             <a:extLst>
               <a:ext uri="{FF2B5EF4-FFF2-40B4-BE49-F238E27FC236}">
-                <a16:creationId xmlns:a16="http://schemas.microsoft.com/office/drawing/2014/main" id="{A2190A3E-5ECF-40F4-8A9D-5B3504C48A70}"/>
+                <a16:creationId xmlns:a16="http://schemas.microsoft.com/office/drawing/2014/main" id="{EDDB5093-7BF2-4DE4-9016-9979F2819B43}"/>
               </a:ext>
             </a:extLst>
           </p:cNvPr>
@@ -13715,12 +13651,12 @@
             <a:pPr>
               <a:defRPr/>
             </a:pPr>
-            <a:fld id="{2C801AE7-8F9A-40FC-B36E-26BD202DDF85}" type="datetimeFigureOut">
+            <a:fld id="{F14E5500-CF9D-4726-9F6B-B9C1C8E4F39C}" type="datetimeFigureOut">
               <a:rPr lang="zh-CN" altLang="en-US"/>
               <a:pPr>
                 <a:defRPr/>
               </a:pPr>
-              <a:t>2019/7/16</a:t>
+              <a:t>2020/2/16</a:t>
             </a:fld>
             <a:endParaRPr lang="zh-CN" altLang="en-US"/>
           </a:p>
@@ -13731,7 +13667,7 @@
           <p:cNvPr id="6" name="页脚占位符 4">
             <a:extLst>
               <a:ext uri="{FF2B5EF4-FFF2-40B4-BE49-F238E27FC236}">
-                <a16:creationId xmlns:a16="http://schemas.microsoft.com/office/drawing/2014/main" id="{5E885DCE-C939-4D30-93CF-B761837F4375}"/>
+                <a16:creationId xmlns:a16="http://schemas.microsoft.com/office/drawing/2014/main" id="{A72F2E91-ABB6-4A27-BAF5-7FB7986C0EB9}"/>
               </a:ext>
             </a:extLst>
           </p:cNvPr>
@@ -13763,7 +13699,7 @@
           <p:cNvPr id="7" name="灯片编号占位符 5">
             <a:extLst>
               <a:ext uri="{FF2B5EF4-FFF2-40B4-BE49-F238E27FC236}">
-                <a16:creationId xmlns:a16="http://schemas.microsoft.com/office/drawing/2014/main" id="{12AF0EC3-A79B-43D4-A1FF-C0105C9D3A72}"/>
+                <a16:creationId xmlns:a16="http://schemas.microsoft.com/office/drawing/2014/main" id="{FC371696-B242-4541-BDD6-D72FA44B2DF7}"/>
               </a:ext>
             </a:extLst>
           </p:cNvPr>
@@ -13786,7 +13722,7 @@
             <a:pPr>
               <a:defRPr/>
             </a:pPr>
-            <a:fld id="{68B00855-660C-42A9-AE69-8CEAA09D7B2A}" type="slidenum">
+            <a:fld id="{65EC3D81-2C49-4F8F-BCD8-8A256B26CC9E}" type="slidenum">
               <a:rPr lang="zh-CN" altLang="en-US"/>
               <a:pPr>
                 <a:defRPr/>
@@ -13800,7 +13736,7 @@
     </p:spTree>
     <p:extLst>
       <p:ext uri="{BB962C8B-B14F-4D97-AF65-F5344CB8AC3E}">
-        <p14:creationId xmlns:p14="http://schemas.microsoft.com/office/powerpoint/2010/main" val="2791490108"/>
+        <p14:creationId xmlns:p14="http://schemas.microsoft.com/office/powerpoint/2010/main" val="3440980296"/>
       </p:ext>
     </p:extLst>
   </p:cSld>
@@ -13840,7 +13776,7 @@
           <p:cNvPr id="1026" name="图片 6" descr="图片1.jpg">
             <a:extLst>
               <a:ext uri="{FF2B5EF4-FFF2-40B4-BE49-F238E27FC236}">
-                <a16:creationId xmlns:a16="http://schemas.microsoft.com/office/drawing/2014/main" id="{B2AF3F37-3C27-4332-BF88-9906C0F0054D}"/>
+                <a16:creationId xmlns:a16="http://schemas.microsoft.com/office/drawing/2014/main" id="{24423180-CB04-414F-91D9-32FC35981E8E}"/>
               </a:ext>
             </a:extLst>
           </p:cNvPr>
@@ -13865,7 +13801,7 @@
         <p:spPr bwMode="auto">
           <a:xfrm>
             <a:off x="0" y="0"/>
-            <a:ext cx="12192000" cy="6858000"/>
+            <a:ext cx="9144000" cy="6858000"/>
           </a:xfrm>
           <a:prstGeom prst="rect">
             <a:avLst/>
@@ -13900,7 +13836,7 @@
           <p:cNvPr id="1027" name="标题占位符 1">
             <a:extLst>
               <a:ext uri="{FF2B5EF4-FFF2-40B4-BE49-F238E27FC236}">
-                <a16:creationId xmlns:a16="http://schemas.microsoft.com/office/drawing/2014/main" id="{2461050D-7C33-43E1-AA16-1728A4562BFF}"/>
+                <a16:creationId xmlns:a16="http://schemas.microsoft.com/office/drawing/2014/main" id="{0EABF0EC-1619-40B0-938E-1B4ECEA998E0}"/>
               </a:ext>
             </a:extLst>
           </p:cNvPr>
@@ -13913,8 +13849,8 @@
         </p:nvSpPr>
         <p:spPr bwMode="auto">
           <a:xfrm>
-            <a:off x="609600" y="274638"/>
-            <a:ext cx="10972800" cy="1143000"/>
+            <a:off x="457200" y="274638"/>
+            <a:ext cx="8229600" cy="1143000"/>
           </a:xfrm>
           <a:prstGeom prst="rect">
             <a:avLst/>
@@ -13964,7 +13900,7 @@
           <p:cNvPr id="1028" name="文本占位符 2">
             <a:extLst>
               <a:ext uri="{FF2B5EF4-FFF2-40B4-BE49-F238E27FC236}">
-                <a16:creationId xmlns:a16="http://schemas.microsoft.com/office/drawing/2014/main" id="{D1CE6B63-604A-41EA-ABF3-1773F02D7418}"/>
+                <a16:creationId xmlns:a16="http://schemas.microsoft.com/office/drawing/2014/main" id="{C2CCB763-AAD9-4F16-9B7C-DEF5C0A014FB}"/>
               </a:ext>
             </a:extLst>
           </p:cNvPr>
@@ -13977,8 +13913,8 @@
         </p:nvSpPr>
         <p:spPr bwMode="auto">
           <a:xfrm>
-            <a:off x="609600" y="1600200"/>
-            <a:ext cx="10972800" cy="2114550"/>
+            <a:off x="457200" y="1600200"/>
+            <a:ext cx="8229600" cy="2114550"/>
           </a:xfrm>
           <a:prstGeom prst="rect">
             <a:avLst/>
@@ -14056,7 +13992,7 @@
           <p:cNvPr id="4" name="日期占位符 3">
             <a:extLst>
               <a:ext uri="{FF2B5EF4-FFF2-40B4-BE49-F238E27FC236}">
-                <a16:creationId xmlns:a16="http://schemas.microsoft.com/office/drawing/2014/main" id="{3412F962-CE7E-4D07-95D2-8ED1C9CBF1DD}"/>
+                <a16:creationId xmlns:a16="http://schemas.microsoft.com/office/drawing/2014/main" id="{0F4F49E4-A27B-4325-9345-7EB95589C447}"/>
               </a:ext>
             </a:extLst>
           </p:cNvPr>
@@ -14069,8 +14005,8 @@
         </p:nvSpPr>
         <p:spPr>
           <a:xfrm>
-            <a:off x="609600" y="6356351"/>
-            <a:ext cx="2844800" cy="365125"/>
+            <a:off x="457200" y="6356350"/>
+            <a:ext cx="2133600" cy="365125"/>
           </a:xfrm>
           <a:prstGeom prst="rect">
             <a:avLst/>
@@ -14097,12 +14033,12 @@
             <a:pPr>
               <a:defRPr/>
             </a:pPr>
-            <a:fld id="{5E9343F6-A86F-4F4E-8590-951386482BF1}" type="datetimeFigureOut">
+            <a:fld id="{5788EA6A-51B0-4809-9D7C-8B6D44860964}" type="datetimeFigureOut">
               <a:rPr lang="zh-CN" altLang="en-US"/>
               <a:pPr>
                 <a:defRPr/>
               </a:pPr>
-              <a:t>2019/7/16</a:t>
+              <a:t>2020/2/16</a:t>
             </a:fld>
             <a:endParaRPr lang="zh-CN" altLang="en-US"/>
           </a:p>
@@ -14113,7 +14049,7 @@
           <p:cNvPr id="5" name="页脚占位符 4">
             <a:extLst>
               <a:ext uri="{FF2B5EF4-FFF2-40B4-BE49-F238E27FC236}">
-                <a16:creationId xmlns:a16="http://schemas.microsoft.com/office/drawing/2014/main" id="{610D6089-5303-4041-9962-E0F47BB54C44}"/>
+                <a16:creationId xmlns:a16="http://schemas.microsoft.com/office/drawing/2014/main" id="{6495F125-E3FC-4ABA-A5C7-F8A50FCFC7E3}"/>
               </a:ext>
             </a:extLst>
           </p:cNvPr>
@@ -14126,8 +14062,8 @@
         </p:nvSpPr>
         <p:spPr>
           <a:xfrm>
-            <a:off x="4165600" y="6356351"/>
-            <a:ext cx="3860800" cy="365125"/>
+            <a:off x="3124200" y="6356350"/>
+            <a:ext cx="2895600" cy="365125"/>
           </a:xfrm>
           <a:prstGeom prst="rect">
             <a:avLst/>
@@ -14164,7 +14100,7 @@
           <p:cNvPr id="6" name="灯片编号占位符 5">
             <a:extLst>
               <a:ext uri="{FF2B5EF4-FFF2-40B4-BE49-F238E27FC236}">
-                <a16:creationId xmlns:a16="http://schemas.microsoft.com/office/drawing/2014/main" id="{F3594EED-A87A-4F02-B767-6644C296FF12}"/>
+                <a16:creationId xmlns:a16="http://schemas.microsoft.com/office/drawing/2014/main" id="{B9B757A8-5631-4110-A7BA-76855A8D7E87}"/>
               </a:ext>
             </a:extLst>
           </p:cNvPr>
@@ -14177,8 +14113,8 @@
         </p:nvSpPr>
         <p:spPr>
           <a:xfrm>
-            <a:off x="8737600" y="6356351"/>
-            <a:ext cx="2844800" cy="365125"/>
+            <a:off x="6553200" y="6356350"/>
+            <a:ext cx="2133600" cy="365125"/>
           </a:xfrm>
           <a:prstGeom prst="rect">
             <a:avLst/>
@@ -14204,7 +14140,7 @@
             <a:pPr>
               <a:defRPr/>
             </a:pPr>
-            <a:fld id="{BCF7B562-7865-49EE-930B-E7AA9CD665E0}" type="slidenum">
+            <a:fld id="{4C8CD7CC-031D-4A9D-AE7E-D819A8BC9CF1}" type="slidenum">
               <a:rPr lang="zh-CN" altLang="en-US"/>
               <a:pPr>
                 <a:defRPr/>
@@ -14220,7 +14156,7 @@
           <p:cNvPr id="1032" name="Object 7">
             <a:extLst>
               <a:ext uri="{FF2B5EF4-FFF2-40B4-BE49-F238E27FC236}">
-                <a16:creationId xmlns:a16="http://schemas.microsoft.com/office/drawing/2014/main" id="{8B04D1D7-4F6F-4271-AA6A-5A79BE6F0D6D}"/>
+                <a16:creationId xmlns:a16="http://schemas.microsoft.com/office/drawing/2014/main" id="{312FABB0-0594-4DFC-B632-C658E1692367}"/>
               </a:ext>
             </a:extLst>
           </p:cNvPr>
@@ -14230,14 +14166,14 @@
           <p:nvPr userDrawn="1"/>
         </p:nvGraphicFramePr>
         <p:xfrm>
-          <a:off x="7632701" y="260350"/>
-          <a:ext cx="4239684" cy="501650"/>
+          <a:off x="5724525" y="260350"/>
+          <a:ext cx="3179763" cy="501650"/>
         </p:xfrm>
         <a:graphic>
           <a:graphicData uri="http://schemas.openxmlformats.org/presentationml/2006/ole">
             <mc:AlternateContent xmlns:mc="http://schemas.openxmlformats.org/markup-compatibility/2006">
               <mc:Choice xmlns:v="urn:schemas-microsoft-com:vml" Requires="v">
-                <p:oleObj spid="_x0000_s1045" r:id="rId16" imgW="6824520" imgH="1076040" progId="">
+                <p:oleObj spid="_x0000_s1047" r:id="rId16" imgW="6824520" imgH="1076040" progId="">
                   <p:embed/>
                 </p:oleObj>
               </mc:Choice>
@@ -14267,8 +14203,8 @@
                     </p:blipFill>
                     <p:spPr bwMode="auto">
                       <a:xfrm>
-                        <a:off x="7632701" y="260350"/>
-                        <a:ext cx="4239684" cy="501650"/>
+                        <a:off x="5724525" y="260350"/>
+                        <a:ext cx="3179763" cy="501650"/>
                       </a:xfrm>
                       <a:prstGeom prst="rect">
                         <a:avLst/>
@@ -14323,7 +14259,7 @@
               <p14:cNvPr id="2" name="墨迹 1">
                 <a:extLst>
                   <a:ext uri="{FF2B5EF4-FFF2-40B4-BE49-F238E27FC236}">
-                    <a16:creationId xmlns:a16="http://schemas.microsoft.com/office/drawing/2014/main" id="{92270712-E1B7-4224-9DFB-0AB8011CB701}"/>
+                    <a16:creationId xmlns:a16="http://schemas.microsoft.com/office/drawing/2014/main" id="{8187EBD5-D23B-4545-A926-209D4FD45795}"/>
                   </a:ext>
                 </a:extLst>
               </p14:cNvPr>
@@ -14331,8 +14267,8 @@
               <p14:nvPr userDrawn="1"/>
             </p14:nvContentPartPr>
             <p14:xfrm>
-              <a:off x="3630679" y="3918376"/>
-              <a:ext cx="3840" cy="2640"/>
+              <a:off x="2723009" y="3918376"/>
+              <a:ext cx="2880" cy="2640"/>
             </p14:xfrm>
           </p:contentPart>
         </mc:Choice>
@@ -14342,7 +14278,7 @@
               <p:cNvPr id="2" name="墨迹 1">
                 <a:extLst>
                   <a:ext uri="{FF2B5EF4-FFF2-40B4-BE49-F238E27FC236}">
-                    <a16:creationId xmlns:a16="http://schemas.microsoft.com/office/drawing/2014/main" id="{92270712-E1B7-4224-9DFB-0AB8011CB701}"/>
+                    <a16:creationId xmlns:a16="http://schemas.microsoft.com/office/drawing/2014/main" id="{8187EBD5-D23B-4545-A926-209D4FD45795}"/>
                   </a:ext>
                 </a:extLst>
               </p:cNvPr>
@@ -14357,8 +14293,8 @@
             </p:blipFill>
             <p:spPr>
               <a:xfrm>
-                <a:off x="3626599" y="3914296"/>
-                <a:ext cx="11520" cy="10320"/>
+                <a:off x="2718929" y="3914296"/>
+                <a:ext cx="10560" cy="10320"/>
               </a:xfrm>
               <a:prstGeom prst="rect">
                 <a:avLst/>
@@ -14374,7 +14310,7 @@
               <p14:cNvPr id="7" name="墨迹 6">
                 <a:extLst>
                   <a:ext uri="{FF2B5EF4-FFF2-40B4-BE49-F238E27FC236}">
-                    <a16:creationId xmlns:a16="http://schemas.microsoft.com/office/drawing/2014/main" id="{E7BEDF1F-456B-40B0-A62E-D3E8A8F71E5C}"/>
+                    <a16:creationId xmlns:a16="http://schemas.microsoft.com/office/drawing/2014/main" id="{E78D5D23-94E2-4431-83B4-58ABACCB81C5}"/>
                   </a:ext>
                 </a:extLst>
               </p14:cNvPr>
@@ -14382,8 +14318,8 @@
               <p14:nvPr userDrawn="1"/>
             </p14:nvContentPartPr>
             <p14:xfrm>
-              <a:off x="1103639" y="4400056"/>
-              <a:ext cx="21120" cy="1680"/>
+              <a:off x="827729" y="4400056"/>
+              <a:ext cx="15840" cy="1680"/>
             </p14:xfrm>
           </p:contentPart>
         </mc:Choice>
@@ -14393,7 +14329,7 @@
               <p:cNvPr id="7" name="墨迹 6">
                 <a:extLst>
                   <a:ext uri="{FF2B5EF4-FFF2-40B4-BE49-F238E27FC236}">
-                    <a16:creationId xmlns:a16="http://schemas.microsoft.com/office/drawing/2014/main" id="{E7BEDF1F-456B-40B0-A62E-D3E8A8F71E5C}"/>
+                    <a16:creationId xmlns:a16="http://schemas.microsoft.com/office/drawing/2014/main" id="{E78D5D23-94E2-4431-83B4-58ABACCB81C5}"/>
                   </a:ext>
                 </a:extLst>
               </p:cNvPr>
@@ -14408,8 +14344,8 @@
             </p:blipFill>
             <p:spPr>
               <a:xfrm>
-                <a:off x="1099559" y="4395976"/>
-                <a:ext cx="28800" cy="9360"/>
+                <a:off x="823649" y="4395976"/>
+                <a:ext cx="23520" cy="9360"/>
               </a:xfrm>
               <a:prstGeom prst="rect">
                 <a:avLst/>
@@ -14422,18 +14358,18 @@
   </p:cSld>
   <p:clrMap bg1="lt1" tx1="dk1" bg2="lt2" tx2="dk2" accent1="accent1" accent2="accent2" accent3="accent3" accent4="accent4" accent5="accent5" accent6="accent6" hlink="hlink" folHlink="folHlink"/>
   <p:sldLayoutIdLst>
-    <p:sldLayoutId id="2147484923" r:id="rId1"/>
-    <p:sldLayoutId id="2147484924" r:id="rId2"/>
-    <p:sldLayoutId id="2147484925" r:id="rId3"/>
-    <p:sldLayoutId id="2147484926" r:id="rId4"/>
-    <p:sldLayoutId id="2147484917" r:id="rId5"/>
-    <p:sldLayoutId id="2147484927" r:id="rId6"/>
-    <p:sldLayoutId id="2147484918" r:id="rId7"/>
-    <p:sldLayoutId id="2147484919" r:id="rId8"/>
-    <p:sldLayoutId id="2147484920" r:id="rId9"/>
-    <p:sldLayoutId id="2147484921" r:id="rId10"/>
-    <p:sldLayoutId id="2147484922" r:id="rId11"/>
-    <p:sldLayoutId id="2147484928" r:id="rId12"/>
+    <p:sldLayoutId id="2147484959" r:id="rId1"/>
+    <p:sldLayoutId id="2147484960" r:id="rId2"/>
+    <p:sldLayoutId id="2147484961" r:id="rId3"/>
+    <p:sldLayoutId id="2147484962" r:id="rId4"/>
+    <p:sldLayoutId id="2147484953" r:id="rId5"/>
+    <p:sldLayoutId id="2147484963" r:id="rId6"/>
+    <p:sldLayoutId id="2147484954" r:id="rId7"/>
+    <p:sldLayoutId id="2147484955" r:id="rId8"/>
+    <p:sldLayoutId id="2147484956" r:id="rId9"/>
+    <p:sldLayoutId id="2147484957" r:id="rId10"/>
+    <p:sldLayoutId id="2147484958" r:id="rId11"/>
+    <p:sldLayoutId id="2147484964" r:id="rId12"/>
   </p:sldLayoutIdLst>
   <p:txStyles>
     <p:titleStyle>
@@ -14851,7 +14787,7 @@
           <p:cNvPr id="15361" name="标题 3">
             <a:extLst>
               <a:ext uri="{FF2B5EF4-FFF2-40B4-BE49-F238E27FC236}">
-                <a16:creationId xmlns:a16="http://schemas.microsoft.com/office/drawing/2014/main" id="{DC59C2F2-440A-4088-9F75-8509DDB874F2}"/>
+                <a16:creationId xmlns:a16="http://schemas.microsoft.com/office/drawing/2014/main" id="{23CE0DA9-CEAF-458A-91BE-F673B7675ACB}"/>
               </a:ext>
             </a:extLst>
           </p:cNvPr>
@@ -14864,7 +14800,7 @@
         </p:nvSpPr>
         <p:spPr>
           <a:xfrm>
-            <a:off x="2024063" y="4368800"/>
+            <a:off x="500063" y="4368800"/>
             <a:ext cx="7929562" cy="560388"/>
           </a:xfrm>
         </p:spPr>
@@ -14892,7 +14828,7 @@
               <p14:cNvPr id="3" name="墨迹 2">
                 <a:extLst>
                   <a:ext uri="{FF2B5EF4-FFF2-40B4-BE49-F238E27FC236}">
-                    <a16:creationId xmlns:a16="http://schemas.microsoft.com/office/drawing/2014/main" id="{228BB1F1-D3E2-4DDD-A882-47B9FCA2A67D}"/>
+                    <a16:creationId xmlns:a16="http://schemas.microsoft.com/office/drawing/2014/main" id="{5684B251-6565-429B-BBE1-C3C3B7D967D1}"/>
                   </a:ext>
                 </a:extLst>
               </p14:cNvPr>
@@ -14911,7 +14847,7 @@
               <p:cNvPr id="3" name="墨迹 2">
                 <a:extLst>
                   <a:ext uri="{FF2B5EF4-FFF2-40B4-BE49-F238E27FC236}">
-                    <a16:creationId xmlns:a16="http://schemas.microsoft.com/office/drawing/2014/main" id="{228BB1F1-D3E2-4DDD-A882-47B9FCA2A67D}"/>
+                    <a16:creationId xmlns:a16="http://schemas.microsoft.com/office/drawing/2014/main" id="{5684B251-6565-429B-BBE1-C3C3B7D967D1}"/>
                   </a:ext>
                 </a:extLst>
               </p:cNvPr>
@@ -14966,7 +14902,7 @@
           <p:cNvPr id="23554" name="内容占位符 1">
             <a:extLst>
               <a:ext uri="{FF2B5EF4-FFF2-40B4-BE49-F238E27FC236}">
-                <a16:creationId xmlns:a16="http://schemas.microsoft.com/office/drawing/2014/main" id="{2B540F5F-3683-4915-B7B5-CCD24655DE75}"/>
+                <a16:creationId xmlns:a16="http://schemas.microsoft.com/office/drawing/2014/main" id="{B5E3EF0F-8015-47C4-9684-3BB451811AA1}"/>
               </a:ext>
             </a:extLst>
           </p:cNvPr>
@@ -14979,7 +14915,7 @@
         </p:nvSpPr>
         <p:spPr>
           <a:xfrm>
-            <a:off x="1981200" y="1071563"/>
+            <a:off x="457200" y="1071563"/>
             <a:ext cx="8186738" cy="5357812"/>
           </a:xfrm>
         </p:spPr>
@@ -15018,7 +14954,7 @@
           <p:cNvPr id="23555" name="Picture 3">
             <a:extLst>
               <a:ext uri="{FF2B5EF4-FFF2-40B4-BE49-F238E27FC236}">
-                <a16:creationId xmlns:a16="http://schemas.microsoft.com/office/drawing/2014/main" id="{A4C837D2-2D60-46FB-A6D3-8FCBB122112A}"/>
+                <a16:creationId xmlns:a16="http://schemas.microsoft.com/office/drawing/2014/main" id="{53943C75-25E5-4D3E-92A3-846011CA818A}"/>
               </a:ext>
             </a:extLst>
           </p:cNvPr>
@@ -15042,7 +14978,7 @@
         </p:blipFill>
         <p:spPr bwMode="auto">
           <a:xfrm>
-            <a:off x="2317750" y="3902075"/>
+            <a:off x="793750" y="3902075"/>
             <a:ext cx="3411538" cy="2755900"/>
           </a:xfrm>
           <a:prstGeom prst="rect">
@@ -15078,7 +15014,7 @@
           <p:cNvPr id="23556" name="Picture 4">
             <a:extLst>
               <a:ext uri="{FF2B5EF4-FFF2-40B4-BE49-F238E27FC236}">
-                <a16:creationId xmlns:a16="http://schemas.microsoft.com/office/drawing/2014/main" id="{25BBB2C5-5CC0-4EBD-9915-661C1C745464}"/>
+                <a16:creationId xmlns:a16="http://schemas.microsoft.com/office/drawing/2014/main" id="{95298F72-7C52-4993-BB11-214112FE99F4}"/>
               </a:ext>
             </a:extLst>
           </p:cNvPr>
@@ -15102,7 +15038,7 @@
         </p:blipFill>
         <p:spPr bwMode="auto">
           <a:xfrm>
-            <a:off x="6672263" y="3905250"/>
+            <a:off x="5148263" y="3905250"/>
             <a:ext cx="3276600" cy="2763838"/>
           </a:xfrm>
           <a:prstGeom prst="rect">
@@ -15138,7 +15074,7 @@
           <p:cNvPr id="24580" name="矩形 4">
             <a:extLst>
               <a:ext uri="{FF2B5EF4-FFF2-40B4-BE49-F238E27FC236}">
-                <a16:creationId xmlns:a16="http://schemas.microsoft.com/office/drawing/2014/main" id="{B6019922-B50A-4AD0-A374-21D07D96BD61}"/>
+                <a16:creationId xmlns:a16="http://schemas.microsoft.com/office/drawing/2014/main" id="{E9ABEE10-C0B1-4EFD-BBBA-5CBA166A3C8B}"/>
               </a:ext>
             </a:extLst>
           </p:cNvPr>
@@ -15149,7 +15085,7 @@
         </p:nvSpPr>
         <p:spPr bwMode="auto">
           <a:xfrm>
-            <a:off x="2208214" y="1844675"/>
+            <a:off x="684213" y="1844675"/>
             <a:ext cx="8135937" cy="1816100"/>
           </a:xfrm>
           <a:prstGeom prst="rect">
@@ -15744,7 +15680,7 @@
           <p:cNvPr id="24578" name="内容占位符 1">
             <a:extLst>
               <a:ext uri="{FF2B5EF4-FFF2-40B4-BE49-F238E27FC236}">
-                <a16:creationId xmlns:a16="http://schemas.microsoft.com/office/drawing/2014/main" id="{35E8FB81-32B1-4617-9265-1B9526840682}"/>
+                <a16:creationId xmlns:a16="http://schemas.microsoft.com/office/drawing/2014/main" id="{C7BA9D12-9883-45EA-BE30-13A91BF40C4E}"/>
               </a:ext>
             </a:extLst>
           </p:cNvPr>
@@ -15757,7 +15693,7 @@
         </p:nvSpPr>
         <p:spPr>
           <a:xfrm>
-            <a:off x="1981200" y="1071563"/>
+            <a:off x="457200" y="1071563"/>
             <a:ext cx="8186738" cy="5357812"/>
           </a:xfrm>
         </p:spPr>
@@ -15894,7 +15830,7 @@
           <p:cNvPr id="5" name="TextBox 2">
             <a:extLst>
               <a:ext uri="{FF2B5EF4-FFF2-40B4-BE49-F238E27FC236}">
-                <a16:creationId xmlns:a16="http://schemas.microsoft.com/office/drawing/2014/main" id="{5C501C59-589F-46BD-8B8E-DEA2D9C10F04}"/>
+                <a16:creationId xmlns:a16="http://schemas.microsoft.com/office/drawing/2014/main" id="{CC48C627-EA6B-4EBA-A496-0D302473F3BC}"/>
               </a:ext>
             </a:extLst>
           </p:cNvPr>
@@ -15905,7 +15841,7 @@
         </p:nvSpPr>
         <p:spPr bwMode="auto">
           <a:xfrm>
-            <a:off x="2640014" y="3586164"/>
+            <a:off x="1116013" y="3586163"/>
             <a:ext cx="6778625" cy="922337"/>
           </a:xfrm>
           <a:prstGeom prst="rect">
@@ -16302,7 +16238,7 @@
           <p:cNvPr id="25602" name="内容占位符 1">
             <a:extLst>
               <a:ext uri="{FF2B5EF4-FFF2-40B4-BE49-F238E27FC236}">
-                <a16:creationId xmlns:a16="http://schemas.microsoft.com/office/drawing/2014/main" id="{D6F42C3E-635F-4130-8086-4CB8D84C2E51}"/>
+                <a16:creationId xmlns:a16="http://schemas.microsoft.com/office/drawing/2014/main" id="{4D33D319-5DB5-4925-963F-5A7C74E3AD4D}"/>
               </a:ext>
             </a:extLst>
           </p:cNvPr>
@@ -16315,7 +16251,7 @@
         </p:nvSpPr>
         <p:spPr>
           <a:xfrm>
-            <a:off x="1981200" y="1071563"/>
+            <a:off x="457200" y="1071563"/>
             <a:ext cx="8186738" cy="5357812"/>
           </a:xfrm>
         </p:spPr>
@@ -16350,7 +16286,7 @@
           <p:cNvPr id="27650" name="矩形 3">
             <a:extLst>
               <a:ext uri="{FF2B5EF4-FFF2-40B4-BE49-F238E27FC236}">
-                <a16:creationId xmlns:a16="http://schemas.microsoft.com/office/drawing/2014/main" id="{BDEED792-5A23-4062-9153-37036C04F4BA}"/>
+                <a16:creationId xmlns:a16="http://schemas.microsoft.com/office/drawing/2014/main" id="{458103F1-3DFC-4C16-B613-2693E34966FC}"/>
               </a:ext>
             </a:extLst>
           </p:cNvPr>
@@ -16361,7 +16297,7 @@
         </p:nvSpPr>
         <p:spPr bwMode="auto">
           <a:xfrm>
-            <a:off x="2135189" y="1901826"/>
+            <a:off x="611188" y="1901825"/>
             <a:ext cx="8137525" cy="3662363"/>
           </a:xfrm>
           <a:prstGeom prst="rect">
@@ -17042,7 +16978,7 @@
           <p:cNvPr id="27650" name="内容占位符 1">
             <a:extLst>
               <a:ext uri="{FF2B5EF4-FFF2-40B4-BE49-F238E27FC236}">
-                <a16:creationId xmlns:a16="http://schemas.microsoft.com/office/drawing/2014/main" id="{74473E3C-79A0-46CA-96AC-F04D4FC1D02F}"/>
+                <a16:creationId xmlns:a16="http://schemas.microsoft.com/office/drawing/2014/main" id="{19CA335D-1FED-4EC7-AB95-53A38BA8F282}"/>
               </a:ext>
             </a:extLst>
           </p:cNvPr>
@@ -17055,7 +16991,7 @@
         </p:nvSpPr>
         <p:spPr>
           <a:xfrm>
-            <a:off x="1981200" y="1071563"/>
+            <a:off x="457200" y="1071563"/>
             <a:ext cx="8186738" cy="5357812"/>
           </a:xfrm>
         </p:spPr>
@@ -17089,7 +17025,7 @@
           <p:cNvPr id="4" name="图示 3">
             <a:extLst>
               <a:ext uri="{FF2B5EF4-FFF2-40B4-BE49-F238E27FC236}">
-                <a16:creationId xmlns:a16="http://schemas.microsoft.com/office/drawing/2014/main" id="{135B43B2-01B5-4FB1-B0F9-A7FF92FD10F0}"/>
+                <a16:creationId xmlns:a16="http://schemas.microsoft.com/office/drawing/2014/main" id="{824F8B94-A7AF-493D-94D7-0E000341644C}"/>
               </a:ext>
             </a:extLst>
           </p:cNvPr>
@@ -17097,7 +17033,7 @@
           <p:nvPr/>
         </p:nvGraphicFramePr>
         <p:xfrm>
-          <a:off x="2952728" y="2071678"/>
+          <a:off x="1428728" y="2071678"/>
           <a:ext cx="6096000" cy="4064000"/>
         </p:xfrm>
         <a:graphic>
@@ -17273,7 +17209,7 @@
           <p:cNvPr id="28674" name="内容占位符 1">
             <a:extLst>
               <a:ext uri="{FF2B5EF4-FFF2-40B4-BE49-F238E27FC236}">
-                <a16:creationId xmlns:a16="http://schemas.microsoft.com/office/drawing/2014/main" id="{7CB79986-AEF6-4E63-8BDC-46E798CE34D5}"/>
+                <a16:creationId xmlns:a16="http://schemas.microsoft.com/office/drawing/2014/main" id="{91148105-EE58-4BAE-A4C2-26065273395B}"/>
               </a:ext>
             </a:extLst>
           </p:cNvPr>
@@ -17286,7 +17222,7 @@
         </p:nvSpPr>
         <p:spPr>
           <a:xfrm>
-            <a:off x="1981200" y="1071563"/>
+            <a:off x="457200" y="1071563"/>
             <a:ext cx="8186738" cy="5357812"/>
           </a:xfrm>
         </p:spPr>
@@ -17312,7 +17248,7 @@
           <p:cNvPr id="3" name="TextBox 2">
             <a:extLst>
               <a:ext uri="{FF2B5EF4-FFF2-40B4-BE49-F238E27FC236}">
-                <a16:creationId xmlns:a16="http://schemas.microsoft.com/office/drawing/2014/main" id="{D874637B-BEE9-444E-8E84-D53B8DE0EE0B}"/>
+                <a16:creationId xmlns:a16="http://schemas.microsoft.com/office/drawing/2014/main" id="{3764668C-9267-4BE8-9656-7380F5AD2477}"/>
               </a:ext>
             </a:extLst>
           </p:cNvPr>
@@ -17323,7 +17259,7 @@
         </p:nvSpPr>
         <p:spPr bwMode="auto">
           <a:xfrm>
-            <a:off x="2640014" y="3357564"/>
+            <a:off x="1116013" y="3357563"/>
             <a:ext cx="6778625" cy="922337"/>
           </a:xfrm>
           <a:prstGeom prst="rect">
@@ -17723,7 +17659,7 @@
           <p:cNvPr id="29698" name="内容占位符 1">
             <a:extLst>
               <a:ext uri="{FF2B5EF4-FFF2-40B4-BE49-F238E27FC236}">
-                <a16:creationId xmlns:a16="http://schemas.microsoft.com/office/drawing/2014/main" id="{605F97F8-E373-4F31-BA45-A5228D96406C}"/>
+                <a16:creationId xmlns:a16="http://schemas.microsoft.com/office/drawing/2014/main" id="{9FDA1735-DDE7-4D1A-B803-292B4793D159}"/>
               </a:ext>
             </a:extLst>
           </p:cNvPr>
@@ -17736,7 +17672,7 @@
         </p:nvSpPr>
         <p:spPr>
           <a:xfrm>
-            <a:off x="1981200" y="1071563"/>
+            <a:off x="457200" y="1071563"/>
             <a:ext cx="8186738" cy="5357812"/>
           </a:xfrm>
         </p:spPr>
@@ -17759,7 +17695,7 @@
           <p:cNvPr id="26627" name="Picture 2" descr="http://img011.photo.21cn.com/photos/album/20101203/m620x800/1159F28B80AE64BC56E455650955A94E.jpg">
             <a:extLst>
               <a:ext uri="{FF2B5EF4-FFF2-40B4-BE49-F238E27FC236}">
-                <a16:creationId xmlns:a16="http://schemas.microsoft.com/office/drawing/2014/main" id="{436F708E-5D8D-4043-9734-8021D4C2DE60}"/>
+                <a16:creationId xmlns:a16="http://schemas.microsoft.com/office/drawing/2014/main" id="{CBF90A4E-B00F-48A9-AD08-D8BFE28EEEB3}"/>
               </a:ext>
             </a:extLst>
           </p:cNvPr>
@@ -17777,7 +17713,7 @@
         </p:blipFill>
         <p:spPr bwMode="auto">
           <a:xfrm>
-            <a:off x="4295801" y="1340768"/>
+            <a:off x="2771800" y="1340768"/>
             <a:ext cx="3343275" cy="4762500"/>
           </a:xfrm>
           <a:prstGeom prst="rect">
@@ -17839,7 +17775,7 @@
           <p:cNvPr id="30722" name="内容占位符 1">
             <a:extLst>
               <a:ext uri="{FF2B5EF4-FFF2-40B4-BE49-F238E27FC236}">
-                <a16:creationId xmlns:a16="http://schemas.microsoft.com/office/drawing/2014/main" id="{E34A8244-FFEF-48C9-A738-4413EE29F1F2}"/>
+                <a16:creationId xmlns:a16="http://schemas.microsoft.com/office/drawing/2014/main" id="{DD4A5764-BC89-49BD-A78E-E368A9F911A2}"/>
               </a:ext>
             </a:extLst>
           </p:cNvPr>
@@ -17852,7 +17788,7 @@
         </p:nvSpPr>
         <p:spPr>
           <a:xfrm>
-            <a:off x="1981200" y="1071563"/>
+            <a:off x="457200" y="1071563"/>
             <a:ext cx="8186738" cy="5357812"/>
           </a:xfrm>
         </p:spPr>
@@ -17890,7 +17826,7 @@
           <p:cNvPr id="27651" name="Picture 2" descr="http://news.xd56b.com/xdwlb/20111101/WL1101-1_11.jpg">
             <a:extLst>
               <a:ext uri="{FF2B5EF4-FFF2-40B4-BE49-F238E27FC236}">
-                <a16:creationId xmlns:a16="http://schemas.microsoft.com/office/drawing/2014/main" id="{44460C09-4328-4168-9754-318B0B3CECF0}"/>
+                <a16:creationId xmlns:a16="http://schemas.microsoft.com/office/drawing/2014/main" id="{B0BF92CD-05E0-4CB7-8D30-E9155BF408B2}"/>
               </a:ext>
             </a:extLst>
           </p:cNvPr>
@@ -17914,7 +17850,7 @@
         </p:blipFill>
         <p:spPr bwMode="auto">
           <a:xfrm>
-            <a:off x="3095625" y="1752601"/>
+            <a:off x="1571625" y="1752600"/>
             <a:ext cx="5976938" cy="4676775"/>
           </a:xfrm>
           <a:prstGeom prst="rect">
@@ -18107,7 +18043,7 @@
           <p:cNvPr id="31746" name="内容占位符 1">
             <a:extLst>
               <a:ext uri="{FF2B5EF4-FFF2-40B4-BE49-F238E27FC236}">
-                <a16:creationId xmlns:a16="http://schemas.microsoft.com/office/drawing/2014/main" id="{56C99D3D-DEB4-400B-9FE2-C802BFC230D8}"/>
+                <a16:creationId xmlns:a16="http://schemas.microsoft.com/office/drawing/2014/main" id="{4011A53E-1CE5-4D38-BB97-3C93F84C5D16}"/>
               </a:ext>
             </a:extLst>
           </p:cNvPr>
@@ -18120,7 +18056,7 @@
         </p:nvSpPr>
         <p:spPr>
           <a:xfrm>
-            <a:off x="1981200" y="1071563"/>
+            <a:off x="457200" y="1071563"/>
             <a:ext cx="8186738" cy="5357812"/>
           </a:xfrm>
         </p:spPr>
@@ -18247,7 +18183,7 @@
           <p:cNvPr id="31747" name="AutoShape 2" descr="http://t2.baidu.com/it/u=692647987,934151325&amp;fm=52&amp;gp=0.jpg">
             <a:extLst>
               <a:ext uri="{FF2B5EF4-FFF2-40B4-BE49-F238E27FC236}">
-                <a16:creationId xmlns:a16="http://schemas.microsoft.com/office/drawing/2014/main" id="{AC5EDDAC-0BCF-4853-9EFD-A348F0E3DFF8}"/>
+                <a16:creationId xmlns:a16="http://schemas.microsoft.com/office/drawing/2014/main" id="{AB219AF1-0F2E-433C-A180-61D144ACEE7B}"/>
               </a:ext>
             </a:extLst>
           </p:cNvPr>
@@ -18258,7 +18194,7 @@
         </p:nvSpPr>
         <p:spPr bwMode="auto">
           <a:xfrm>
-            <a:off x="1679575" y="-144463"/>
+            <a:off x="155575" y="-144463"/>
             <a:ext cx="304800" cy="304801"/>
           </a:xfrm>
           <a:prstGeom prst="rect">
@@ -18449,7 +18385,7 @@
           <p:cNvPr id="129027" name="Picture 3">
             <a:extLst>
               <a:ext uri="{FF2B5EF4-FFF2-40B4-BE49-F238E27FC236}">
-                <a16:creationId xmlns:a16="http://schemas.microsoft.com/office/drawing/2014/main" id="{8A97288E-AC1D-4F4A-8A4C-73BC3EF13B1D}"/>
+                <a16:creationId xmlns:a16="http://schemas.microsoft.com/office/drawing/2014/main" id="{5605B1A2-FFAC-4A6A-B76F-50E253D83675}"/>
               </a:ext>
             </a:extLst>
           </p:cNvPr>
@@ -18467,7 +18403,7 @@
         </p:blipFill>
         <p:spPr bwMode="auto">
           <a:xfrm>
-            <a:off x="6596064" y="1735139"/>
+            <a:off x="5072063" y="1735138"/>
             <a:ext cx="3665537" cy="3133725"/>
           </a:xfrm>
           <a:prstGeom prst="rect">
@@ -18484,25 +18420,6 @@
               </a:srgbClr>
             </a:outerShdw>
           </a:effectLst>
-          <a:extLst>
-            <a:ext uri="{909E8E84-426E-40DD-AFC4-6F175D3DCCD1}">
-              <a14:hiddenFill xmlns:a14="http://schemas.microsoft.com/office/drawing/2010/main">
-                <a:solidFill>
-                  <a:srgbClr val="FFFFFF"/>
-                </a:solidFill>
-              </a14:hiddenFill>
-            </a:ext>
-            <a:ext uri="{91240B29-F687-4F45-9708-019B960494DF}">
-              <a14:hiddenLine xmlns:a14="http://schemas.microsoft.com/office/drawing/2010/main" w="9525">
-                <a:solidFill>
-                  <a:srgbClr val="000000"/>
-                </a:solidFill>
-                <a:miter lim="800000"/>
-                <a:headEnd/>
-                <a:tailEnd/>
-              </a14:hiddenLine>
-            </a:ext>
-          </a:extLst>
         </p:spPr>
       </p:pic>
       <p:pic>
@@ -18510,7 +18427,7 @@
           <p:cNvPr id="129028" name="Picture 4">
             <a:extLst>
               <a:ext uri="{FF2B5EF4-FFF2-40B4-BE49-F238E27FC236}">
-                <a16:creationId xmlns:a16="http://schemas.microsoft.com/office/drawing/2014/main" id="{25ABAD0B-037D-44A3-A7FB-5810361C67B7}"/>
+                <a16:creationId xmlns:a16="http://schemas.microsoft.com/office/drawing/2014/main" id="{2F2D2774-CC0F-4E01-988A-B906B4813FA7}"/>
               </a:ext>
             </a:extLst>
           </p:cNvPr>
@@ -18528,7 +18445,7 @@
         </p:blipFill>
         <p:spPr bwMode="auto">
           <a:xfrm>
-            <a:off x="6596063" y="4286250"/>
+            <a:off x="5072063" y="4286250"/>
             <a:ext cx="3459162" cy="2286000"/>
           </a:xfrm>
           <a:prstGeom prst="rect">
@@ -18545,25 +18462,6 @@
               </a:srgbClr>
             </a:outerShdw>
           </a:effectLst>
-          <a:extLst>
-            <a:ext uri="{909E8E84-426E-40DD-AFC4-6F175D3DCCD1}">
-              <a14:hiddenFill xmlns:a14="http://schemas.microsoft.com/office/drawing/2010/main">
-                <a:solidFill>
-                  <a:srgbClr val="FFFFFF"/>
-                </a:solidFill>
-              </a14:hiddenFill>
-            </a:ext>
-            <a:ext uri="{91240B29-F687-4F45-9708-019B960494DF}">
-              <a14:hiddenLine xmlns:a14="http://schemas.microsoft.com/office/drawing/2010/main" w="9525">
-                <a:solidFill>
-                  <a:srgbClr val="000000"/>
-                </a:solidFill>
-                <a:miter lim="800000"/>
-                <a:headEnd/>
-                <a:tailEnd/>
-              </a14:hiddenLine>
-            </a:ext>
-          </a:extLst>
         </p:spPr>
       </p:pic>
       <p:pic>
@@ -18571,7 +18469,7 @@
           <p:cNvPr id="129029" name="Picture 5">
             <a:extLst>
               <a:ext uri="{FF2B5EF4-FFF2-40B4-BE49-F238E27FC236}">
-                <a16:creationId xmlns:a16="http://schemas.microsoft.com/office/drawing/2014/main" id="{62F051D7-E719-49F4-A540-D3C6F3BB6381}"/>
+                <a16:creationId xmlns:a16="http://schemas.microsoft.com/office/drawing/2014/main" id="{80259BCB-9011-4FED-97CA-100985732F40}"/>
               </a:ext>
             </a:extLst>
           </p:cNvPr>
@@ -18589,7 +18487,7 @@
         </p:blipFill>
         <p:spPr bwMode="auto">
           <a:xfrm>
-            <a:off x="3024189" y="3357563"/>
+            <a:off x="1500188" y="3357563"/>
             <a:ext cx="3652837" cy="2608262"/>
           </a:xfrm>
           <a:prstGeom prst="rect">
@@ -18606,25 +18504,6 @@
               </a:srgbClr>
             </a:outerShdw>
           </a:effectLst>
-          <a:extLst>
-            <a:ext uri="{909E8E84-426E-40DD-AFC4-6F175D3DCCD1}">
-              <a14:hiddenFill xmlns:a14="http://schemas.microsoft.com/office/drawing/2010/main">
-                <a:solidFill>
-                  <a:srgbClr val="FFFFFF"/>
-                </a:solidFill>
-              </a14:hiddenFill>
-            </a:ext>
-            <a:ext uri="{91240B29-F687-4F45-9708-019B960494DF}">
-              <a14:hiddenLine xmlns:a14="http://schemas.microsoft.com/office/drawing/2010/main" w="9525">
-                <a:solidFill>
-                  <a:srgbClr val="000000"/>
-                </a:solidFill>
-                <a:miter lim="800000"/>
-                <a:headEnd/>
-                <a:tailEnd/>
-              </a14:hiddenLine>
-            </a:ext>
-          </a:extLst>
         </p:spPr>
       </p:pic>
     </p:spTree>
@@ -18969,7 +18848,7 @@
           <p:cNvPr id="32770" name="内容占位符 5">
             <a:extLst>
               <a:ext uri="{FF2B5EF4-FFF2-40B4-BE49-F238E27FC236}">
-                <a16:creationId xmlns:a16="http://schemas.microsoft.com/office/drawing/2014/main" id="{D15590AB-E0EA-49B8-AE06-BE9F6F3687FC}"/>
+                <a16:creationId xmlns:a16="http://schemas.microsoft.com/office/drawing/2014/main" id="{FC63FAC3-C5F5-47C0-A5DD-2E66A2AD7332}"/>
               </a:ext>
             </a:extLst>
           </p:cNvPr>
@@ -18982,7 +18861,7 @@
         </p:nvSpPr>
         <p:spPr>
           <a:xfrm>
-            <a:off x="1981200" y="1071563"/>
+            <a:off x="457200" y="1071563"/>
             <a:ext cx="8186738" cy="5357812"/>
           </a:xfrm>
         </p:spPr>
@@ -19025,7 +18904,7 @@
           <p:cNvPr id="32771" name="页脚占位符 2">
             <a:extLst>
               <a:ext uri="{FF2B5EF4-FFF2-40B4-BE49-F238E27FC236}">
-                <a16:creationId xmlns:a16="http://schemas.microsoft.com/office/drawing/2014/main" id="{039DA3A6-A16E-489C-980C-CEBBE81D0AC2}"/>
+                <a16:creationId xmlns:a16="http://schemas.microsoft.com/office/drawing/2014/main" id="{39C05377-B881-4F60-983D-118005D4ADAE}"/>
               </a:ext>
             </a:extLst>
           </p:cNvPr>
@@ -19038,7 +18917,7 @@
         </p:nvSpPr>
         <p:spPr bwMode="auto">
           <a:xfrm>
-            <a:off x="1524000" y="6356351"/>
+            <a:off x="0" y="6356350"/>
             <a:ext cx="2895600" cy="365125"/>
           </a:xfrm>
           <a:noFill/>
@@ -19228,7 +19107,7 @@
           <p:cNvPr id="32772" name="灯片编号占位符 3">
             <a:extLst>
               <a:ext uri="{FF2B5EF4-FFF2-40B4-BE49-F238E27FC236}">
-                <a16:creationId xmlns:a16="http://schemas.microsoft.com/office/drawing/2014/main" id="{DD92E21B-A92F-4784-A941-2B52B817A1EA}"/>
+                <a16:creationId xmlns:a16="http://schemas.microsoft.com/office/drawing/2014/main" id="{D99226A0-4F19-42AD-A50F-A87A562CE9D9}"/>
               </a:ext>
             </a:extLst>
           </p:cNvPr>
@@ -19241,7 +19120,7 @@
         </p:nvSpPr>
         <p:spPr bwMode="auto">
           <a:xfrm>
-            <a:off x="8534400" y="6356351"/>
+            <a:off x="7010400" y="6356350"/>
             <a:ext cx="2133600" cy="365125"/>
           </a:xfrm>
           <a:noFill/>
@@ -19415,8 +19294,8 @@
               <a:buFontTx/>
               <a:buNone/>
             </a:pPr>
-            <a:fld id="{FDA92DA3-E5A0-45C4-B2D8-3305DBE871E3}" type="slidenum">
-              <a:rPr kumimoji="0" lang="en-US" altLang="zh-CN" sz="1200">
+            <a:fld id="{4B2D76B3-DAAB-419A-9E50-77E09C2A80E0}" type="slidenum">
+              <a:rPr kumimoji="0" lang="en-US" altLang="zh-CN" sz="1200" smtClean="0">
                 <a:solidFill>
                   <a:srgbClr val="898989"/>
                 </a:solidFill>
@@ -19443,7 +19322,7 @@
           <p:cNvPr id="29701" name="TextBox 4">
             <a:extLst>
               <a:ext uri="{FF2B5EF4-FFF2-40B4-BE49-F238E27FC236}">
-                <a16:creationId xmlns:a16="http://schemas.microsoft.com/office/drawing/2014/main" id="{8485A1F0-8849-46AE-B39F-D7192BFA48AB}"/>
+                <a16:creationId xmlns:a16="http://schemas.microsoft.com/office/drawing/2014/main" id="{A552483E-1BD8-4A53-99A4-E71DD22E8FC3}"/>
               </a:ext>
             </a:extLst>
           </p:cNvPr>
@@ -19454,7 +19333,7 @@
         </p:nvSpPr>
         <p:spPr bwMode="auto">
           <a:xfrm>
-            <a:off x="2381250" y="2000251"/>
+            <a:off x="857250" y="2000250"/>
             <a:ext cx="7143750" cy="708025"/>
           </a:xfrm>
           <a:prstGeom prst="rect">
@@ -19674,7 +19553,7 @@
           <p:cNvPr id="32774" name="AutoShape 7" descr="http://t1.baidu.com/it/u=1636131309,422580696&amp;fm=52&amp;gp=0.jpg">
             <a:extLst>
               <a:ext uri="{FF2B5EF4-FFF2-40B4-BE49-F238E27FC236}">
-                <a16:creationId xmlns:a16="http://schemas.microsoft.com/office/drawing/2014/main" id="{A6103DA2-02DE-4F22-8281-654D23C45862}"/>
+                <a16:creationId xmlns:a16="http://schemas.microsoft.com/office/drawing/2014/main" id="{10E3062A-6EA2-46AE-BD33-9551B79A258C}"/>
               </a:ext>
             </a:extLst>
           </p:cNvPr>
@@ -19685,7 +19564,7 @@
         </p:nvSpPr>
         <p:spPr bwMode="auto">
           <a:xfrm>
-            <a:off x="1679575" y="-144463"/>
+            <a:off x="155575" y="-144463"/>
             <a:ext cx="304800" cy="304801"/>
           </a:xfrm>
           <a:prstGeom prst="rect">
@@ -19876,7 +19755,7 @@
           <p:cNvPr id="48136" name="Picture 8">
             <a:extLst>
               <a:ext uri="{FF2B5EF4-FFF2-40B4-BE49-F238E27FC236}">
-                <a16:creationId xmlns:a16="http://schemas.microsoft.com/office/drawing/2014/main" id="{6D9A510A-9FF7-402C-9782-ED15DB41F538}"/>
+                <a16:creationId xmlns:a16="http://schemas.microsoft.com/office/drawing/2014/main" id="{B45B4B3A-C42F-43B4-8E1E-B3BBCEC0A9C8}"/>
               </a:ext>
             </a:extLst>
           </p:cNvPr>
@@ -19900,7 +19779,7 @@
         </p:blipFill>
         <p:spPr bwMode="auto">
           <a:xfrm>
-            <a:off x="3095625" y="2928939"/>
+            <a:off x="1571625" y="2928938"/>
             <a:ext cx="5715000" cy="3309937"/>
           </a:xfrm>
           <a:prstGeom prst="rect">
@@ -20197,7 +20076,7 @@
           <p:cNvPr id="34818" name="内容占位符 1">
             <a:extLst>
               <a:ext uri="{FF2B5EF4-FFF2-40B4-BE49-F238E27FC236}">
-                <a16:creationId xmlns:a16="http://schemas.microsoft.com/office/drawing/2014/main" id="{5A355591-3F75-4F0F-BE79-DB72D7DFCA4F}"/>
+                <a16:creationId xmlns:a16="http://schemas.microsoft.com/office/drawing/2014/main" id="{16FCEF03-1B3F-404D-BA8C-1DD750DE20AB}"/>
               </a:ext>
             </a:extLst>
           </p:cNvPr>
@@ -20210,7 +20089,7 @@
         </p:nvSpPr>
         <p:spPr>
           <a:xfrm>
-            <a:off x="1981200" y="1071563"/>
+            <a:off x="457200" y="1071563"/>
             <a:ext cx="8186738" cy="5357812"/>
           </a:xfrm>
         </p:spPr>
@@ -20337,7 +20216,7 @@
           <p:cNvPr id="11266" name="内容占位符 6">
             <a:extLst>
               <a:ext uri="{FF2B5EF4-FFF2-40B4-BE49-F238E27FC236}">
-                <a16:creationId xmlns:a16="http://schemas.microsoft.com/office/drawing/2014/main" id="{0845D297-E594-4E4A-9B44-337B6A263E6A}"/>
+                <a16:creationId xmlns:a16="http://schemas.microsoft.com/office/drawing/2014/main" id="{408C272E-FE09-4FB7-9392-50E63236EA91}"/>
               </a:ext>
             </a:extLst>
           </p:cNvPr>
@@ -20350,7 +20229,7 @@
         </p:nvSpPr>
         <p:spPr>
           <a:xfrm>
-            <a:off x="1981200" y="1071563"/>
+            <a:off x="457200" y="1071563"/>
             <a:ext cx="8186738" cy="5357812"/>
           </a:xfrm>
         </p:spPr>
@@ -20385,6 +20264,7 @@
           </a:p>
           <a:p>
             <a:pPr lvl="1">
+              <a:buFontTx/>
               <a:buBlip>
                 <a:blip r:embed="rId4"/>
               </a:buBlip>
@@ -20395,7 +20275,7 @@
             </a:r>
             <a:r>
               <a:rPr kumimoji="0" lang="en-US" altLang="zh-CN" dirty="0"/>
-              <a:t>395928533@qq.com</a:t>
+              <a:t>wuyongliang@edu2act.org</a:t>
             </a:r>
           </a:p>
           <a:p>
@@ -20406,42 +20286,32 @@
               </a:buBlip>
             </a:pPr>
             <a:r>
+              <a:rPr kumimoji="0" lang="en-US" altLang="zh-CN" dirty="0"/>
+              <a:t>QQ</a:t>
+            </a:r>
+            <a:r>
               <a:rPr kumimoji="0" lang="zh-CN" altLang="en-US" dirty="0"/>
-              <a:t>电话：</a:t>
+              <a:t>：</a:t>
             </a:r>
             <a:r>
               <a:rPr kumimoji="0" lang="en-US" altLang="zh-CN" dirty="0"/>
-              <a:t>80786208</a:t>
+              <a:t>395928533</a:t>
             </a:r>
           </a:p>
           <a:p>
             <a:pPr lvl="1">
-              <a:buFontTx/>
               <a:buBlip>
                 <a:blip r:embed="rId4"/>
               </a:buBlip>
             </a:pPr>
             <a:r>
+              <a:rPr kumimoji="0" lang="zh-CN" altLang="en-US" dirty="0"/>
+              <a:t>钉钉直播群号：</a:t>
+            </a:r>
+            <a:r>
               <a:rPr kumimoji="0" lang="en-US" altLang="zh-CN" dirty="0"/>
-              <a:t>QQ</a:t>
-            </a:r>
-            <a:r>
-              <a:rPr kumimoji="0" lang="zh-CN" altLang="en-US" dirty="0"/>
-              <a:t>：</a:t>
-            </a:r>
-            <a:r>
-              <a:rPr kumimoji="0" lang="en-US" altLang="zh-CN" dirty="0"/>
-              <a:t>395928533</a:t>
-            </a:r>
-          </a:p>
-          <a:p>
-            <a:pPr lvl="1">
-              <a:buFontTx/>
-              <a:buBlip>
-                <a:blip r:embed="rId4"/>
-              </a:buBlip>
-            </a:pPr>
-            <a:endParaRPr kumimoji="0" lang="zh-CN" altLang="en-US" dirty="0"/>
+              <a:t>30105998</a:t>
+            </a:r>
           </a:p>
         </p:txBody>
       </p:sp>
@@ -20475,7 +20345,7 @@
           <p:cNvPr id="35842" name="内容占位符 1">
             <a:extLst>
               <a:ext uri="{FF2B5EF4-FFF2-40B4-BE49-F238E27FC236}">
-                <a16:creationId xmlns:a16="http://schemas.microsoft.com/office/drawing/2014/main" id="{CC66FC42-5081-4A32-85B8-C5D1A76DE0F2}"/>
+                <a16:creationId xmlns:a16="http://schemas.microsoft.com/office/drawing/2014/main" id="{38DA6526-11C5-4F3C-B255-F70E4AA9FA49}"/>
               </a:ext>
             </a:extLst>
           </p:cNvPr>
@@ -20488,7 +20358,7 @@
         </p:nvSpPr>
         <p:spPr>
           <a:xfrm>
-            <a:off x="1981200" y="1071563"/>
+            <a:off x="457200" y="1071563"/>
             <a:ext cx="8186738" cy="5357812"/>
           </a:xfrm>
         </p:spPr>
@@ -20524,7 +20394,7 @@
           <p:cNvPr id="41986" name="矩形 3">
             <a:extLst>
               <a:ext uri="{FF2B5EF4-FFF2-40B4-BE49-F238E27FC236}">
-                <a16:creationId xmlns:a16="http://schemas.microsoft.com/office/drawing/2014/main" id="{0D3E3C9F-A590-4CD2-ACD2-FE1070BC6D89}"/>
+                <a16:creationId xmlns:a16="http://schemas.microsoft.com/office/drawing/2014/main" id="{D9E64B89-637C-4425-9021-890804A2C2A6}"/>
               </a:ext>
             </a:extLst>
           </p:cNvPr>
@@ -20535,7 +20405,7 @@
         </p:nvSpPr>
         <p:spPr bwMode="auto">
           <a:xfrm>
-            <a:off x="2413000" y="2619375"/>
+            <a:off x="889000" y="2619375"/>
             <a:ext cx="7786688" cy="1385888"/>
           </a:xfrm>
           <a:prstGeom prst="rect">
@@ -20928,7 +20798,7 @@
           <p:cNvPr id="36866" name="内容占位符 1">
             <a:extLst>
               <a:ext uri="{FF2B5EF4-FFF2-40B4-BE49-F238E27FC236}">
-                <a16:creationId xmlns:a16="http://schemas.microsoft.com/office/drawing/2014/main" id="{65B87728-82BD-464F-BE0C-147DD81E8F43}"/>
+                <a16:creationId xmlns:a16="http://schemas.microsoft.com/office/drawing/2014/main" id="{27F7D753-49A7-41C0-9F60-9FF0C5211230}"/>
               </a:ext>
             </a:extLst>
           </p:cNvPr>
@@ -20941,7 +20811,7 @@
         </p:nvSpPr>
         <p:spPr>
           <a:xfrm>
-            <a:off x="1981200" y="1071563"/>
+            <a:off x="457200" y="1071563"/>
             <a:ext cx="8186738" cy="5357812"/>
           </a:xfrm>
         </p:spPr>
@@ -20967,7 +20837,7 @@
           <p:cNvPr id="3" name="圆角矩形 2">
             <a:extLst>
               <a:ext uri="{FF2B5EF4-FFF2-40B4-BE49-F238E27FC236}">
-                <a16:creationId xmlns:a16="http://schemas.microsoft.com/office/drawing/2014/main" id="{35B0B53E-6274-43C9-825A-4A32EBDA1C3A}"/>
+                <a16:creationId xmlns:a16="http://schemas.microsoft.com/office/drawing/2014/main" id="{2A9E9B68-87FE-4044-80BE-E84100E5BCDE}"/>
               </a:ext>
             </a:extLst>
           </p:cNvPr>
@@ -20976,7 +20846,7 @@
         </p:nvSpPr>
         <p:spPr>
           <a:xfrm>
-            <a:off x="2639616" y="2708920"/>
+            <a:off x="1115616" y="2708920"/>
             <a:ext cx="1656184" cy="2304256"/>
           </a:xfrm>
           <a:prstGeom prst="roundRect">
@@ -21133,7 +21003,7 @@
           <p:cNvPr id="12" name="组 11">
             <a:extLst>
               <a:ext uri="{FF2B5EF4-FFF2-40B4-BE49-F238E27FC236}">
-                <a16:creationId xmlns:a16="http://schemas.microsoft.com/office/drawing/2014/main" id="{9136085C-9535-4599-A74F-3598C9B3A18D}"/>
+                <a16:creationId xmlns:a16="http://schemas.microsoft.com/office/drawing/2014/main" id="{8F5974E5-59CB-4AAC-9CB2-C39560FAF8E3}"/>
               </a:ext>
             </a:extLst>
           </p:cNvPr>
@@ -21144,7 +21014,7 @@
         </p:nvGrpSpPr>
         <p:grpSpPr bwMode="auto">
           <a:xfrm>
-            <a:off x="4800601" y="2133601"/>
+            <a:off x="3276600" y="2133600"/>
             <a:ext cx="4175125" cy="1660525"/>
             <a:chOff x="3275856" y="2132856"/>
             <a:chExt cx="4176464" cy="1661555"/>
@@ -21155,7 +21025,7 @@
             <p:cNvPr id="4" name="圆角矩形 3">
               <a:extLst>
                 <a:ext uri="{FF2B5EF4-FFF2-40B4-BE49-F238E27FC236}">
-                  <a16:creationId xmlns:a16="http://schemas.microsoft.com/office/drawing/2014/main" id="{E2B53026-2FC3-4DF5-A4B2-5F4884A6926E}"/>
+                  <a16:creationId xmlns:a16="http://schemas.microsoft.com/office/drawing/2014/main" id="{4E6A867B-8009-4160-9F6A-C8668DC8923C}"/>
                 </a:ext>
               </a:extLst>
             </p:cNvPr>
@@ -21321,7 +21191,7 @@
             <p:cNvPr id="8" name="燕尾形箭头 7">
               <a:extLst>
                 <a:ext uri="{FF2B5EF4-FFF2-40B4-BE49-F238E27FC236}">
-                  <a16:creationId xmlns:a16="http://schemas.microsoft.com/office/drawing/2014/main" id="{738BACBD-F55F-41B7-B765-DCFBA905E736}"/>
+                  <a16:creationId xmlns:a16="http://schemas.microsoft.com/office/drawing/2014/main" id="{2DF77586-20F0-4F7D-A9B9-3A468E35A557}"/>
                 </a:ext>
               </a:extLst>
             </p:cNvPr>
@@ -21488,7 +21358,7 @@
           <p:cNvPr id="13" name="组 12">
             <a:extLst>
               <a:ext uri="{FF2B5EF4-FFF2-40B4-BE49-F238E27FC236}">
-                <a16:creationId xmlns:a16="http://schemas.microsoft.com/office/drawing/2014/main" id="{4992F6BB-9B0A-424A-8E35-C3509855488F}"/>
+                <a16:creationId xmlns:a16="http://schemas.microsoft.com/office/drawing/2014/main" id="{C4C41CE4-4ACD-45BD-A8C2-FA6A7D6DD79C}"/>
               </a:ext>
             </a:extLst>
           </p:cNvPr>
@@ -21499,7 +21369,7 @@
         </p:nvGrpSpPr>
         <p:grpSpPr bwMode="auto">
           <a:xfrm>
-            <a:off x="4953000" y="2708275"/>
+            <a:off x="3429000" y="2708275"/>
             <a:ext cx="4383088" cy="1409700"/>
             <a:chOff x="3428256" y="2708920"/>
             <a:chExt cx="4384104" cy="1409666"/>
@@ -21510,7 +21380,7 @@
             <p:cNvPr id="5" name="圆角矩形 4">
               <a:extLst>
                 <a:ext uri="{FF2B5EF4-FFF2-40B4-BE49-F238E27FC236}">
-                  <a16:creationId xmlns:a16="http://schemas.microsoft.com/office/drawing/2014/main" id="{53FBF47F-A364-4A5D-92FF-AE3A95511BF6}"/>
+                  <a16:creationId xmlns:a16="http://schemas.microsoft.com/office/drawing/2014/main" id="{BAA82C01-11AD-4DD6-AB7F-DD73BC8CDB05}"/>
                 </a:ext>
               </a:extLst>
             </p:cNvPr>
@@ -21676,7 +21546,7 @@
             <p:cNvPr id="9" name="燕尾形箭头 8">
               <a:extLst>
                 <a:ext uri="{FF2B5EF4-FFF2-40B4-BE49-F238E27FC236}">
-                  <a16:creationId xmlns:a16="http://schemas.microsoft.com/office/drawing/2014/main" id="{DA52BE45-D339-480F-8C1E-FEF803AC940F}"/>
+                  <a16:creationId xmlns:a16="http://schemas.microsoft.com/office/drawing/2014/main" id="{13B8116B-FAED-45BF-8528-E146D4A8D62D}"/>
                 </a:ext>
               </a:extLst>
             </p:cNvPr>
@@ -21843,7 +21713,7 @@
           <p:cNvPr id="14" name="组 13">
             <a:extLst>
               <a:ext uri="{FF2B5EF4-FFF2-40B4-BE49-F238E27FC236}">
-                <a16:creationId xmlns:a16="http://schemas.microsoft.com/office/drawing/2014/main" id="{B17D73B2-1046-4A2B-8F04-4460CA193D2E}"/>
+                <a16:creationId xmlns:a16="http://schemas.microsoft.com/office/drawing/2014/main" id="{0E6B00A8-8252-4F73-B045-CBAD46E4990B}"/>
               </a:ext>
             </a:extLst>
           </p:cNvPr>
@@ -21854,7 +21724,7 @@
         </p:nvGrpSpPr>
         <p:grpSpPr bwMode="auto">
           <a:xfrm>
-            <a:off x="4868864" y="3573463"/>
+            <a:off x="3344863" y="3573463"/>
             <a:ext cx="4467225" cy="1295400"/>
             <a:chOff x="3345421" y="3573016"/>
             <a:chExt cx="4466939" cy="1296144"/>
@@ -21865,7 +21735,7 @@
             <p:cNvPr id="6" name="圆角矩形 5">
               <a:extLst>
                 <a:ext uri="{FF2B5EF4-FFF2-40B4-BE49-F238E27FC236}">
-                  <a16:creationId xmlns:a16="http://schemas.microsoft.com/office/drawing/2014/main" id="{41FA1ACA-8565-4027-995C-96C188CD1A82}"/>
+                  <a16:creationId xmlns:a16="http://schemas.microsoft.com/office/drawing/2014/main" id="{D6DE2CCF-6169-4596-A938-EC87EBD60EA2}"/>
                 </a:ext>
               </a:extLst>
             </p:cNvPr>
@@ -22031,7 +21901,7 @@
             <p:cNvPr id="10" name="燕尾形箭头 9">
               <a:extLst>
                 <a:ext uri="{FF2B5EF4-FFF2-40B4-BE49-F238E27FC236}">
-                  <a16:creationId xmlns:a16="http://schemas.microsoft.com/office/drawing/2014/main" id="{5869AD45-75C9-4A40-B6FC-F6BCA6DF5F56}"/>
+                  <a16:creationId xmlns:a16="http://schemas.microsoft.com/office/drawing/2014/main" id="{DCE1CBC8-DA9C-48AE-B74C-261C2047CE8C}"/>
                 </a:ext>
               </a:extLst>
             </p:cNvPr>
@@ -22198,7 +22068,7 @@
           <p:cNvPr id="15" name="组 14">
             <a:extLst>
               <a:ext uri="{FF2B5EF4-FFF2-40B4-BE49-F238E27FC236}">
-                <a16:creationId xmlns:a16="http://schemas.microsoft.com/office/drawing/2014/main" id="{B6A5ACCD-5727-4EAD-A867-2CF623865DF7}"/>
+                <a16:creationId xmlns:a16="http://schemas.microsoft.com/office/drawing/2014/main" id="{DFCF5DE6-7F61-40CA-8D7D-D86F8B9E66E3}"/>
               </a:ext>
             </a:extLst>
           </p:cNvPr>
@@ -22209,7 +22079,7 @@
         </p:nvGrpSpPr>
         <p:grpSpPr bwMode="auto">
           <a:xfrm>
-            <a:off x="4729163" y="3979863"/>
+            <a:off x="3205163" y="3979863"/>
             <a:ext cx="4246562" cy="1752600"/>
             <a:chOff x="3204453" y="3980002"/>
             <a:chExt cx="4247867" cy="1753254"/>
@@ -22220,7 +22090,7 @@
             <p:cNvPr id="7" name="圆角矩形 6">
               <a:extLst>
                 <a:ext uri="{FF2B5EF4-FFF2-40B4-BE49-F238E27FC236}">
-                  <a16:creationId xmlns:a16="http://schemas.microsoft.com/office/drawing/2014/main" id="{9213E631-CAC1-4B5D-88A1-676B2852A9B9}"/>
+                  <a16:creationId xmlns:a16="http://schemas.microsoft.com/office/drawing/2014/main" id="{D700465E-218D-40C5-9470-DDED41D94122}"/>
                 </a:ext>
               </a:extLst>
             </p:cNvPr>
@@ -22386,7 +22256,7 @@
             <p:cNvPr id="11" name="燕尾形箭头 10">
               <a:extLst>
                 <a:ext uri="{FF2B5EF4-FFF2-40B4-BE49-F238E27FC236}">
-                  <a16:creationId xmlns:a16="http://schemas.microsoft.com/office/drawing/2014/main" id="{82935F5A-231D-4C10-9024-7A55B567D000}"/>
+                  <a16:creationId xmlns:a16="http://schemas.microsoft.com/office/drawing/2014/main" id="{58061937-73FC-45C2-A19B-AF029D767A5E}"/>
                 </a:ext>
               </a:extLst>
             </p:cNvPr>
@@ -22553,7 +22423,7 @@
           <p:cNvPr id="16" name="文本框 15">
             <a:extLst>
               <a:ext uri="{FF2B5EF4-FFF2-40B4-BE49-F238E27FC236}">
-                <a16:creationId xmlns:a16="http://schemas.microsoft.com/office/drawing/2014/main" id="{33E72DEE-7C85-49E3-BD98-415904CBF0FB}"/>
+                <a16:creationId xmlns:a16="http://schemas.microsoft.com/office/drawing/2014/main" id="{AC2E7E88-21DE-48C7-9BB0-254C4D6ADAD5}"/>
               </a:ext>
             </a:extLst>
           </p:cNvPr>
@@ -22564,7 +22434,7 @@
         </p:nvSpPr>
         <p:spPr bwMode="auto">
           <a:xfrm>
-            <a:off x="7248525" y="1700213"/>
+            <a:off x="5724525" y="1700213"/>
             <a:ext cx="2160588" cy="3770312"/>
           </a:xfrm>
           <a:prstGeom prst="rect">
@@ -23388,7 +23258,7 @@
           <p:cNvPr id="32770" name="内容占位符 1">
             <a:extLst>
               <a:ext uri="{FF2B5EF4-FFF2-40B4-BE49-F238E27FC236}">
-                <a16:creationId xmlns:a16="http://schemas.microsoft.com/office/drawing/2014/main" id="{06242697-246D-46CF-8846-B5EC00AB9D6B}"/>
+                <a16:creationId xmlns:a16="http://schemas.microsoft.com/office/drawing/2014/main" id="{19AE6514-CD48-4CA2-9568-5F6045A3691B}"/>
               </a:ext>
             </a:extLst>
           </p:cNvPr>
@@ -23401,7 +23271,7 @@
         </p:nvSpPr>
         <p:spPr>
           <a:xfrm>
-            <a:off x="1981200" y="1071563"/>
+            <a:off x="457200" y="1071563"/>
             <a:ext cx="8186738" cy="5357812"/>
           </a:xfrm>
         </p:spPr>
@@ -23457,7 +23327,7 @@
           <p:cNvPr id="37891" name="AutoShape 2" descr="http://t2.baidu.com/it/u=2685139382,4063355313&amp;fm=23&amp;gp=0.jpg">
             <a:extLst>
               <a:ext uri="{FF2B5EF4-FFF2-40B4-BE49-F238E27FC236}">
-                <a16:creationId xmlns:a16="http://schemas.microsoft.com/office/drawing/2014/main" id="{A796F8CA-0D59-4914-AD7F-6AFABF2DB53F}"/>
+                <a16:creationId xmlns:a16="http://schemas.microsoft.com/office/drawing/2014/main" id="{2B8B55D7-1C0A-4246-8927-4F78FA8BAE6A}"/>
               </a:ext>
             </a:extLst>
           </p:cNvPr>
@@ -23468,7 +23338,7 @@
         </p:nvSpPr>
         <p:spPr bwMode="auto">
           <a:xfrm>
-            <a:off x="1679575" y="-144463"/>
+            <a:off x="155575" y="-144463"/>
             <a:ext cx="304800" cy="304801"/>
           </a:xfrm>
           <a:prstGeom prst="rect">
@@ -23659,7 +23529,7 @@
           <p:cNvPr id="6" name="圆角矩形 5">
             <a:extLst>
               <a:ext uri="{FF2B5EF4-FFF2-40B4-BE49-F238E27FC236}">
-                <a16:creationId xmlns:a16="http://schemas.microsoft.com/office/drawing/2014/main" id="{6D839371-F294-40A7-8FCC-24B20C0F4923}"/>
+                <a16:creationId xmlns:a16="http://schemas.microsoft.com/office/drawing/2014/main" id="{6CCA8BE8-9052-445D-B527-56447AD95427}"/>
               </a:ext>
             </a:extLst>
           </p:cNvPr>
@@ -23668,7 +23538,7 @@
         </p:nvSpPr>
         <p:spPr>
           <a:xfrm>
-            <a:off x="2495600" y="2924944"/>
+            <a:off x="971600" y="2924944"/>
             <a:ext cx="1800200" cy="2304256"/>
           </a:xfrm>
           <a:prstGeom prst="roundRect">
@@ -23825,7 +23695,7 @@
           <p:cNvPr id="9" name="燕尾形箭头 8">
             <a:extLst>
               <a:ext uri="{FF2B5EF4-FFF2-40B4-BE49-F238E27FC236}">
-                <a16:creationId xmlns:a16="http://schemas.microsoft.com/office/drawing/2014/main" id="{E7B98A6F-FEEA-4607-8098-9A451ADD9B60}"/>
+                <a16:creationId xmlns:a16="http://schemas.microsoft.com/office/drawing/2014/main" id="{3119CDC2-6FA1-44B9-9919-35F1DA0586C7}"/>
               </a:ext>
             </a:extLst>
           </p:cNvPr>
@@ -23834,7 +23704,7 @@
         </p:nvSpPr>
         <p:spPr>
           <a:xfrm rot="19353329">
-            <a:off x="4799856" y="3218347"/>
+            <a:off x="3275856" y="3218347"/>
             <a:ext cx="1944216" cy="792088"/>
           </a:xfrm>
           <a:prstGeom prst="notchedRightArrow">
@@ -23991,7 +23861,7 @@
           <p:cNvPr id="11" name="圆角矩形 10">
             <a:extLst>
               <a:ext uri="{FF2B5EF4-FFF2-40B4-BE49-F238E27FC236}">
-                <a16:creationId xmlns:a16="http://schemas.microsoft.com/office/drawing/2014/main" id="{1992C890-E5B8-45D5-A7AE-31BC1742E8BF}"/>
+                <a16:creationId xmlns:a16="http://schemas.microsoft.com/office/drawing/2014/main" id="{71C68118-6FDC-4E93-BDE3-192EBE4D4233}"/>
               </a:ext>
             </a:extLst>
           </p:cNvPr>
@@ -24000,7 +23870,7 @@
         </p:nvSpPr>
         <p:spPr>
           <a:xfrm>
-            <a:off x="7464152" y="2924944"/>
+            <a:off x="5940152" y="2924944"/>
             <a:ext cx="1800200" cy="2304256"/>
           </a:xfrm>
           <a:prstGeom prst="roundRect">
@@ -24157,7 +24027,7 @@
           <p:cNvPr id="12" name="燕尾形箭头 11">
             <a:extLst>
               <a:ext uri="{FF2B5EF4-FFF2-40B4-BE49-F238E27FC236}">
-                <a16:creationId xmlns:a16="http://schemas.microsoft.com/office/drawing/2014/main" id="{B54A4942-18C7-4A3E-89DA-83CC024FC10E}"/>
+                <a16:creationId xmlns:a16="http://schemas.microsoft.com/office/drawing/2014/main" id="{B58623FA-D39F-4684-806B-477E882F4140}"/>
               </a:ext>
             </a:extLst>
           </p:cNvPr>
@@ -24166,7 +24036,7 @@
         </p:nvSpPr>
         <p:spPr>
           <a:xfrm rot="20619415">
-            <a:off x="4952256" y="3542522"/>
+            <a:off x="3428256" y="3542522"/>
             <a:ext cx="1944216" cy="792088"/>
           </a:xfrm>
           <a:prstGeom prst="notchedRightArrow">
@@ -24323,7 +24193,7 @@
           <p:cNvPr id="15" name="燕尾形箭头 14">
             <a:extLst>
               <a:ext uri="{FF2B5EF4-FFF2-40B4-BE49-F238E27FC236}">
-                <a16:creationId xmlns:a16="http://schemas.microsoft.com/office/drawing/2014/main" id="{63881FA2-A1FE-4D4E-9859-4C93BEE5B52A}"/>
+                <a16:creationId xmlns:a16="http://schemas.microsoft.com/office/drawing/2014/main" id="{691BD726-5C18-4BE1-92CE-D6ED7D6CC49C}"/>
               </a:ext>
             </a:extLst>
           </p:cNvPr>
@@ -24332,7 +24202,7 @@
         </p:nvSpPr>
         <p:spPr>
           <a:xfrm rot="904883">
-            <a:off x="4869421" y="3812309"/>
+            <a:off x="3345421" y="3812309"/>
             <a:ext cx="1944216" cy="792088"/>
           </a:xfrm>
           <a:prstGeom prst="notchedRightArrow">
@@ -24489,7 +24359,7 @@
           <p:cNvPr id="18" name="燕尾形箭头 17">
             <a:extLst>
               <a:ext uri="{FF2B5EF4-FFF2-40B4-BE49-F238E27FC236}">
-                <a16:creationId xmlns:a16="http://schemas.microsoft.com/office/drawing/2014/main" id="{D67DF55C-A791-42DF-8BC7-8A42F3DA736E}"/>
+                <a16:creationId xmlns:a16="http://schemas.microsoft.com/office/drawing/2014/main" id="{12BD7796-AC02-474F-8918-D186265D228D}"/>
               </a:ext>
             </a:extLst>
           </p:cNvPr>
@@ -24498,7 +24368,7 @@
         </p:nvSpPr>
         <p:spPr>
           <a:xfrm rot="2000201">
-            <a:off x="4728453" y="4196026"/>
+            <a:off x="3204453" y="4196026"/>
             <a:ext cx="1944216" cy="792088"/>
           </a:xfrm>
           <a:prstGeom prst="notchedRightArrow">
@@ -25365,7 +25235,7 @@
           <p:cNvPr id="38914" name="内容占位符 1">
             <a:extLst>
               <a:ext uri="{FF2B5EF4-FFF2-40B4-BE49-F238E27FC236}">
-                <a16:creationId xmlns:a16="http://schemas.microsoft.com/office/drawing/2014/main" id="{ECF1692B-F717-49A2-9D67-2102063CE80F}"/>
+                <a16:creationId xmlns:a16="http://schemas.microsoft.com/office/drawing/2014/main" id="{085FBE09-AE7F-4EC5-91DF-7D7403009271}"/>
               </a:ext>
             </a:extLst>
           </p:cNvPr>
@@ -25378,7 +25248,7 @@
         </p:nvSpPr>
         <p:spPr>
           <a:xfrm>
-            <a:off x="1981200" y="1071563"/>
+            <a:off x="457200" y="1071563"/>
             <a:ext cx="8186738" cy="5357812"/>
           </a:xfrm>
         </p:spPr>
@@ -25416,7 +25286,7 @@
           <p:cNvPr id="38915" name="Picture 2">
             <a:extLst>
               <a:ext uri="{FF2B5EF4-FFF2-40B4-BE49-F238E27FC236}">
-                <a16:creationId xmlns:a16="http://schemas.microsoft.com/office/drawing/2014/main" id="{84EFEE2E-D65A-445D-81C0-2F58951AB861}"/>
+                <a16:creationId xmlns:a16="http://schemas.microsoft.com/office/drawing/2014/main" id="{59A24BB6-1F81-4857-917E-9DD681AF39FB}"/>
               </a:ext>
             </a:extLst>
           </p:cNvPr>
@@ -25440,7 +25310,7 @@
         </p:blipFill>
         <p:spPr bwMode="auto">
           <a:xfrm>
-            <a:off x="1774825" y="1989139"/>
+            <a:off x="250825" y="1989138"/>
             <a:ext cx="5238750" cy="4486275"/>
           </a:xfrm>
           <a:prstGeom prst="rect">
@@ -25476,7 +25346,7 @@
           <p:cNvPr id="31748" name="Picture 3">
             <a:extLst>
               <a:ext uri="{FF2B5EF4-FFF2-40B4-BE49-F238E27FC236}">
-                <a16:creationId xmlns:a16="http://schemas.microsoft.com/office/drawing/2014/main" id="{AC65B004-91E9-4861-8846-14B65D128976}"/>
+                <a16:creationId xmlns:a16="http://schemas.microsoft.com/office/drawing/2014/main" id="{25ADE41E-72EE-46AF-88D0-366426889449}"/>
               </a:ext>
             </a:extLst>
           </p:cNvPr>
@@ -25500,7 +25370,7 @@
         </p:blipFill>
         <p:spPr bwMode="auto">
           <a:xfrm>
-            <a:off x="6383339" y="2133600"/>
+            <a:off x="4859338" y="2133600"/>
             <a:ext cx="3946525" cy="935038"/>
           </a:xfrm>
           <a:prstGeom prst="rect">
@@ -25536,7 +25406,7 @@
           <p:cNvPr id="5" name="矩形 4">
             <a:extLst>
               <a:ext uri="{FF2B5EF4-FFF2-40B4-BE49-F238E27FC236}">
-                <a16:creationId xmlns:a16="http://schemas.microsoft.com/office/drawing/2014/main" id="{8D1566FA-6F22-4971-8137-2A85A0AB1BFC}"/>
+                <a16:creationId xmlns:a16="http://schemas.microsoft.com/office/drawing/2014/main" id="{E062F49D-409B-41B5-8F25-756AA9A1D9A9}"/>
               </a:ext>
             </a:extLst>
           </p:cNvPr>
@@ -25545,7 +25415,7 @@
         </p:nvSpPr>
         <p:spPr>
           <a:xfrm>
-            <a:off x="8183564" y="2255838"/>
+            <a:off x="6659563" y="2255838"/>
             <a:ext cx="720725" cy="360362"/>
           </a:xfrm>
           <a:prstGeom prst="rect">
@@ -25828,7 +25698,7 @@
           <p:cNvPr id="32770" name="内容占位符 1">
             <a:extLst>
               <a:ext uri="{FF2B5EF4-FFF2-40B4-BE49-F238E27FC236}">
-                <a16:creationId xmlns:a16="http://schemas.microsoft.com/office/drawing/2014/main" id="{D5740939-1655-4536-B240-FDCAEAF4AFE2}"/>
+                <a16:creationId xmlns:a16="http://schemas.microsoft.com/office/drawing/2014/main" id="{A39F5E16-B5BB-475D-803B-227B8290E8C3}"/>
               </a:ext>
             </a:extLst>
           </p:cNvPr>
@@ -25841,7 +25711,7 @@
         </p:nvSpPr>
         <p:spPr>
           <a:xfrm>
-            <a:off x="1981200" y="768351"/>
+            <a:off x="457200" y="768350"/>
             <a:ext cx="8186738" cy="5357813"/>
           </a:xfrm>
         </p:spPr>
@@ -25970,7 +25840,7 @@
           <p:cNvPr id="39939" name="AutoShape 2" descr="http://t2.baidu.com/it/u=2685139382,4063355313&amp;fm=23&amp;gp=0.jpg">
             <a:extLst>
               <a:ext uri="{FF2B5EF4-FFF2-40B4-BE49-F238E27FC236}">
-                <a16:creationId xmlns:a16="http://schemas.microsoft.com/office/drawing/2014/main" id="{4931180C-3FFF-4112-AC0D-7309B613C8F4}"/>
+                <a16:creationId xmlns:a16="http://schemas.microsoft.com/office/drawing/2014/main" id="{01B4FF44-C8C7-439B-98E5-4647ADC950CC}"/>
               </a:ext>
             </a:extLst>
           </p:cNvPr>
@@ -25981,7 +25851,7 @@
         </p:nvSpPr>
         <p:spPr bwMode="auto">
           <a:xfrm>
-            <a:off x="1679575" y="-144463"/>
+            <a:off x="155575" y="-144463"/>
             <a:ext cx="304800" cy="304801"/>
           </a:xfrm>
           <a:prstGeom prst="rect">
@@ -26172,7 +26042,7 @@
           <p:cNvPr id="3" name="图片 2">
             <a:extLst>
               <a:ext uri="{FF2B5EF4-FFF2-40B4-BE49-F238E27FC236}">
-                <a16:creationId xmlns:a16="http://schemas.microsoft.com/office/drawing/2014/main" id="{33BB3573-57B5-49FC-AE6F-2621AC9FC94F}"/>
+                <a16:creationId xmlns:a16="http://schemas.microsoft.com/office/drawing/2014/main" id="{698DEF2C-6675-47BB-A356-704FB14AF012}"/>
               </a:ext>
             </a:extLst>
           </p:cNvPr>
@@ -26196,7 +26066,7 @@
         </p:blipFill>
         <p:spPr bwMode="auto">
           <a:xfrm>
-            <a:off x="3792538" y="3933825"/>
+            <a:off x="2268538" y="3933825"/>
             <a:ext cx="4432300" cy="2438400"/>
           </a:xfrm>
           <a:prstGeom prst="rect">
@@ -26731,7 +26601,7 @@
           <p:cNvPr id="40962" name="内容占位符 1">
             <a:extLst>
               <a:ext uri="{FF2B5EF4-FFF2-40B4-BE49-F238E27FC236}">
-                <a16:creationId xmlns:a16="http://schemas.microsoft.com/office/drawing/2014/main" id="{23F3432B-CEF1-4483-BD41-1D5B7D0BBDB1}"/>
+                <a16:creationId xmlns:a16="http://schemas.microsoft.com/office/drawing/2014/main" id="{A0349D95-23EA-4149-BBAF-D9C0B883871A}"/>
               </a:ext>
             </a:extLst>
           </p:cNvPr>
@@ -26744,7 +26614,7 @@
         </p:nvSpPr>
         <p:spPr>
           <a:xfrm>
-            <a:off x="1981200" y="768351"/>
+            <a:off x="457200" y="768350"/>
             <a:ext cx="8186738" cy="5357813"/>
           </a:xfrm>
         </p:spPr>
@@ -26771,7 +26641,7 @@
           <p:cNvPr id="40963" name="AutoShape 2" descr="http://t2.baidu.com/it/u=2685139382,4063355313&amp;fm=23&amp;gp=0.jpg">
             <a:extLst>
               <a:ext uri="{FF2B5EF4-FFF2-40B4-BE49-F238E27FC236}">
-                <a16:creationId xmlns:a16="http://schemas.microsoft.com/office/drawing/2014/main" id="{602C45F1-772C-4D71-9C02-2240B70278E4}"/>
+                <a16:creationId xmlns:a16="http://schemas.microsoft.com/office/drawing/2014/main" id="{0FB8ECF2-2F1E-446F-A5CA-E2C31023D43B}"/>
               </a:ext>
             </a:extLst>
           </p:cNvPr>
@@ -26782,7 +26652,7 @@
         </p:nvSpPr>
         <p:spPr bwMode="auto">
           <a:xfrm>
-            <a:off x="1679575" y="-144463"/>
+            <a:off x="155575" y="-144463"/>
             <a:ext cx="304800" cy="304801"/>
           </a:xfrm>
           <a:prstGeom prst="rect">
@@ -26973,7 +26843,7 @@
           <p:cNvPr id="2" name="图片 1">
             <a:extLst>
               <a:ext uri="{FF2B5EF4-FFF2-40B4-BE49-F238E27FC236}">
-                <a16:creationId xmlns:a16="http://schemas.microsoft.com/office/drawing/2014/main" id="{CD342C2D-D4E8-4218-ADD9-C7655487FEE6}"/>
+                <a16:creationId xmlns:a16="http://schemas.microsoft.com/office/drawing/2014/main" id="{0DD24803-15E3-4F62-8211-B7D96240C8AD}"/>
               </a:ext>
             </a:extLst>
           </p:cNvPr>
@@ -26997,7 +26867,7 @@
         </p:blipFill>
         <p:spPr bwMode="auto">
           <a:xfrm>
-            <a:off x="2782888" y="2060575"/>
+            <a:off x="1258888" y="2060575"/>
             <a:ext cx="6515100" cy="3111500"/>
           </a:xfrm>
           <a:prstGeom prst="rect">
@@ -27187,7 +27057,7 @@
           <p:cNvPr id="41986" name="内容占位符 1">
             <a:extLst>
               <a:ext uri="{FF2B5EF4-FFF2-40B4-BE49-F238E27FC236}">
-                <a16:creationId xmlns:a16="http://schemas.microsoft.com/office/drawing/2014/main" id="{097A8768-5E86-48CC-A635-478AD90A30A4}"/>
+                <a16:creationId xmlns:a16="http://schemas.microsoft.com/office/drawing/2014/main" id="{F4E58BEF-3066-4E1E-B872-6553FCA4B390}"/>
               </a:ext>
             </a:extLst>
           </p:cNvPr>
@@ -27200,7 +27070,7 @@
         </p:nvSpPr>
         <p:spPr>
           <a:xfrm>
-            <a:off x="1981200" y="1071563"/>
+            <a:off x="457200" y="1071563"/>
             <a:ext cx="8186738" cy="5357812"/>
           </a:xfrm>
         </p:spPr>
@@ -27226,7 +27096,7 @@
           <p:cNvPr id="3" name="图片 2">
             <a:extLst>
               <a:ext uri="{FF2B5EF4-FFF2-40B4-BE49-F238E27FC236}">
-                <a16:creationId xmlns:a16="http://schemas.microsoft.com/office/drawing/2014/main" id="{9A0D3A50-13E3-454E-887A-DB531111E9C1}"/>
+                <a16:creationId xmlns:a16="http://schemas.microsoft.com/office/drawing/2014/main" id="{759CE502-AD05-4544-9635-C07117D92492}"/>
               </a:ext>
             </a:extLst>
           </p:cNvPr>
@@ -27250,7 +27120,7 @@
         </p:blipFill>
         <p:spPr bwMode="auto">
           <a:xfrm>
-            <a:off x="3640138" y="-26988"/>
+            <a:off x="2116138" y="-26988"/>
             <a:ext cx="7027862" cy="6858001"/>
           </a:xfrm>
           <a:prstGeom prst="rect">
@@ -27440,7 +27310,7 @@
           <p:cNvPr id="43010" name="内容占位符 1">
             <a:extLst>
               <a:ext uri="{FF2B5EF4-FFF2-40B4-BE49-F238E27FC236}">
-                <a16:creationId xmlns:a16="http://schemas.microsoft.com/office/drawing/2014/main" id="{72C3F5E6-5C38-4355-B1DA-394EADB26E10}"/>
+                <a16:creationId xmlns:a16="http://schemas.microsoft.com/office/drawing/2014/main" id="{972503B1-0A82-4765-973B-C50773271146}"/>
               </a:ext>
             </a:extLst>
           </p:cNvPr>
@@ -27453,7 +27323,7 @@
         </p:nvSpPr>
         <p:spPr>
           <a:xfrm>
-            <a:off x="1981200" y="1071563"/>
+            <a:off x="457200" y="1071563"/>
             <a:ext cx="8186738" cy="5357812"/>
           </a:xfrm>
         </p:spPr>
@@ -27479,7 +27349,7 @@
           <p:cNvPr id="35842" name="图片 2">
             <a:extLst>
               <a:ext uri="{FF2B5EF4-FFF2-40B4-BE49-F238E27FC236}">
-                <a16:creationId xmlns:a16="http://schemas.microsoft.com/office/drawing/2014/main" id="{813D48CC-5DEE-4CD0-B4C3-945B5E700B1F}"/>
+                <a16:creationId xmlns:a16="http://schemas.microsoft.com/office/drawing/2014/main" id="{FE885CAF-9B68-4B4A-9E2A-18DD670F3B7D}"/>
               </a:ext>
             </a:extLst>
           </p:cNvPr>
@@ -27503,7 +27373,7 @@
         </p:blipFill>
         <p:spPr bwMode="auto">
           <a:xfrm>
-            <a:off x="2279650" y="2133600"/>
+            <a:off x="755650" y="2133600"/>
             <a:ext cx="7861300" cy="3987800"/>
           </a:xfrm>
           <a:prstGeom prst="rect">
@@ -27693,7 +27563,7 @@
           <p:cNvPr id="44034" name="内容占位符 1">
             <a:extLst>
               <a:ext uri="{FF2B5EF4-FFF2-40B4-BE49-F238E27FC236}">
-                <a16:creationId xmlns:a16="http://schemas.microsoft.com/office/drawing/2014/main" id="{418C6120-06A2-4466-BE6C-8FFC1310DC0E}"/>
+                <a16:creationId xmlns:a16="http://schemas.microsoft.com/office/drawing/2014/main" id="{8DCD950D-9491-4ECB-85D7-CC4CD2EB3AA4}"/>
               </a:ext>
             </a:extLst>
           </p:cNvPr>
@@ -27706,7 +27576,7 @@
         </p:nvSpPr>
         <p:spPr>
           <a:xfrm>
-            <a:off x="1981200" y="1071563"/>
+            <a:off x="457200" y="1071563"/>
             <a:ext cx="8186738" cy="5357812"/>
           </a:xfrm>
         </p:spPr>
@@ -27732,7 +27602,7 @@
           <p:cNvPr id="4" name="矩形 4">
             <a:extLst>
               <a:ext uri="{FF2B5EF4-FFF2-40B4-BE49-F238E27FC236}">
-                <a16:creationId xmlns:a16="http://schemas.microsoft.com/office/drawing/2014/main" id="{483ED451-C821-4BB9-B4B4-B98307CE697B}"/>
+                <a16:creationId xmlns:a16="http://schemas.microsoft.com/office/drawing/2014/main" id="{EC49283C-79FE-4775-B377-AE763B424FF8}"/>
               </a:ext>
             </a:extLst>
           </p:cNvPr>
@@ -27743,7 +27613,7 @@
         </p:nvSpPr>
         <p:spPr bwMode="auto">
           <a:xfrm>
-            <a:off x="3503613" y="1773239"/>
+            <a:off x="1979613" y="1773238"/>
             <a:ext cx="6985000" cy="4708525"/>
           </a:xfrm>
           <a:prstGeom prst="rect">
@@ -28372,7 +28242,7 @@
           <p:cNvPr id="45058" name="内容占位符 1">
             <a:extLst>
               <a:ext uri="{FF2B5EF4-FFF2-40B4-BE49-F238E27FC236}">
-                <a16:creationId xmlns:a16="http://schemas.microsoft.com/office/drawing/2014/main" id="{7D4F1CF1-1A88-4498-B863-6827DFA7D6F4}"/>
+                <a16:creationId xmlns:a16="http://schemas.microsoft.com/office/drawing/2014/main" id="{ADF4A7D6-5876-4B26-909F-BD6AAD7DB37A}"/>
               </a:ext>
             </a:extLst>
           </p:cNvPr>
@@ -28385,7 +28255,7 @@
         </p:nvSpPr>
         <p:spPr>
           <a:xfrm>
-            <a:off x="1981200" y="1071563"/>
+            <a:off x="457200" y="1071563"/>
             <a:ext cx="8186738" cy="5357812"/>
           </a:xfrm>
         </p:spPr>
@@ -28423,7 +28293,7 @@
           <p:cNvPr id="45059" name="Picture 2">
             <a:extLst>
               <a:ext uri="{FF2B5EF4-FFF2-40B4-BE49-F238E27FC236}">
-                <a16:creationId xmlns:a16="http://schemas.microsoft.com/office/drawing/2014/main" id="{E54F462A-4316-4131-BB42-E80CDE59DBCA}"/>
+                <a16:creationId xmlns:a16="http://schemas.microsoft.com/office/drawing/2014/main" id="{4C2BEA87-AFDB-4406-8783-AC781CC19678}"/>
               </a:ext>
             </a:extLst>
           </p:cNvPr>
@@ -28447,7 +28317,7 @@
         </p:blipFill>
         <p:spPr bwMode="auto">
           <a:xfrm>
-            <a:off x="1919289" y="2565401"/>
+            <a:off x="395288" y="2565400"/>
             <a:ext cx="4257675" cy="3571875"/>
           </a:xfrm>
           <a:prstGeom prst="rect">
@@ -28483,7 +28353,7 @@
           <p:cNvPr id="33796" name="Picture 4">
             <a:extLst>
               <a:ext uri="{FF2B5EF4-FFF2-40B4-BE49-F238E27FC236}">
-                <a16:creationId xmlns:a16="http://schemas.microsoft.com/office/drawing/2014/main" id="{A6DE45E9-B68D-4456-812C-CE479981A4B5}"/>
+                <a16:creationId xmlns:a16="http://schemas.microsoft.com/office/drawing/2014/main" id="{3F236EC8-5025-4C0F-9F44-D74EDABF2613}"/>
               </a:ext>
             </a:extLst>
           </p:cNvPr>
@@ -28507,7 +28377,7 @@
         </p:blipFill>
         <p:spPr bwMode="auto">
           <a:xfrm>
-            <a:off x="5880101" y="2133600"/>
+            <a:off x="4356100" y="2133600"/>
             <a:ext cx="4581525" cy="742950"/>
           </a:xfrm>
           <a:prstGeom prst="rect">
@@ -28543,7 +28413,7 @@
           <p:cNvPr id="5" name="矩形 4">
             <a:extLst>
               <a:ext uri="{FF2B5EF4-FFF2-40B4-BE49-F238E27FC236}">
-                <a16:creationId xmlns:a16="http://schemas.microsoft.com/office/drawing/2014/main" id="{24F81475-54D8-4C9D-BB29-E6C82B45EDA6}"/>
+                <a16:creationId xmlns:a16="http://schemas.microsoft.com/office/drawing/2014/main" id="{D1AF233D-708F-488D-B979-C53509D54595}"/>
               </a:ext>
             </a:extLst>
           </p:cNvPr>
@@ -28552,7 +28422,7 @@
         </p:nvSpPr>
         <p:spPr>
           <a:xfrm>
-            <a:off x="7535864" y="2133601"/>
+            <a:off x="6011863" y="2133600"/>
             <a:ext cx="2808287" cy="358775"/>
           </a:xfrm>
           <a:prstGeom prst="rect">
@@ -28835,7 +28705,7 @@
           <p:cNvPr id="13314" name="内容占位符 1">
             <a:extLst>
               <a:ext uri="{FF2B5EF4-FFF2-40B4-BE49-F238E27FC236}">
-                <a16:creationId xmlns:a16="http://schemas.microsoft.com/office/drawing/2014/main" id="{EB57E4E6-136C-415C-8865-41D40354867F}"/>
+                <a16:creationId xmlns:a16="http://schemas.microsoft.com/office/drawing/2014/main" id="{C3F87255-BA3D-4A71-908C-42B6E8D85053}"/>
               </a:ext>
             </a:extLst>
           </p:cNvPr>
@@ -28848,7 +28718,7 @@
         </p:nvSpPr>
         <p:spPr>
           <a:xfrm>
-            <a:off x="1981200" y="1071563"/>
+            <a:off x="457200" y="1071563"/>
             <a:ext cx="8186738" cy="5357812"/>
           </a:xfrm>
         </p:spPr>
@@ -28863,21 +28733,8 @@
               </a:buBlip>
             </a:pPr>
             <a:r>
-              <a:rPr kumimoji="0" lang="zh-CN" altLang="en-US" dirty="0"/>
+              <a:rPr kumimoji="0" lang="zh-CN" altLang="en-US"/>
               <a:t>课程内容</a:t>
-            </a:r>
-            <a:endParaRPr kumimoji="0" lang="en-US" altLang="zh-CN" dirty="0"/>
-          </a:p>
-          <a:p>
-            <a:pPr lvl="1">
-              <a:buFontTx/>
-              <a:buBlip>
-                <a:blip r:embed="rId3"/>
-              </a:buBlip>
-            </a:pPr>
-            <a:r>
-              <a:rPr kumimoji="0" lang="zh-CN" altLang="en-US"/>
-              <a:t>课程简介 </a:t>
             </a:r>
             <a:endParaRPr kumimoji="0" lang="en-US" altLang="zh-CN"/>
           </a:p>
@@ -28889,10 +28746,10 @@
               </a:buBlip>
             </a:pPr>
             <a:r>
-              <a:rPr kumimoji="0" lang="zh-CN" altLang="en-US" dirty="0"/>
-              <a:t>课程内容及学习方式</a:t>
-            </a:r>
-            <a:endParaRPr kumimoji="0" lang="en-US" altLang="zh-CN" dirty="0"/>
+              <a:rPr kumimoji="0" lang="zh-CN" altLang="en-US"/>
+              <a:t>课程简介</a:t>
+            </a:r>
+            <a:endParaRPr kumimoji="0" lang="en-US" altLang="zh-CN"/>
           </a:p>
           <a:p>
             <a:pPr lvl="1">
@@ -28902,18 +28759,10 @@
               </a:buBlip>
             </a:pPr>
             <a:r>
-              <a:rPr kumimoji="0" lang="zh-CN" altLang="en-US" dirty="0"/>
-              <a:t>第一个设计模式</a:t>
-            </a:r>
-            <a:r>
-              <a:rPr kumimoji="0" lang="en-US" altLang="zh-CN" dirty="0"/>
-              <a:t>——</a:t>
-            </a:r>
-            <a:r>
-              <a:rPr kumimoji="0" lang="zh-CN" altLang="en-US" dirty="0"/>
-              <a:t>单例模式</a:t>
-            </a:r>
-            <a:endParaRPr kumimoji="0" lang="en-US" altLang="zh-CN" dirty="0"/>
+              <a:rPr kumimoji="0" lang="zh-CN" altLang="en-US"/>
+              <a:t>课程内容及学习方式</a:t>
+            </a:r>
+            <a:endParaRPr kumimoji="0" lang="en-US" altLang="zh-CN"/>
           </a:p>
           <a:p>
             <a:pPr lvl="1">
@@ -28923,7 +28772,28 @@
               </a:buBlip>
             </a:pPr>
             <a:r>
-              <a:rPr kumimoji="0" lang="zh-CN" altLang="en-US" dirty="0"/>
+              <a:rPr kumimoji="0" lang="zh-CN" altLang="en-US"/>
+              <a:t>第一个设计模式</a:t>
+            </a:r>
+            <a:r>
+              <a:rPr kumimoji="0" lang="en-US" altLang="zh-CN"/>
+              <a:t>——</a:t>
+            </a:r>
+            <a:r>
+              <a:rPr kumimoji="0" lang="zh-CN" altLang="en-US"/>
+              <a:t>单例模式</a:t>
+            </a:r>
+            <a:endParaRPr kumimoji="0" lang="en-US" altLang="zh-CN"/>
+          </a:p>
+          <a:p>
+            <a:pPr lvl="1">
+              <a:buFontTx/>
+              <a:buBlip>
+                <a:blip r:embed="rId3"/>
+              </a:buBlip>
+            </a:pPr>
+            <a:r>
+              <a:rPr kumimoji="0" lang="zh-CN" altLang="en-US"/>
               <a:t>好设计的原则</a:t>
             </a:r>
           </a:p>
@@ -28959,7 +28829,7 @@
           <p:cNvPr id="46082" name="内容占位符 1">
             <a:extLst>
               <a:ext uri="{FF2B5EF4-FFF2-40B4-BE49-F238E27FC236}">
-                <a16:creationId xmlns:a16="http://schemas.microsoft.com/office/drawing/2014/main" id="{04E35C3E-423B-41BE-9A75-CCFC05C43B72}"/>
+                <a16:creationId xmlns:a16="http://schemas.microsoft.com/office/drawing/2014/main" id="{7C23D2D6-41AA-4E70-A167-8F974DF7425F}"/>
               </a:ext>
             </a:extLst>
           </p:cNvPr>
@@ -28972,7 +28842,7 @@
         </p:nvSpPr>
         <p:spPr>
           <a:xfrm>
-            <a:off x="1774826" y="1071563"/>
+            <a:off x="250825" y="1071563"/>
             <a:ext cx="8893175" cy="5357812"/>
           </a:xfrm>
         </p:spPr>
@@ -29152,7 +29022,7 @@
           <p:cNvPr id="47106" name="内容占位符 1">
             <a:extLst>
               <a:ext uri="{FF2B5EF4-FFF2-40B4-BE49-F238E27FC236}">
-                <a16:creationId xmlns:a16="http://schemas.microsoft.com/office/drawing/2014/main" id="{E6DDBE35-CBD6-4D8E-A91A-83B7C7DD050F}"/>
+                <a16:creationId xmlns:a16="http://schemas.microsoft.com/office/drawing/2014/main" id="{CB3225F2-5834-4369-B0E2-F4B658DE32D8}"/>
               </a:ext>
             </a:extLst>
           </p:cNvPr>
@@ -29165,7 +29035,7 @@
         </p:nvSpPr>
         <p:spPr>
           <a:xfrm>
-            <a:off x="1981200" y="1071563"/>
+            <a:off x="457200" y="1071563"/>
             <a:ext cx="8186738" cy="5357812"/>
           </a:xfrm>
         </p:spPr>
@@ -29280,7 +29150,7 @@
           <p:cNvPr id="48130" name="内容占位符 1">
             <a:extLst>
               <a:ext uri="{FF2B5EF4-FFF2-40B4-BE49-F238E27FC236}">
-                <a16:creationId xmlns:a16="http://schemas.microsoft.com/office/drawing/2014/main" id="{F2BD95DC-90C2-4884-BD37-62CF82A5D06F}"/>
+                <a16:creationId xmlns:a16="http://schemas.microsoft.com/office/drawing/2014/main" id="{DA46E1B6-19F7-48B1-8B0B-F976FA857D1A}"/>
               </a:ext>
             </a:extLst>
           </p:cNvPr>
@@ -29293,7 +29163,7 @@
         </p:nvSpPr>
         <p:spPr>
           <a:xfrm>
-            <a:off x="1981200" y="1071563"/>
+            <a:off x="457200" y="1071563"/>
             <a:ext cx="8186738" cy="5357812"/>
           </a:xfrm>
         </p:spPr>
@@ -29475,7 +29345,7 @@
           <p:cNvPr id="48131" name="Picture 4" descr="20091225-114143-pic1">
             <a:extLst>
               <a:ext uri="{FF2B5EF4-FFF2-40B4-BE49-F238E27FC236}">
-                <a16:creationId xmlns:a16="http://schemas.microsoft.com/office/drawing/2014/main" id="{D41FB2ED-2C65-4C25-BE29-5FD8D60709D9}"/>
+                <a16:creationId xmlns:a16="http://schemas.microsoft.com/office/drawing/2014/main" id="{B0B9B376-406A-469C-917F-ECEEE1E4CCFD}"/>
               </a:ext>
             </a:extLst>
           </p:cNvPr>
@@ -29499,7 +29369,7 @@
         </p:blipFill>
         <p:spPr bwMode="auto">
           <a:xfrm>
-            <a:off x="7319964" y="1268413"/>
+            <a:off x="5795963" y="1268413"/>
             <a:ext cx="1728787" cy="2305050"/>
           </a:xfrm>
           <a:prstGeom prst="rect">
@@ -29535,7 +29405,7 @@
           <p:cNvPr id="48132" name="Picture 5" descr="91080-L">
             <a:extLst>
               <a:ext uri="{FF2B5EF4-FFF2-40B4-BE49-F238E27FC236}">
-                <a16:creationId xmlns:a16="http://schemas.microsoft.com/office/drawing/2014/main" id="{A90AFE8B-0A59-46E8-95D4-75D7D1F46B0E}"/>
+                <a16:creationId xmlns:a16="http://schemas.microsoft.com/office/drawing/2014/main" id="{04DB2A3A-5EA5-46BB-81BF-84071271294D}"/>
               </a:ext>
             </a:extLst>
           </p:cNvPr>
@@ -29559,7 +29429,7 @@
         </p:blipFill>
         <p:spPr bwMode="auto">
           <a:xfrm>
-            <a:off x="8901114" y="1543051"/>
+            <a:off x="7377113" y="1543050"/>
             <a:ext cx="1658937" cy="2176463"/>
           </a:xfrm>
           <a:prstGeom prst="rect">
@@ -29595,7 +29465,7 @@
           <p:cNvPr id="48133" name="Rectangle 6">
             <a:extLst>
               <a:ext uri="{FF2B5EF4-FFF2-40B4-BE49-F238E27FC236}">
-                <a16:creationId xmlns:a16="http://schemas.microsoft.com/office/drawing/2014/main" id="{88296331-3144-43DF-8023-94F42834E05F}"/>
+                <a16:creationId xmlns:a16="http://schemas.microsoft.com/office/drawing/2014/main" id="{55F3B7E2-F04C-4285-BA9E-B1C2274E4861}"/>
               </a:ext>
             </a:extLst>
           </p:cNvPr>
@@ -29606,7 +29476,7 @@
         </p:nvSpPr>
         <p:spPr bwMode="auto">
           <a:xfrm>
-            <a:off x="8724901" y="892175"/>
+            <a:off x="7200900" y="892175"/>
             <a:ext cx="1908175" cy="376238"/>
           </a:xfrm>
           <a:prstGeom prst="rect">
@@ -29800,7 +29670,7 @@
           <p:cNvPr id="48134" name="Picture 4" descr="s3793024">
             <a:extLst>
               <a:ext uri="{FF2B5EF4-FFF2-40B4-BE49-F238E27FC236}">
-                <a16:creationId xmlns:a16="http://schemas.microsoft.com/office/drawing/2014/main" id="{4B225BDC-C20B-49FB-AA08-15CBD81A2155}"/>
+                <a16:creationId xmlns:a16="http://schemas.microsoft.com/office/drawing/2014/main" id="{1C16EEFB-660D-42AF-84C0-0F304F958AC1}"/>
               </a:ext>
             </a:extLst>
           </p:cNvPr>
@@ -29824,7 +29694,7 @@
         </p:blipFill>
         <p:spPr bwMode="auto">
           <a:xfrm>
-            <a:off x="8945564" y="4519614"/>
+            <a:off x="7421563" y="4519613"/>
             <a:ext cx="1639887" cy="2149475"/>
           </a:xfrm>
           <a:prstGeom prst="rect">
@@ -29860,7 +29730,7 @@
           <p:cNvPr id="48135" name="Picture 5" descr="coadphoto">
             <a:extLst>
               <a:ext uri="{FF2B5EF4-FFF2-40B4-BE49-F238E27FC236}">
-                <a16:creationId xmlns:a16="http://schemas.microsoft.com/office/drawing/2014/main" id="{3AC0E37A-D1E1-4D61-906C-F6DBF4EA53A4}"/>
+                <a16:creationId xmlns:a16="http://schemas.microsoft.com/office/drawing/2014/main" id="{33D22491-401E-46EF-B662-A2FB4844823A}"/>
               </a:ext>
             </a:extLst>
           </p:cNvPr>
@@ -29884,7 +29754,7 @@
         </p:blipFill>
         <p:spPr bwMode="auto">
           <a:xfrm>
-            <a:off x="7391401" y="4243388"/>
+            <a:off x="5867400" y="4243388"/>
             <a:ext cx="1693863" cy="2425700"/>
           </a:xfrm>
           <a:prstGeom prst="rect">
@@ -29920,7 +29790,7 @@
           <p:cNvPr id="48136" name="Rectangle 6">
             <a:extLst>
               <a:ext uri="{FF2B5EF4-FFF2-40B4-BE49-F238E27FC236}">
-                <a16:creationId xmlns:a16="http://schemas.microsoft.com/office/drawing/2014/main" id="{DA5366E4-3981-476E-8275-23D3474BFEC4}"/>
+                <a16:creationId xmlns:a16="http://schemas.microsoft.com/office/drawing/2014/main" id="{80DF5217-7BAB-4BAF-9C85-861428FE335B}"/>
               </a:ext>
             </a:extLst>
           </p:cNvPr>
@@ -29931,7 +29801,7 @@
         </p:nvSpPr>
         <p:spPr bwMode="auto">
           <a:xfrm>
-            <a:off x="9088439" y="3989389"/>
+            <a:off x="7564438" y="3989388"/>
             <a:ext cx="1400175" cy="376237"/>
           </a:xfrm>
           <a:prstGeom prst="rect">
@@ -30150,7 +30020,7 @@
           <p:cNvPr id="50178" name="内容占位符 1">
             <a:extLst>
               <a:ext uri="{FF2B5EF4-FFF2-40B4-BE49-F238E27FC236}">
-                <a16:creationId xmlns:a16="http://schemas.microsoft.com/office/drawing/2014/main" id="{31E96C7A-12EE-4213-8109-15A9E3464F72}"/>
+                <a16:creationId xmlns:a16="http://schemas.microsoft.com/office/drawing/2014/main" id="{723CDAFE-ACD3-4C00-A4F7-DA91AFD4D234}"/>
               </a:ext>
             </a:extLst>
           </p:cNvPr>
@@ -30163,7 +30033,7 @@
         </p:nvSpPr>
         <p:spPr>
           <a:xfrm>
-            <a:off x="1981200" y="1071563"/>
+            <a:off x="457200" y="1071563"/>
             <a:ext cx="8186738" cy="5357812"/>
           </a:xfrm>
         </p:spPr>
@@ -30189,7 +30059,7 @@
           <p:cNvPr id="3" name="Group 43">
             <a:extLst>
               <a:ext uri="{FF2B5EF4-FFF2-40B4-BE49-F238E27FC236}">
-                <a16:creationId xmlns:a16="http://schemas.microsoft.com/office/drawing/2014/main" id="{6F82575D-21C0-47C2-9AAB-A34B808CB970}"/>
+                <a16:creationId xmlns:a16="http://schemas.microsoft.com/office/drawing/2014/main" id="{A997439C-4EE8-4503-8D5E-C53F1971BEED}"/>
               </a:ext>
             </a:extLst>
           </p:cNvPr>
@@ -30199,8 +30069,8 @@
           <p:nvPr/>
         </p:nvGraphicFramePr>
         <p:xfrm>
-          <a:off x="1952625" y="1739900"/>
-          <a:ext cx="8305800" cy="4784832"/>
+          <a:off x="428625" y="1739900"/>
+          <a:ext cx="8305800" cy="4784800"/>
         </p:xfrm>
         <a:graphic>
           <a:graphicData uri="http://schemas.openxmlformats.org/drawingml/2006/table">
@@ -30229,7 +30099,7 @@
                   </a:extLst>
                 </a:gridCol>
               </a:tblGrid>
-              <a:tr h="304728">
+              <a:tr h="304726">
                 <a:tc>
                   <a:txBody>
                     <a:bodyPr/>
@@ -30280,7 +30150,7 @@
                       </a:endParaRPr>
                     </a:p>
                   </a:txBody>
-                  <a:tcPr marT="45687" marB="45687" horzOverflow="overflow">
+                  <a:tcPr marT="45685" marB="45685" horzOverflow="overflow">
                     <a:lnL w="12700" cap="flat" cmpd="sng" algn="ctr">
                       <a:solidFill>
                         <a:srgbClr val="000000"/>
@@ -30378,7 +30248,7 @@
                       </a:endParaRPr>
                     </a:p>
                   </a:txBody>
-                  <a:tcPr marT="45687" marB="45687" horzOverflow="overflow">
+                  <a:tcPr marT="45685" marB="45685" horzOverflow="overflow">
                     <a:lnL w="12700" cap="flat" cmpd="sng" algn="ctr">
                       <a:solidFill>
                         <a:srgbClr val="000000"/>
@@ -30476,7 +30346,7 @@
                       </a:endParaRPr>
                     </a:p>
                   </a:txBody>
-                  <a:tcPr marT="45687" marB="45687" horzOverflow="overflow">
+                  <a:tcPr marT="45685" marB="45685" horzOverflow="overflow">
                     <a:lnL w="12700" cap="flat" cmpd="sng" algn="ctr">
                       <a:solidFill>
                         <a:srgbClr val="000000"/>
@@ -30530,7 +30400,7 @@
                   </a:ext>
                 </a:extLst>
               </a:tr>
-              <a:tr h="731437">
+              <a:tr h="731438">
                 <a:tc>
                   <a:txBody>
                     <a:bodyPr/>
@@ -30614,7 +30484,7 @@
                       </a:endParaRPr>
                     </a:p>
                   </a:txBody>
-                  <a:tcPr marT="45687" marB="45687" horzOverflow="overflow">
+                  <a:tcPr marT="45685" marB="45685" horzOverflow="overflow">
                     <a:lnL w="12700" cap="flat" cmpd="sng" algn="ctr">
                       <a:solidFill>
                         <a:srgbClr val="000000"/>
@@ -30712,7 +30582,7 @@
                       </a:endParaRPr>
                     </a:p>
                   </a:txBody>
-                  <a:tcPr marT="45687" marB="45687" anchor="ctr" horzOverflow="overflow">
+                  <a:tcPr marT="45685" marB="45685" anchor="ctr" horzOverflow="overflow">
                     <a:lnL w="12700" cap="flat" cmpd="sng" algn="ctr">
                       <a:solidFill>
                         <a:srgbClr val="000000"/>
@@ -30810,7 +30680,7 @@
                       </a:endParaRPr>
                     </a:p>
                   </a:txBody>
-                  <a:tcPr marT="45687" marB="45687" horzOverflow="overflow">
+                  <a:tcPr marT="45685" marB="45685" horzOverflow="overflow">
                     <a:lnL w="12700" cap="flat" cmpd="sng" algn="ctr">
                       <a:solidFill>
                         <a:srgbClr val="000000"/>
@@ -30864,7 +30734,7 @@
                   </a:ext>
                 </a:extLst>
               </a:tr>
-              <a:tr h="731437">
+              <a:tr h="731438">
                 <a:tc>
                   <a:txBody>
                     <a:bodyPr/>
@@ -30948,7 +30818,7 @@
                       </a:endParaRPr>
                     </a:p>
                   </a:txBody>
-                  <a:tcPr marT="45687" marB="45687" horzOverflow="overflow">
+                  <a:tcPr marT="45685" marB="45685" horzOverflow="overflow">
                     <a:lnL w="12700" cap="flat" cmpd="sng" algn="ctr">
                       <a:solidFill>
                         <a:srgbClr val="000000"/>
@@ -31046,7 +30916,7 @@
                       </a:endParaRPr>
                     </a:p>
                   </a:txBody>
-                  <a:tcPr marT="45687" marB="45687" anchor="ctr" horzOverflow="overflow">
+                  <a:tcPr marT="45685" marB="45685" anchor="ctr" horzOverflow="overflow">
                     <a:lnL w="12700" cap="flat" cmpd="sng" algn="ctr">
                       <a:solidFill>
                         <a:srgbClr val="000000"/>
@@ -31144,7 +31014,7 @@
                       </a:endParaRPr>
                     </a:p>
                   </a:txBody>
-                  <a:tcPr marT="45687" marB="45687" horzOverflow="overflow">
+                  <a:tcPr marT="45685" marB="45685" horzOverflow="overflow">
                     <a:lnL w="12700" cap="flat" cmpd="sng" algn="ctr">
                       <a:solidFill>
                         <a:srgbClr val="000000"/>
@@ -31198,7 +31068,7 @@
                   </a:ext>
                 </a:extLst>
               </a:tr>
-              <a:tr h="518083">
+              <a:tr h="518082">
                 <a:tc>
                   <a:txBody>
                     <a:bodyPr/>
@@ -31282,7 +31152,7 @@
                       </a:endParaRPr>
                     </a:p>
                   </a:txBody>
-                  <a:tcPr marT="45687" marB="45687" horzOverflow="overflow">
+                  <a:tcPr marT="45685" marB="45685" horzOverflow="overflow">
                     <a:lnL w="12700" cap="flat" cmpd="sng" algn="ctr">
                       <a:solidFill>
                         <a:srgbClr val="000000"/>
@@ -31380,7 +31250,7 @@
                       </a:endParaRPr>
                     </a:p>
                   </a:txBody>
-                  <a:tcPr marT="45687" marB="45687" anchor="ctr" horzOverflow="overflow">
+                  <a:tcPr marT="45685" marB="45685" anchor="ctr" horzOverflow="overflow">
                     <a:lnL w="12700" cap="flat" cmpd="sng" algn="ctr">
                       <a:solidFill>
                         <a:srgbClr val="000000"/>
@@ -31478,7 +31348,7 @@
                       </a:endParaRPr>
                     </a:p>
                   </a:txBody>
-                  <a:tcPr marT="45687" marB="45687" horzOverflow="overflow">
+                  <a:tcPr marT="45685" marB="45685" horzOverflow="overflow">
                     <a:lnL w="12700" cap="flat" cmpd="sng" algn="ctr">
                       <a:solidFill>
                         <a:srgbClr val="000000"/>
@@ -31532,7 +31402,7 @@
                   </a:ext>
                 </a:extLst>
               </a:tr>
-              <a:tr h="518083">
+              <a:tr h="518082">
                 <a:tc>
                   <a:txBody>
                     <a:bodyPr/>
@@ -31616,7 +31486,7 @@
                       </a:endParaRPr>
                     </a:p>
                   </a:txBody>
-                  <a:tcPr marT="45687" marB="45687" horzOverflow="overflow">
+                  <a:tcPr marT="45685" marB="45685" horzOverflow="overflow">
                     <a:lnL w="12700" cap="flat" cmpd="sng" algn="ctr">
                       <a:solidFill>
                         <a:srgbClr val="000000"/>
@@ -31714,7 +31584,7 @@
                       </a:endParaRPr>
                     </a:p>
                   </a:txBody>
-                  <a:tcPr marT="45687" marB="45687" anchor="ctr" horzOverflow="overflow">
+                  <a:tcPr marT="45685" marB="45685" anchor="ctr" horzOverflow="overflow">
                     <a:lnL w="12700" cap="flat" cmpd="sng" algn="ctr">
                       <a:solidFill>
                         <a:srgbClr val="000000"/>
@@ -31812,7 +31682,7 @@
                       </a:endParaRPr>
                     </a:p>
                   </a:txBody>
-                  <a:tcPr marT="45687" marB="45687" horzOverflow="overflow">
+                  <a:tcPr marT="45685" marB="45685" horzOverflow="overflow">
                     <a:lnL w="12700" cap="flat" cmpd="sng" algn="ctr">
                       <a:solidFill>
                         <a:srgbClr val="000000"/>
@@ -31866,7 +31736,7 @@
                   </a:ext>
                 </a:extLst>
               </a:tr>
-              <a:tr h="518083">
+              <a:tr h="518082">
                 <a:tc>
                   <a:txBody>
                     <a:bodyPr/>
@@ -31950,7 +31820,7 @@
                       </a:endParaRPr>
                     </a:p>
                   </a:txBody>
-                  <a:tcPr marT="45687" marB="45687" horzOverflow="overflow">
+                  <a:tcPr marT="45685" marB="45685" horzOverflow="overflow">
                     <a:lnL w="12700" cap="flat" cmpd="sng" algn="ctr">
                       <a:solidFill>
                         <a:srgbClr val="000000"/>
@@ -32048,7 +31918,7 @@
                       </a:endParaRPr>
                     </a:p>
                   </a:txBody>
-                  <a:tcPr marT="45687" marB="45687" anchor="ctr" horzOverflow="overflow">
+                  <a:tcPr marT="45685" marB="45685" anchor="ctr" horzOverflow="overflow">
                     <a:lnL w="12700" cap="flat" cmpd="sng" algn="ctr">
                       <a:solidFill>
                         <a:srgbClr val="000000"/>
@@ -32146,7 +32016,7 @@
                       </a:endParaRPr>
                     </a:p>
                   </a:txBody>
-                  <a:tcPr marT="45687" marB="45687" horzOverflow="overflow">
+                  <a:tcPr marT="45685" marB="45685" horzOverflow="overflow">
                     <a:lnL w="12700" cap="flat" cmpd="sng" algn="ctr">
                       <a:solidFill>
                         <a:srgbClr val="000000"/>
@@ -32200,7 +32070,7 @@
                   </a:ext>
                 </a:extLst>
               </a:tr>
-              <a:tr h="518083">
+              <a:tr h="518082">
                 <a:tc>
                   <a:txBody>
                     <a:bodyPr/>
@@ -32284,7 +32154,7 @@
                       </a:endParaRPr>
                     </a:p>
                   </a:txBody>
-                  <a:tcPr marT="45687" marB="45687" horzOverflow="overflow">
+                  <a:tcPr marT="45685" marB="45685" horzOverflow="overflow">
                     <a:lnL w="12700" cap="flat" cmpd="sng" algn="ctr">
                       <a:solidFill>
                         <a:srgbClr val="000000"/>
@@ -32382,7 +32252,7 @@
                       </a:endParaRPr>
                     </a:p>
                   </a:txBody>
-                  <a:tcPr marT="45687" marB="45687" anchor="ctr" horzOverflow="overflow">
+                  <a:tcPr marT="45685" marB="45685" anchor="ctr" horzOverflow="overflow">
                     <a:lnL w="12700" cap="flat" cmpd="sng" algn="ctr">
                       <a:solidFill>
                         <a:srgbClr val="000000"/>
@@ -32480,7 +32350,7 @@
                       </a:endParaRPr>
                     </a:p>
                   </a:txBody>
-                  <a:tcPr marT="45687" marB="45687" horzOverflow="overflow">
+                  <a:tcPr marT="45685" marB="45685" horzOverflow="overflow">
                     <a:lnL w="12700" cap="flat" cmpd="sng" algn="ctr">
                       <a:solidFill>
                         <a:srgbClr val="000000"/>
@@ -32534,7 +32404,7 @@
                   </a:ext>
                 </a:extLst>
               </a:tr>
-              <a:tr h="944792">
+              <a:tr h="944794">
                 <a:tc>
                   <a:txBody>
                     <a:bodyPr/>
@@ -32618,7 +32488,7 @@
                       </a:endParaRPr>
                     </a:p>
                   </a:txBody>
-                  <a:tcPr marT="45687" marB="45687" horzOverflow="overflow">
+                  <a:tcPr marT="45685" marB="45685" horzOverflow="overflow">
                     <a:lnL w="12700" cap="flat" cmpd="sng" algn="ctr">
                       <a:solidFill>
                         <a:srgbClr val="000000"/>
@@ -32716,7 +32586,7 @@
                       </a:endParaRPr>
                     </a:p>
                   </a:txBody>
-                  <a:tcPr marT="45687" marB="45687" anchor="ctr" horzOverflow="overflow">
+                  <a:tcPr marT="45685" marB="45685" anchor="ctr" horzOverflow="overflow">
                     <a:lnL w="12700" cap="flat" cmpd="sng" algn="ctr">
                       <a:solidFill>
                         <a:srgbClr val="000000"/>
@@ -32814,7 +32684,7 @@
                       </a:endParaRPr>
                     </a:p>
                   </a:txBody>
-                  <a:tcPr marT="45687" marB="45687" horzOverflow="overflow">
+                  <a:tcPr marT="45685" marB="45685" horzOverflow="overflow">
                     <a:lnL w="12700" cap="flat" cmpd="sng" algn="ctr">
                       <a:solidFill>
                         <a:srgbClr val="000000"/>
@@ -33034,7 +32904,7 @@
           <p:cNvPr id="51202" name="内容占位符 1">
             <a:extLst>
               <a:ext uri="{FF2B5EF4-FFF2-40B4-BE49-F238E27FC236}">
-                <a16:creationId xmlns:a16="http://schemas.microsoft.com/office/drawing/2014/main" id="{C90C42D4-649D-4DE1-AEB0-B8F1ABE821B6}"/>
+                <a16:creationId xmlns:a16="http://schemas.microsoft.com/office/drawing/2014/main" id="{24304AF9-F110-463C-BA2B-C149C3B31612}"/>
               </a:ext>
             </a:extLst>
           </p:cNvPr>
@@ -33047,7 +32917,7 @@
         </p:nvSpPr>
         <p:spPr>
           <a:xfrm>
-            <a:off x="1981200" y="1071563"/>
+            <a:off x="457200" y="1071563"/>
             <a:ext cx="8186738" cy="5357812"/>
           </a:xfrm>
         </p:spPr>
@@ -33160,7 +33030,7 @@
           <p:cNvPr id="37891" name="Picture 10" descr="20081211111905">
             <a:extLst>
               <a:ext uri="{FF2B5EF4-FFF2-40B4-BE49-F238E27FC236}">
-                <a16:creationId xmlns:a16="http://schemas.microsoft.com/office/drawing/2014/main" id="{37247DA2-A5B1-4E40-A9A8-B0108FEFF8DA}"/>
+                <a16:creationId xmlns:a16="http://schemas.microsoft.com/office/drawing/2014/main" id="{9CC297FE-3FBC-4B74-8272-C1D965E73B9E}"/>
               </a:ext>
             </a:extLst>
           </p:cNvPr>
@@ -33184,7 +33054,7 @@
         </p:blipFill>
         <p:spPr bwMode="auto">
           <a:xfrm>
-            <a:off x="7434264" y="2852738"/>
+            <a:off x="5910263" y="2852738"/>
             <a:ext cx="3019425" cy="3790950"/>
           </a:xfrm>
           <a:prstGeom prst="rect">
@@ -33220,7 +33090,7 @@
           <p:cNvPr id="51204" name="矩形 3">
             <a:extLst>
               <a:ext uri="{FF2B5EF4-FFF2-40B4-BE49-F238E27FC236}">
-                <a16:creationId xmlns:a16="http://schemas.microsoft.com/office/drawing/2014/main" id="{0E1E1881-27CE-4278-BF36-2643BDB2C909}"/>
+                <a16:creationId xmlns:a16="http://schemas.microsoft.com/office/drawing/2014/main" id="{6BD8B81F-8383-4947-8D4A-C025B35223F1}"/>
               </a:ext>
             </a:extLst>
           </p:cNvPr>
@@ -33231,7 +33101,7 @@
         </p:nvSpPr>
         <p:spPr bwMode="auto">
           <a:xfrm>
-            <a:off x="3024189" y="4262439"/>
+            <a:off x="1500188" y="4262438"/>
             <a:ext cx="3775075" cy="523875"/>
           </a:xfrm>
           <a:prstGeom prst="rect">
@@ -33588,7 +33458,7 @@
           <p:cNvPr id="53250" name="内容占位符 1">
             <a:extLst>
               <a:ext uri="{FF2B5EF4-FFF2-40B4-BE49-F238E27FC236}">
-                <a16:creationId xmlns:a16="http://schemas.microsoft.com/office/drawing/2014/main" id="{BEEF4737-67E7-4419-80D3-29300517DCB1}"/>
+                <a16:creationId xmlns:a16="http://schemas.microsoft.com/office/drawing/2014/main" id="{0AD2E936-3699-4FD0-9322-F1C0CFBB05E1}"/>
               </a:ext>
             </a:extLst>
           </p:cNvPr>
@@ -33601,7 +33471,7 @@
         </p:nvSpPr>
         <p:spPr>
           <a:xfrm>
-            <a:off x="1981200" y="1071563"/>
+            <a:off x="457200" y="1071563"/>
             <a:ext cx="8186738" cy="5357812"/>
           </a:xfrm>
         </p:spPr>
@@ -33679,7 +33549,7 @@
           <p:cNvPr id="55298" name="内容占位符 1">
             <a:extLst>
               <a:ext uri="{FF2B5EF4-FFF2-40B4-BE49-F238E27FC236}">
-                <a16:creationId xmlns:a16="http://schemas.microsoft.com/office/drawing/2014/main" id="{FE9CD48E-F931-4458-B354-8592A0A9DE2E}"/>
+                <a16:creationId xmlns:a16="http://schemas.microsoft.com/office/drawing/2014/main" id="{E64E8AAD-D52F-4411-8117-55FF13B2A70F}"/>
               </a:ext>
             </a:extLst>
           </p:cNvPr>
@@ -33692,7 +33562,7 @@
         </p:nvSpPr>
         <p:spPr>
           <a:xfrm>
-            <a:off x="1738314" y="1071563"/>
+            <a:off x="214313" y="1071563"/>
             <a:ext cx="8929687" cy="5357812"/>
           </a:xfrm>
         </p:spPr>
@@ -33731,7 +33601,7 @@
           <p:cNvPr id="3" name="Picture 5">
             <a:extLst>
               <a:ext uri="{FF2B5EF4-FFF2-40B4-BE49-F238E27FC236}">
-                <a16:creationId xmlns:a16="http://schemas.microsoft.com/office/drawing/2014/main" id="{EB15019F-58BA-495A-B440-0B24255DDC5C}"/>
+                <a16:creationId xmlns:a16="http://schemas.microsoft.com/office/drawing/2014/main" id="{7C8E2C66-CFCE-47EE-B43F-EA4983E78023}"/>
               </a:ext>
             </a:extLst>
           </p:cNvPr>
@@ -33755,7 +33625,7 @@
         </p:blipFill>
         <p:spPr bwMode="auto">
           <a:xfrm>
-            <a:off x="2097089" y="2286000"/>
+            <a:off x="573088" y="2286000"/>
             <a:ext cx="8142287" cy="3500438"/>
           </a:xfrm>
           <a:prstGeom prst="rect">
@@ -33791,7 +33661,7 @@
           <p:cNvPr id="55300" name="矩形 3">
             <a:extLst>
               <a:ext uri="{FF2B5EF4-FFF2-40B4-BE49-F238E27FC236}">
-                <a16:creationId xmlns:a16="http://schemas.microsoft.com/office/drawing/2014/main" id="{43E2D3BD-37B8-4581-8AA9-1CD8C2D04A56}"/>
+                <a16:creationId xmlns:a16="http://schemas.microsoft.com/office/drawing/2014/main" id="{5B8DB01E-1E36-4918-9958-4DBED1017048}"/>
               </a:ext>
             </a:extLst>
           </p:cNvPr>
@@ -33802,7 +33672,7 @@
         </p:nvSpPr>
         <p:spPr bwMode="auto">
           <a:xfrm>
-            <a:off x="3595688" y="5929313"/>
+            <a:off x="2071688" y="5929313"/>
             <a:ext cx="5416550" cy="461962"/>
           </a:xfrm>
           <a:prstGeom prst="rect">
@@ -34151,7 +34021,7 @@
           <p:cNvPr id="56322" name="内容占位符 1">
             <a:extLst>
               <a:ext uri="{FF2B5EF4-FFF2-40B4-BE49-F238E27FC236}">
-                <a16:creationId xmlns:a16="http://schemas.microsoft.com/office/drawing/2014/main" id="{C3903464-2E6F-4706-8379-05E1FB52A66E}"/>
+                <a16:creationId xmlns:a16="http://schemas.microsoft.com/office/drawing/2014/main" id="{47A105CE-022F-4D52-842A-D87689C31771}"/>
               </a:ext>
             </a:extLst>
           </p:cNvPr>
@@ -34164,7 +34034,7 @@
         </p:nvSpPr>
         <p:spPr>
           <a:xfrm>
-            <a:off x="1981200" y="1071563"/>
+            <a:off x="457200" y="1071563"/>
             <a:ext cx="8186738" cy="5357812"/>
           </a:xfrm>
         </p:spPr>
@@ -34217,7 +34087,7 @@
           <p:cNvPr id="3" name="Picture 6">
             <a:extLst>
               <a:ext uri="{FF2B5EF4-FFF2-40B4-BE49-F238E27FC236}">
-                <a16:creationId xmlns:a16="http://schemas.microsoft.com/office/drawing/2014/main" id="{298FECBD-0B8B-48DA-8702-26C93431052B}"/>
+                <a16:creationId xmlns:a16="http://schemas.microsoft.com/office/drawing/2014/main" id="{C89D643A-80E5-490A-BC4B-7A28EFC18401}"/>
               </a:ext>
             </a:extLst>
           </p:cNvPr>
@@ -34241,7 +34111,7 @@
         </p:blipFill>
         <p:spPr bwMode="auto">
           <a:xfrm>
-            <a:off x="2809876" y="2928939"/>
+            <a:off x="1285875" y="2928938"/>
             <a:ext cx="5902325" cy="2714625"/>
           </a:xfrm>
           <a:prstGeom prst="rect">
@@ -34426,7 +34296,7 @@
           <p:cNvPr id="58370" name="内容占位符 1">
             <a:extLst>
               <a:ext uri="{FF2B5EF4-FFF2-40B4-BE49-F238E27FC236}">
-                <a16:creationId xmlns:a16="http://schemas.microsoft.com/office/drawing/2014/main" id="{2F577F3D-DDC2-4242-A24D-0CA03DC2C92E}"/>
+                <a16:creationId xmlns:a16="http://schemas.microsoft.com/office/drawing/2014/main" id="{E3637947-7167-4475-B0C1-A4D68252C1C4}"/>
               </a:ext>
             </a:extLst>
           </p:cNvPr>
@@ -34439,7 +34309,7 @@
         </p:nvSpPr>
         <p:spPr>
           <a:xfrm>
-            <a:off x="1981200" y="1071563"/>
+            <a:off x="457200" y="1071563"/>
             <a:ext cx="8186738" cy="5357812"/>
           </a:xfrm>
         </p:spPr>
@@ -34583,7 +34453,7 @@
           <p:cNvPr id="58371" name="矩形 2">
             <a:extLst>
               <a:ext uri="{FF2B5EF4-FFF2-40B4-BE49-F238E27FC236}">
-                <a16:creationId xmlns:a16="http://schemas.microsoft.com/office/drawing/2014/main" id="{470E5014-42F9-471B-915A-B48B117B8906}"/>
+                <a16:creationId xmlns:a16="http://schemas.microsoft.com/office/drawing/2014/main" id="{D2F77B96-ACED-4A12-869C-BDEC14712E79}"/>
               </a:ext>
             </a:extLst>
           </p:cNvPr>
@@ -34594,7 +34464,7 @@
         </p:nvSpPr>
         <p:spPr bwMode="auto">
           <a:xfrm>
-            <a:off x="2452689" y="5456238"/>
+            <a:off x="928688" y="5456238"/>
             <a:ext cx="7286625" cy="830262"/>
           </a:xfrm>
           <a:prstGeom prst="rect">
@@ -34819,7 +34689,7 @@
           <p:cNvPr id="59394" name="内容占位符 1">
             <a:extLst>
               <a:ext uri="{FF2B5EF4-FFF2-40B4-BE49-F238E27FC236}">
-                <a16:creationId xmlns:a16="http://schemas.microsoft.com/office/drawing/2014/main" id="{4C1CE3FF-A5AD-41B3-AE50-62B526132FC1}"/>
+                <a16:creationId xmlns:a16="http://schemas.microsoft.com/office/drawing/2014/main" id="{F69FB6ED-A142-4A5D-9540-16948317C3BD}"/>
               </a:ext>
             </a:extLst>
           </p:cNvPr>
@@ -34832,7 +34702,7 @@
         </p:nvSpPr>
         <p:spPr>
           <a:xfrm>
-            <a:off x="1981200" y="857251"/>
+            <a:off x="457200" y="857250"/>
             <a:ext cx="8186738" cy="5357813"/>
           </a:xfrm>
         </p:spPr>
@@ -34979,7 +34849,7 @@
           <p:cNvPr id="59395" name="TextBox 3">
             <a:extLst>
               <a:ext uri="{FF2B5EF4-FFF2-40B4-BE49-F238E27FC236}">
-                <a16:creationId xmlns:a16="http://schemas.microsoft.com/office/drawing/2014/main" id="{80F4610A-DCB7-4EF1-857E-386C1179F697}"/>
+                <a16:creationId xmlns:a16="http://schemas.microsoft.com/office/drawing/2014/main" id="{ADB0846C-8FBC-4F9F-A7BD-2637F82D2D1E}"/>
               </a:ext>
             </a:extLst>
           </p:cNvPr>
@@ -34990,7 +34860,7 @@
         </p:nvSpPr>
         <p:spPr bwMode="auto">
           <a:xfrm>
-            <a:off x="2351089" y="4419600"/>
+            <a:off x="827088" y="4419600"/>
             <a:ext cx="8066087" cy="954088"/>
           </a:xfrm>
           <a:prstGeom prst="rect">
@@ -35212,7 +35082,7 @@
           <p:cNvPr id="14338" name="内容占位符 1">
             <a:extLst>
               <a:ext uri="{FF2B5EF4-FFF2-40B4-BE49-F238E27FC236}">
-                <a16:creationId xmlns:a16="http://schemas.microsoft.com/office/drawing/2014/main" id="{E129A7A4-5615-46C0-9540-73D7E5B0E441}"/>
+                <a16:creationId xmlns:a16="http://schemas.microsoft.com/office/drawing/2014/main" id="{EDFC406E-A37D-4A11-8981-99D65021FA17}"/>
               </a:ext>
             </a:extLst>
           </p:cNvPr>
@@ -35225,7 +35095,7 @@
         </p:nvSpPr>
         <p:spPr>
           <a:xfrm>
-            <a:off x="1981200" y="1071563"/>
+            <a:off x="457200" y="1071563"/>
             <a:ext cx="8186738" cy="5357812"/>
           </a:xfrm>
         </p:spPr>
@@ -35344,7 +35214,7 @@
           <p:cNvPr id="61442" name="内容占位符 1">
             <a:extLst>
               <a:ext uri="{FF2B5EF4-FFF2-40B4-BE49-F238E27FC236}">
-                <a16:creationId xmlns:a16="http://schemas.microsoft.com/office/drawing/2014/main" id="{3AA058F8-6084-4E31-9019-0F8FB9FE4776}"/>
+                <a16:creationId xmlns:a16="http://schemas.microsoft.com/office/drawing/2014/main" id="{210063EA-0DD7-47D4-9042-5B67F2C77740}"/>
               </a:ext>
             </a:extLst>
           </p:cNvPr>
@@ -35357,7 +35227,7 @@
         </p:nvSpPr>
         <p:spPr>
           <a:xfrm>
-            <a:off x="1981200" y="1071563"/>
+            <a:off x="457200" y="1071563"/>
             <a:ext cx="8401050" cy="5357812"/>
           </a:xfrm>
         </p:spPr>
@@ -35538,7 +35408,7 @@
           <p:cNvPr id="62466" name="内容占位符 1">
             <a:extLst>
               <a:ext uri="{FF2B5EF4-FFF2-40B4-BE49-F238E27FC236}">
-                <a16:creationId xmlns:a16="http://schemas.microsoft.com/office/drawing/2014/main" id="{DF7AA3B1-6416-4162-BFA9-0E42F1015DD5}"/>
+                <a16:creationId xmlns:a16="http://schemas.microsoft.com/office/drawing/2014/main" id="{7A7FC5C5-3607-46E8-9FF2-349D4F011CA4}"/>
               </a:ext>
             </a:extLst>
           </p:cNvPr>
@@ -35551,7 +35421,7 @@
         </p:nvSpPr>
         <p:spPr>
           <a:xfrm>
-            <a:off x="1981200" y="1071563"/>
+            <a:off x="457200" y="1071563"/>
             <a:ext cx="8186738" cy="5357812"/>
           </a:xfrm>
         </p:spPr>
@@ -35650,7 +35520,7 @@
           <p:cNvPr id="6" name="Picture 19">
             <a:extLst>
               <a:ext uri="{FF2B5EF4-FFF2-40B4-BE49-F238E27FC236}">
-                <a16:creationId xmlns:a16="http://schemas.microsoft.com/office/drawing/2014/main" id="{774A5F02-DF3C-45AD-AF4A-BDF08BB6768B}"/>
+                <a16:creationId xmlns:a16="http://schemas.microsoft.com/office/drawing/2014/main" id="{B9E3A4FB-DA29-43FC-87FB-A10E80101AE0}"/>
               </a:ext>
             </a:extLst>
           </p:cNvPr>
@@ -35674,7 +35544,7 @@
         </p:blipFill>
         <p:spPr bwMode="auto">
           <a:xfrm>
-            <a:off x="5524500" y="3786188"/>
+            <a:off x="4000500" y="3786188"/>
             <a:ext cx="5143500" cy="1879600"/>
           </a:xfrm>
           <a:prstGeom prst="rect">
@@ -35710,7 +35580,7 @@
           <p:cNvPr id="5" name="Picture 18">
             <a:extLst>
               <a:ext uri="{FF2B5EF4-FFF2-40B4-BE49-F238E27FC236}">
-                <a16:creationId xmlns:a16="http://schemas.microsoft.com/office/drawing/2014/main" id="{3E8099AD-7BE6-48FB-B5F5-C781E3BFDD14}"/>
+                <a16:creationId xmlns:a16="http://schemas.microsoft.com/office/drawing/2014/main" id="{E3A526D8-9F94-41CF-B168-94690CA117E2}"/>
               </a:ext>
             </a:extLst>
           </p:cNvPr>
@@ -35734,7 +35604,7 @@
         </p:blipFill>
         <p:spPr bwMode="auto">
           <a:xfrm>
-            <a:off x="1738313" y="5126038"/>
+            <a:off x="214313" y="5126038"/>
             <a:ext cx="5143500" cy="1731962"/>
           </a:xfrm>
           <a:prstGeom prst="rect">
@@ -35992,7 +35862,7 @@
           <p:cNvPr id="64514" name="内容占位符 1">
             <a:extLst>
               <a:ext uri="{FF2B5EF4-FFF2-40B4-BE49-F238E27FC236}">
-                <a16:creationId xmlns:a16="http://schemas.microsoft.com/office/drawing/2014/main" id="{C901D7D0-3CBD-4C96-9DB4-E38C9F1F2F4F}"/>
+                <a16:creationId xmlns:a16="http://schemas.microsoft.com/office/drawing/2014/main" id="{18CEAE8C-8312-47F3-A9B0-69F6F52784D1}"/>
               </a:ext>
             </a:extLst>
           </p:cNvPr>
@@ -36005,7 +35875,7 @@
         </p:nvSpPr>
         <p:spPr>
           <a:xfrm>
-            <a:off x="1981200" y="1071563"/>
+            <a:off x="457200" y="1071563"/>
             <a:ext cx="8686800" cy="5357812"/>
           </a:xfrm>
         </p:spPr>
@@ -36089,7 +35959,7 @@
           <p:cNvPr id="3" name="Picture 11">
             <a:extLst>
               <a:ext uri="{FF2B5EF4-FFF2-40B4-BE49-F238E27FC236}">
-                <a16:creationId xmlns:a16="http://schemas.microsoft.com/office/drawing/2014/main" id="{EDB652CC-3F72-413C-90AA-5C907C6E4E70}"/>
+                <a16:creationId xmlns:a16="http://schemas.microsoft.com/office/drawing/2014/main" id="{25CC92B7-09B7-4E21-8D04-E8E0C174AEBC}"/>
               </a:ext>
             </a:extLst>
           </p:cNvPr>
@@ -36113,7 +35983,7 @@
         </p:blipFill>
         <p:spPr bwMode="auto">
           <a:xfrm>
-            <a:off x="1524000" y="3357564"/>
+            <a:off x="0" y="3357563"/>
             <a:ext cx="9144000" cy="3138487"/>
           </a:xfrm>
           <a:prstGeom prst="rect">
@@ -36149,7 +36019,7 @@
           <p:cNvPr id="64516" name="矩形 3">
             <a:extLst>
               <a:ext uri="{FF2B5EF4-FFF2-40B4-BE49-F238E27FC236}">
-                <a16:creationId xmlns:a16="http://schemas.microsoft.com/office/drawing/2014/main" id="{92943769-22F5-4AB5-9030-DBB592442789}"/>
+                <a16:creationId xmlns:a16="http://schemas.microsoft.com/office/drawing/2014/main" id="{04421509-7C4B-4FB8-9488-88662069EBAB}"/>
               </a:ext>
             </a:extLst>
           </p:cNvPr>
@@ -36160,7 +36030,7 @@
         </p:nvSpPr>
         <p:spPr bwMode="auto">
           <a:xfrm>
-            <a:off x="7248526" y="4149725"/>
+            <a:off x="5724525" y="4149725"/>
             <a:ext cx="3057525" cy="522288"/>
           </a:xfrm>
           <a:prstGeom prst="rect">
@@ -36506,7 +36376,7 @@
           <p:cNvPr id="66562" name="内容占位符 1">
             <a:extLst>
               <a:ext uri="{FF2B5EF4-FFF2-40B4-BE49-F238E27FC236}">
-                <a16:creationId xmlns:a16="http://schemas.microsoft.com/office/drawing/2014/main" id="{D9E3C023-661A-4BA3-A411-C93979F31C49}"/>
+                <a16:creationId xmlns:a16="http://schemas.microsoft.com/office/drawing/2014/main" id="{1E8DE85F-9429-4BE0-89ED-BEE5BC5B8A37}"/>
               </a:ext>
             </a:extLst>
           </p:cNvPr>
@@ -36519,7 +36389,7 @@
         </p:nvSpPr>
         <p:spPr>
           <a:xfrm>
-            <a:off x="1981200" y="1071563"/>
+            <a:off x="457200" y="1071563"/>
             <a:ext cx="8186738" cy="5357812"/>
           </a:xfrm>
         </p:spPr>
@@ -36616,7 +36486,7 @@
           <p:cNvPr id="3" name="Picture 16">
             <a:extLst>
               <a:ext uri="{FF2B5EF4-FFF2-40B4-BE49-F238E27FC236}">
-                <a16:creationId xmlns:a16="http://schemas.microsoft.com/office/drawing/2014/main" id="{50A8B75A-CB06-47F7-877B-C2BE67E8C8F6}"/>
+                <a16:creationId xmlns:a16="http://schemas.microsoft.com/office/drawing/2014/main" id="{D9CE5B0C-4D1F-41FC-B8FD-8F698025562A}"/>
               </a:ext>
             </a:extLst>
           </p:cNvPr>
@@ -36640,7 +36510,7 @@
         </p:blipFill>
         <p:spPr bwMode="auto">
           <a:xfrm>
-            <a:off x="1524000" y="3598864"/>
+            <a:off x="0" y="3598863"/>
             <a:ext cx="9144000" cy="3286125"/>
           </a:xfrm>
           <a:prstGeom prst="rect">
@@ -36822,7 +36692,7 @@
           <p:cNvPr id="68610" name="内容占位符 1">
             <a:extLst>
               <a:ext uri="{FF2B5EF4-FFF2-40B4-BE49-F238E27FC236}">
-                <a16:creationId xmlns:a16="http://schemas.microsoft.com/office/drawing/2014/main" id="{8243F98D-F2A1-45CD-8D8D-25A3CB9A7F64}"/>
+                <a16:creationId xmlns:a16="http://schemas.microsoft.com/office/drawing/2014/main" id="{151E78D2-BAD5-412F-98E8-093C6FD558B0}"/>
               </a:ext>
             </a:extLst>
           </p:cNvPr>
@@ -36835,7 +36705,7 @@
         </p:nvSpPr>
         <p:spPr>
           <a:xfrm>
-            <a:off x="1981201" y="1071563"/>
+            <a:off x="457200" y="1071563"/>
             <a:ext cx="8435975" cy="5357812"/>
           </a:xfrm>
         </p:spPr>
@@ -36973,7 +36843,7 @@
           <p:cNvPr id="51203" name="矩形 2">
             <a:extLst>
               <a:ext uri="{FF2B5EF4-FFF2-40B4-BE49-F238E27FC236}">
-                <a16:creationId xmlns:a16="http://schemas.microsoft.com/office/drawing/2014/main" id="{0167991D-67B4-406B-9FA1-50F0CC8F151A}"/>
+                <a16:creationId xmlns:a16="http://schemas.microsoft.com/office/drawing/2014/main" id="{C35639A0-E006-4DDD-9F27-4E2F1E894F0B}"/>
               </a:ext>
             </a:extLst>
           </p:cNvPr>
@@ -36984,7 +36854,7 @@
         </p:nvSpPr>
         <p:spPr bwMode="auto">
           <a:xfrm>
-            <a:off x="2495550" y="5138739"/>
+            <a:off x="971550" y="5138738"/>
             <a:ext cx="7488238" cy="954087"/>
           </a:xfrm>
           <a:prstGeom prst="rect">
@@ -37386,7 +37256,7 @@
           <p:cNvPr id="69634" name="内容占位符 1">
             <a:extLst>
               <a:ext uri="{FF2B5EF4-FFF2-40B4-BE49-F238E27FC236}">
-                <a16:creationId xmlns:a16="http://schemas.microsoft.com/office/drawing/2014/main" id="{F7AC5107-882B-4110-B65C-4A712962645E}"/>
+                <a16:creationId xmlns:a16="http://schemas.microsoft.com/office/drawing/2014/main" id="{8F177A14-01EF-4928-899D-31D6C062FE64}"/>
               </a:ext>
             </a:extLst>
           </p:cNvPr>
@@ -37399,7 +37269,7 @@
         </p:nvSpPr>
         <p:spPr>
           <a:xfrm>
-            <a:off x="1981200" y="836613"/>
+            <a:off x="457200" y="836613"/>
             <a:ext cx="8186738" cy="5357812"/>
           </a:xfrm>
         </p:spPr>
@@ -37459,7 +37329,7 @@
           <p:cNvPr id="52227" name="Picture 9">
             <a:extLst>
               <a:ext uri="{FF2B5EF4-FFF2-40B4-BE49-F238E27FC236}">
-                <a16:creationId xmlns:a16="http://schemas.microsoft.com/office/drawing/2014/main" id="{D7831B61-D2AB-40BC-8860-539750E30ACB}"/>
+                <a16:creationId xmlns:a16="http://schemas.microsoft.com/office/drawing/2014/main" id="{0F1F05F8-D7BF-46F3-9133-FABF66357BFF}"/>
               </a:ext>
             </a:extLst>
           </p:cNvPr>
@@ -37483,7 +37353,7 @@
         </p:blipFill>
         <p:spPr bwMode="auto">
           <a:xfrm>
-            <a:off x="1620838" y="2997201"/>
+            <a:off x="96838" y="2997200"/>
             <a:ext cx="8939212" cy="2957513"/>
           </a:xfrm>
           <a:prstGeom prst="rect">
@@ -37673,7 +37543,7 @@
           <p:cNvPr id="70658" name="内容占位符 1">
             <a:extLst>
               <a:ext uri="{FF2B5EF4-FFF2-40B4-BE49-F238E27FC236}">
-                <a16:creationId xmlns:a16="http://schemas.microsoft.com/office/drawing/2014/main" id="{51E650A8-31D3-4F22-BF71-3396307CA699}"/>
+                <a16:creationId xmlns:a16="http://schemas.microsoft.com/office/drawing/2014/main" id="{E8B77A1F-B6E2-4151-BDEB-C56162CB4C1E}"/>
               </a:ext>
             </a:extLst>
           </p:cNvPr>
@@ -37686,7 +37556,7 @@
         </p:nvSpPr>
         <p:spPr>
           <a:xfrm>
-            <a:off x="1981200" y="836613"/>
+            <a:off x="457200" y="836613"/>
             <a:ext cx="8186738" cy="5357812"/>
           </a:xfrm>
         </p:spPr>
@@ -37761,7 +37631,7 @@
           <p:cNvPr id="53251" name="Picture 9">
             <a:extLst>
               <a:ext uri="{FF2B5EF4-FFF2-40B4-BE49-F238E27FC236}">
-                <a16:creationId xmlns:a16="http://schemas.microsoft.com/office/drawing/2014/main" id="{D6E53A5A-D103-4D00-8BD4-3FD0772FCC9C}"/>
+                <a16:creationId xmlns:a16="http://schemas.microsoft.com/office/drawing/2014/main" id="{73454A9D-497C-4C68-BD20-96C9C8669823}"/>
               </a:ext>
             </a:extLst>
           </p:cNvPr>
@@ -37785,7 +37655,7 @@
         </p:blipFill>
         <p:spPr bwMode="auto">
           <a:xfrm>
-            <a:off x="1774826" y="2801939"/>
+            <a:off x="250825" y="2801938"/>
             <a:ext cx="8543925" cy="3940175"/>
           </a:xfrm>
           <a:prstGeom prst="rect">
@@ -37975,7 +37845,7 @@
           <p:cNvPr id="71682" name="内容占位符 1">
             <a:extLst>
               <a:ext uri="{FF2B5EF4-FFF2-40B4-BE49-F238E27FC236}">
-                <a16:creationId xmlns:a16="http://schemas.microsoft.com/office/drawing/2014/main" id="{6AB9A127-48C5-4BE8-8FBF-539865ED6364}"/>
+                <a16:creationId xmlns:a16="http://schemas.microsoft.com/office/drawing/2014/main" id="{74F544DC-E47B-4D97-8AF1-8495205EA8A8}"/>
               </a:ext>
             </a:extLst>
           </p:cNvPr>
@@ -37988,7 +37858,7 @@
         </p:nvSpPr>
         <p:spPr>
           <a:xfrm>
-            <a:off x="1981200" y="1071563"/>
+            <a:off x="457200" y="1071563"/>
             <a:ext cx="8186738" cy="5357812"/>
           </a:xfrm>
         </p:spPr>
@@ -38103,7 +37973,7 @@
           <p:cNvPr id="71683" name="矩形 2">
             <a:extLst>
               <a:ext uri="{FF2B5EF4-FFF2-40B4-BE49-F238E27FC236}">
-                <a16:creationId xmlns:a16="http://schemas.microsoft.com/office/drawing/2014/main" id="{672B3C2E-C378-4EB9-A658-895A857CC920}"/>
+                <a16:creationId xmlns:a16="http://schemas.microsoft.com/office/drawing/2014/main" id="{A437DD02-3999-41C0-9AF3-9DCC098C9E69}"/>
               </a:ext>
             </a:extLst>
           </p:cNvPr>
@@ -38114,7 +37984,7 @@
         </p:nvSpPr>
         <p:spPr bwMode="auto">
           <a:xfrm>
-            <a:off x="4224338" y="5300663"/>
+            <a:off x="2700338" y="5300663"/>
             <a:ext cx="3416300" cy="646112"/>
           </a:xfrm>
           <a:prstGeom prst="rect">
@@ -38339,7 +38209,7 @@
           <p:cNvPr id="73730" name="内容占位符 1">
             <a:extLst>
               <a:ext uri="{FF2B5EF4-FFF2-40B4-BE49-F238E27FC236}">
-                <a16:creationId xmlns:a16="http://schemas.microsoft.com/office/drawing/2014/main" id="{E55A3BF5-C2B7-4CAC-9D44-299DC4831040}"/>
+                <a16:creationId xmlns:a16="http://schemas.microsoft.com/office/drawing/2014/main" id="{ECBBCCB9-FA14-4EE4-A9C0-F7D916D4EA1F}"/>
               </a:ext>
             </a:extLst>
           </p:cNvPr>
@@ -38352,7 +38222,7 @@
         </p:nvSpPr>
         <p:spPr>
           <a:xfrm>
-            <a:off x="1774825" y="1071564"/>
+            <a:off x="250825" y="1071563"/>
             <a:ext cx="8686800" cy="5526087"/>
           </a:xfrm>
         </p:spPr>
@@ -38514,7 +38384,7 @@
           <p:cNvPr id="74754" name="内容占位符 1">
             <a:extLst>
               <a:ext uri="{FF2B5EF4-FFF2-40B4-BE49-F238E27FC236}">
-                <a16:creationId xmlns:a16="http://schemas.microsoft.com/office/drawing/2014/main" id="{A80E780B-9C84-46C4-98A3-67655BAEF725}"/>
+                <a16:creationId xmlns:a16="http://schemas.microsoft.com/office/drawing/2014/main" id="{AC6BF68C-26A7-4A04-9C81-BBE4689E4839}"/>
               </a:ext>
             </a:extLst>
           </p:cNvPr>
@@ -38527,7 +38397,7 @@
         </p:nvSpPr>
         <p:spPr>
           <a:xfrm>
-            <a:off x="1981200" y="1071563"/>
+            <a:off x="457200" y="1071563"/>
             <a:ext cx="8186738" cy="5357812"/>
           </a:xfrm>
         </p:spPr>
@@ -38630,7 +38500,7 @@
           <p:cNvPr id="55299" name="Picture 4">
             <a:extLst>
               <a:ext uri="{FF2B5EF4-FFF2-40B4-BE49-F238E27FC236}">
-                <a16:creationId xmlns:a16="http://schemas.microsoft.com/office/drawing/2014/main" id="{0A0EC63E-C47A-4AF5-BD96-39645088E422}"/>
+                <a16:creationId xmlns:a16="http://schemas.microsoft.com/office/drawing/2014/main" id="{ED3A2E66-7BDC-4A90-9E41-1C59C0A79D11}"/>
               </a:ext>
             </a:extLst>
           </p:cNvPr>
@@ -38654,7 +38524,7 @@
         </p:blipFill>
         <p:spPr bwMode="auto">
           <a:xfrm>
-            <a:off x="2495550" y="3284539"/>
+            <a:off x="971550" y="3284538"/>
             <a:ext cx="7450138" cy="2693987"/>
           </a:xfrm>
           <a:prstGeom prst="rect">
@@ -38836,7 +38706,7 @@
           <p:cNvPr id="19458" name="内容占位符 1">
             <a:extLst>
               <a:ext uri="{FF2B5EF4-FFF2-40B4-BE49-F238E27FC236}">
-                <a16:creationId xmlns:a16="http://schemas.microsoft.com/office/drawing/2014/main" id="{6531BF26-1233-4A8A-8D50-0A0787D2FA02}"/>
+                <a16:creationId xmlns:a16="http://schemas.microsoft.com/office/drawing/2014/main" id="{0002FB61-FF1D-496A-9607-CA9E24261214}"/>
               </a:ext>
             </a:extLst>
           </p:cNvPr>
@@ -38849,7 +38719,7 @@
         </p:nvSpPr>
         <p:spPr>
           <a:xfrm>
-            <a:off x="1981200" y="1071563"/>
+            <a:off x="457200" y="1071563"/>
             <a:ext cx="8186738" cy="5357812"/>
           </a:xfrm>
         </p:spPr>
@@ -38872,7 +38742,7 @@
           <p:cNvPr id="19459" name="图片 2" descr="图片11 拷贝.jpg">
             <a:extLst>
               <a:ext uri="{FF2B5EF4-FFF2-40B4-BE49-F238E27FC236}">
-                <a16:creationId xmlns:a16="http://schemas.microsoft.com/office/drawing/2014/main" id="{DF4DF8CA-184E-4A16-BA39-18A91129C43A}"/>
+                <a16:creationId xmlns:a16="http://schemas.microsoft.com/office/drawing/2014/main" id="{27197B4C-6B67-4F1B-9703-0EE9F59FE36B}"/>
               </a:ext>
             </a:extLst>
           </p:cNvPr>
@@ -38896,7 +38766,7 @@
         </p:blipFill>
         <p:spPr bwMode="auto">
           <a:xfrm>
-            <a:off x="3024188" y="1143001"/>
+            <a:off x="1500188" y="1143000"/>
             <a:ext cx="6000750" cy="4348163"/>
           </a:xfrm>
           <a:prstGeom prst="rect">
@@ -38932,7 +38802,7 @@
           <p:cNvPr id="2" name="组合 3">
             <a:extLst>
               <a:ext uri="{FF2B5EF4-FFF2-40B4-BE49-F238E27FC236}">
-                <a16:creationId xmlns:a16="http://schemas.microsoft.com/office/drawing/2014/main" id="{D39BDFBA-59CA-45FB-8984-D6DE7C37AE14}"/>
+                <a16:creationId xmlns:a16="http://schemas.microsoft.com/office/drawing/2014/main" id="{F19373E0-997A-4B55-BCDD-B002C13E3D60}"/>
               </a:ext>
             </a:extLst>
           </p:cNvPr>
@@ -38943,7 +38813,7 @@
         </p:nvGrpSpPr>
         <p:grpSpPr bwMode="auto">
           <a:xfrm>
-            <a:off x="4238625" y="5072064"/>
+            <a:off x="2714625" y="5072063"/>
             <a:ext cx="1714500" cy="928687"/>
             <a:chOff x="2786050" y="5857892"/>
             <a:chExt cx="1714512" cy="928694"/>
@@ -38954,7 +38824,7 @@
             <p:cNvPr id="5" name="椭圆 4">
               <a:extLst>
                 <a:ext uri="{FF2B5EF4-FFF2-40B4-BE49-F238E27FC236}">
-                  <a16:creationId xmlns:a16="http://schemas.microsoft.com/office/drawing/2014/main" id="{0D539D80-5755-4262-867D-44661FA8F7A6}"/>
+                  <a16:creationId xmlns:a16="http://schemas.microsoft.com/office/drawing/2014/main" id="{88AC1893-EE83-4558-8692-7491DB316AF7}"/>
                 </a:ext>
               </a:extLst>
             </p:cNvPr>
@@ -39008,7 +38878,7 @@
             <p:cNvPr id="15384" name="TextBox 5">
               <a:extLst>
                 <a:ext uri="{FF2B5EF4-FFF2-40B4-BE49-F238E27FC236}">
-                  <a16:creationId xmlns:a16="http://schemas.microsoft.com/office/drawing/2014/main" id="{8536FE78-D344-4EF1-AAF8-DE9D0A6BB8CC}"/>
+                  <a16:creationId xmlns:a16="http://schemas.microsoft.com/office/drawing/2014/main" id="{DB1FE292-69DB-4862-AE10-E9453CFBBD85}"/>
                 </a:ext>
               </a:extLst>
             </p:cNvPr>
@@ -39217,7 +39087,7 @@
           <p:cNvPr id="3" name="组合 6">
             <a:extLst>
               <a:ext uri="{FF2B5EF4-FFF2-40B4-BE49-F238E27FC236}">
-                <a16:creationId xmlns:a16="http://schemas.microsoft.com/office/drawing/2014/main" id="{CB1C8935-E955-42F0-9031-95A763F8B0C3}"/>
+                <a16:creationId xmlns:a16="http://schemas.microsoft.com/office/drawing/2014/main" id="{4167C4B9-49D9-45DF-87A0-BF61FD89A0B3}"/>
               </a:ext>
             </a:extLst>
           </p:cNvPr>
@@ -39228,7 +39098,7 @@
         </p:nvGrpSpPr>
         <p:grpSpPr bwMode="auto">
           <a:xfrm>
-            <a:off x="4238626" y="5072064"/>
+            <a:off x="2714625" y="5072063"/>
             <a:ext cx="2428875" cy="928687"/>
             <a:chOff x="1714480" y="5857892"/>
             <a:chExt cx="2428892" cy="928694"/>
@@ -39239,7 +39109,7 @@
             <p:cNvPr id="8" name="椭圆 7">
               <a:extLst>
                 <a:ext uri="{FF2B5EF4-FFF2-40B4-BE49-F238E27FC236}">
-                  <a16:creationId xmlns:a16="http://schemas.microsoft.com/office/drawing/2014/main" id="{E3E13B42-AA88-4EDB-B4EA-34FCA2218F09}"/>
+                  <a16:creationId xmlns:a16="http://schemas.microsoft.com/office/drawing/2014/main" id="{B013820D-7A6B-4762-8AFD-EB4459D3A5A8}"/>
                 </a:ext>
               </a:extLst>
             </p:cNvPr>
@@ -39293,7 +39163,7 @@
             <p:cNvPr id="15382" name="TextBox 8">
               <a:extLst>
                 <a:ext uri="{FF2B5EF4-FFF2-40B4-BE49-F238E27FC236}">
-                  <a16:creationId xmlns:a16="http://schemas.microsoft.com/office/drawing/2014/main" id="{F394AA7F-CC2B-4377-B80A-A265399A3A56}"/>
+                  <a16:creationId xmlns:a16="http://schemas.microsoft.com/office/drawing/2014/main" id="{47FAE00E-C7DF-4DA3-BB19-3ED34533C5E1}"/>
                 </a:ext>
               </a:extLst>
             </p:cNvPr>
@@ -39502,7 +39372,7 @@
           <p:cNvPr id="4" name="组合 9">
             <a:extLst>
               <a:ext uri="{FF2B5EF4-FFF2-40B4-BE49-F238E27FC236}">
-                <a16:creationId xmlns:a16="http://schemas.microsoft.com/office/drawing/2014/main" id="{83169F44-155F-4075-A4E1-5EA4B87EEA42}"/>
+                <a16:creationId xmlns:a16="http://schemas.microsoft.com/office/drawing/2014/main" id="{23D7E537-0C58-4D37-BDAF-BD5698C3ADE8}"/>
               </a:ext>
             </a:extLst>
           </p:cNvPr>
@@ -39513,7 +39383,7 @@
         </p:nvGrpSpPr>
         <p:grpSpPr bwMode="auto">
           <a:xfrm>
-            <a:off x="4238625" y="5072064"/>
+            <a:off x="2714625" y="5072063"/>
             <a:ext cx="3163888" cy="928687"/>
             <a:chOff x="1020007" y="5857892"/>
             <a:chExt cx="3163179" cy="928694"/>
@@ -39524,7 +39394,7 @@
             <p:cNvPr id="11" name="椭圆 10">
               <a:extLst>
                 <a:ext uri="{FF2B5EF4-FFF2-40B4-BE49-F238E27FC236}">
-                  <a16:creationId xmlns:a16="http://schemas.microsoft.com/office/drawing/2014/main" id="{415FDBF8-A50A-42B3-851D-8D995FEA6E2A}"/>
+                  <a16:creationId xmlns:a16="http://schemas.microsoft.com/office/drawing/2014/main" id="{4F15D3BA-54AF-4DD5-8C17-E86E727ED40F}"/>
                 </a:ext>
               </a:extLst>
             </p:cNvPr>
@@ -39578,7 +39448,7 @@
             <p:cNvPr id="15380" name="TextBox 11">
               <a:extLst>
                 <a:ext uri="{FF2B5EF4-FFF2-40B4-BE49-F238E27FC236}">
-                  <a16:creationId xmlns:a16="http://schemas.microsoft.com/office/drawing/2014/main" id="{9B1DE252-10A3-4DDE-BC3D-6BCE3E5BC17D}"/>
+                  <a16:creationId xmlns:a16="http://schemas.microsoft.com/office/drawing/2014/main" id="{F7D1A644-ADFE-4BB1-AE44-6FC5702D579D}"/>
                 </a:ext>
               </a:extLst>
             </p:cNvPr>
@@ -39787,7 +39657,7 @@
           <p:cNvPr id="6" name="组合 12">
             <a:extLst>
               <a:ext uri="{FF2B5EF4-FFF2-40B4-BE49-F238E27FC236}">
-                <a16:creationId xmlns:a16="http://schemas.microsoft.com/office/drawing/2014/main" id="{399BCC18-203D-4B23-8439-C91B3CDC3DA2}"/>
+                <a16:creationId xmlns:a16="http://schemas.microsoft.com/office/drawing/2014/main" id="{684AF844-80B4-4009-90A0-308A3F16F9F0}"/>
               </a:ext>
             </a:extLst>
           </p:cNvPr>
@@ -39798,7 +39668,7 @@
         </p:nvGrpSpPr>
         <p:grpSpPr bwMode="auto">
           <a:xfrm>
-            <a:off x="4238625" y="5072064"/>
+            <a:off x="2714625" y="5072063"/>
             <a:ext cx="4000500" cy="928687"/>
             <a:chOff x="305627" y="5857892"/>
             <a:chExt cx="4000528" cy="928694"/>
@@ -39809,7 +39679,7 @@
             <p:cNvPr id="14" name="椭圆 13">
               <a:extLst>
                 <a:ext uri="{FF2B5EF4-FFF2-40B4-BE49-F238E27FC236}">
-                  <a16:creationId xmlns:a16="http://schemas.microsoft.com/office/drawing/2014/main" id="{918B4590-3245-4C6D-99A8-E0FB0FA24641}"/>
+                  <a16:creationId xmlns:a16="http://schemas.microsoft.com/office/drawing/2014/main" id="{922A6E6D-C347-4AC3-9C4D-215BD01E7506}"/>
                 </a:ext>
               </a:extLst>
             </p:cNvPr>
@@ -39863,7 +39733,7 @@
             <p:cNvPr id="15378" name="TextBox 14">
               <a:extLst>
                 <a:ext uri="{FF2B5EF4-FFF2-40B4-BE49-F238E27FC236}">
-                  <a16:creationId xmlns:a16="http://schemas.microsoft.com/office/drawing/2014/main" id="{E12BD90D-E820-4FE8-9920-E9B831FCE201}"/>
+                  <a16:creationId xmlns:a16="http://schemas.microsoft.com/office/drawing/2014/main" id="{F83B644A-40DC-47FE-BF91-4825823C488D}"/>
                 </a:ext>
               </a:extLst>
             </p:cNvPr>
@@ -40072,7 +39942,7 @@
           <p:cNvPr id="7" name="组合 15">
             <a:extLst>
               <a:ext uri="{FF2B5EF4-FFF2-40B4-BE49-F238E27FC236}">
-                <a16:creationId xmlns:a16="http://schemas.microsoft.com/office/drawing/2014/main" id="{166EBE3A-76A9-41B3-AD44-20EE72FA592C}"/>
+                <a16:creationId xmlns:a16="http://schemas.microsoft.com/office/drawing/2014/main" id="{32646CE4-EFC2-4BE2-BA6F-3D83A162D038}"/>
               </a:ext>
             </a:extLst>
           </p:cNvPr>
@@ -40083,10 +39953,10 @@
         </p:nvGrpSpPr>
         <p:grpSpPr bwMode="auto">
           <a:xfrm>
-            <a:off x="2452685" y="2143126"/>
-            <a:ext cx="1785940" cy="2714625"/>
-            <a:chOff x="2714610" y="5857892"/>
-            <a:chExt cx="1785952" cy="2714644"/>
+            <a:off x="928688" y="2143125"/>
+            <a:ext cx="1785937" cy="2714625"/>
+            <a:chOff x="2714613" y="5857892"/>
+            <a:chExt cx="1785949" cy="2714644"/>
           </a:xfrm>
         </p:grpSpPr>
         <p:sp>
@@ -40094,7 +39964,7 @@
             <p:cNvPr id="17" name="椭圆 16">
               <a:extLst>
                 <a:ext uri="{FF2B5EF4-FFF2-40B4-BE49-F238E27FC236}">
-                  <a16:creationId xmlns:a16="http://schemas.microsoft.com/office/drawing/2014/main" id="{8196B631-1292-46BB-9556-1F5C0E8F5B10}"/>
+                  <a16:creationId xmlns:a16="http://schemas.microsoft.com/office/drawing/2014/main" id="{07CA13B0-B154-4BBF-968E-784EAAE438FB}"/>
                 </a:ext>
               </a:extLst>
             </p:cNvPr>
@@ -40148,7 +40018,7 @@
             <p:cNvPr id="15376" name="TextBox 17">
               <a:extLst>
                 <a:ext uri="{FF2B5EF4-FFF2-40B4-BE49-F238E27FC236}">
-                  <a16:creationId xmlns:a16="http://schemas.microsoft.com/office/drawing/2014/main" id="{5171B0BD-0947-4596-985C-A388CCC3F350}"/>
+                  <a16:creationId xmlns:a16="http://schemas.microsoft.com/office/drawing/2014/main" id="{54007CC4-6E2B-417D-B9D5-127F99077E7F}"/>
                 </a:ext>
               </a:extLst>
             </p:cNvPr>
@@ -40159,8 +40029,8 @@
           </p:nvSpPr>
           <p:spPr bwMode="auto">
             <a:xfrm>
-              <a:off x="2714610" y="6786587"/>
-              <a:ext cx="461668" cy="1015670"/>
+              <a:off x="2714613" y="6786586"/>
+              <a:ext cx="461665" cy="1015663"/>
             </a:xfrm>
             <a:prstGeom prst="rect">
               <a:avLst/>
@@ -40357,7 +40227,7 @@
           <p:cNvPr id="9" name="组合 18">
             <a:extLst>
               <a:ext uri="{FF2B5EF4-FFF2-40B4-BE49-F238E27FC236}">
-                <a16:creationId xmlns:a16="http://schemas.microsoft.com/office/drawing/2014/main" id="{E52E500A-D9B7-4E98-8D10-16D5140F95FA}"/>
+                <a16:creationId xmlns:a16="http://schemas.microsoft.com/office/drawing/2014/main" id="{6297C0DD-21B3-481F-99C1-FD717048A5C0}"/>
               </a:ext>
             </a:extLst>
           </p:cNvPr>
@@ -40368,10 +40238,10 @@
         </p:nvGrpSpPr>
         <p:grpSpPr bwMode="auto">
           <a:xfrm>
-            <a:off x="2462075" y="1571626"/>
-            <a:ext cx="1776550" cy="3286125"/>
-            <a:chOff x="2761882" y="5286388"/>
-            <a:chExt cx="1777081" cy="3286148"/>
+            <a:off x="938213" y="1571625"/>
+            <a:ext cx="1776412" cy="3286125"/>
+            <a:chOff x="2762020" y="5286388"/>
+            <a:chExt cx="1776943" cy="3286148"/>
           </a:xfrm>
         </p:grpSpPr>
         <p:sp>
@@ -40379,7 +40249,7 @@
             <p:cNvPr id="20" name="椭圆 19">
               <a:extLst>
                 <a:ext uri="{FF2B5EF4-FFF2-40B4-BE49-F238E27FC236}">
-                  <a16:creationId xmlns:a16="http://schemas.microsoft.com/office/drawing/2014/main" id="{CA437130-9C1E-44AF-A081-285D416CB1F0}"/>
+                  <a16:creationId xmlns:a16="http://schemas.microsoft.com/office/drawing/2014/main" id="{A1A45777-5E86-435B-879A-1825CA30B482}"/>
                 </a:ext>
               </a:extLst>
             </p:cNvPr>
@@ -40433,7 +40303,7 @@
             <p:cNvPr id="15374" name="TextBox 20">
               <a:extLst>
                 <a:ext uri="{FF2B5EF4-FFF2-40B4-BE49-F238E27FC236}">
-                  <a16:creationId xmlns:a16="http://schemas.microsoft.com/office/drawing/2014/main" id="{2DEFB192-B86F-4171-A27F-3846F69BB3C5}"/>
+                  <a16:creationId xmlns:a16="http://schemas.microsoft.com/office/drawing/2014/main" id="{43538143-70B1-4499-B358-8208881694C0}"/>
                 </a:ext>
               </a:extLst>
             </p:cNvPr>
@@ -40444,8 +40314,8 @@
           </p:nvSpPr>
           <p:spPr bwMode="auto">
             <a:xfrm>
-              <a:off x="2761882" y="5286388"/>
-              <a:ext cx="461803" cy="1015670"/>
+              <a:off x="2762020" y="5286388"/>
+              <a:ext cx="461665" cy="1015663"/>
             </a:xfrm>
             <a:prstGeom prst="rect">
               <a:avLst/>
@@ -40642,7 +40512,7 @@
           <p:cNvPr id="10" name="组合 21">
             <a:extLst>
               <a:ext uri="{FF2B5EF4-FFF2-40B4-BE49-F238E27FC236}">
-                <a16:creationId xmlns:a16="http://schemas.microsoft.com/office/drawing/2014/main" id="{0602AB2E-A068-4A31-84C7-47C4183AB2EC}"/>
+                <a16:creationId xmlns:a16="http://schemas.microsoft.com/office/drawing/2014/main" id="{621A4C5B-6EFC-4A86-BC0E-7D16398D5B84}"/>
               </a:ext>
             </a:extLst>
           </p:cNvPr>
@@ -40653,7 +40523,7 @@
         </p:nvGrpSpPr>
         <p:grpSpPr bwMode="auto">
           <a:xfrm>
-            <a:off x="7596188" y="1201738"/>
+            <a:off x="6072188" y="1201738"/>
             <a:ext cx="2286000" cy="584200"/>
             <a:chOff x="6072198" y="1986969"/>
             <a:chExt cx="2286016" cy="584775"/>
@@ -40664,7 +40534,7 @@
             <p:cNvPr id="15371" name="TextBox 22">
               <a:extLst>
                 <a:ext uri="{FF2B5EF4-FFF2-40B4-BE49-F238E27FC236}">
-                  <a16:creationId xmlns:a16="http://schemas.microsoft.com/office/drawing/2014/main" id="{389737BB-9768-4BE0-A8AD-E23C9E6C5767}"/>
+                  <a16:creationId xmlns:a16="http://schemas.microsoft.com/office/drawing/2014/main" id="{9C8F5F0A-7194-4F3F-9FAD-3076D68DE5AF}"/>
                 </a:ext>
               </a:extLst>
             </p:cNvPr>
@@ -40889,7 +40759,7 @@
             <p:cNvPr id="24" name="椭圆 23">
               <a:extLst>
                 <a:ext uri="{FF2B5EF4-FFF2-40B4-BE49-F238E27FC236}">
-                  <a16:creationId xmlns:a16="http://schemas.microsoft.com/office/drawing/2014/main" id="{16FC3ECB-957A-4751-8057-2823EEEB20BB}"/>
+                  <a16:creationId xmlns:a16="http://schemas.microsoft.com/office/drawing/2014/main" id="{F9519615-9EE8-4FB9-9413-DD626909A16D}"/>
                 </a:ext>
               </a:extLst>
             </p:cNvPr>
@@ -41720,7 +41590,7 @@
           <p:cNvPr id="75778" name="内容占位符 1">
             <a:extLst>
               <a:ext uri="{FF2B5EF4-FFF2-40B4-BE49-F238E27FC236}">
-                <a16:creationId xmlns:a16="http://schemas.microsoft.com/office/drawing/2014/main" id="{A5D12964-3DA5-4B40-97C7-CB0B4BBC2CEA}"/>
+                <a16:creationId xmlns:a16="http://schemas.microsoft.com/office/drawing/2014/main" id="{3D643BB8-BEBA-4618-ABF7-7F74C0ACAE92}"/>
               </a:ext>
             </a:extLst>
           </p:cNvPr>
@@ -41733,7 +41603,7 @@
         </p:nvSpPr>
         <p:spPr>
           <a:xfrm>
-            <a:off x="1981200" y="1071563"/>
+            <a:off x="457200" y="1071563"/>
             <a:ext cx="8186738" cy="5357812"/>
           </a:xfrm>
         </p:spPr>
@@ -41780,7 +41650,7 @@
           <p:cNvPr id="56323" name="Picture 4">
             <a:extLst>
               <a:ext uri="{FF2B5EF4-FFF2-40B4-BE49-F238E27FC236}">
-                <a16:creationId xmlns:a16="http://schemas.microsoft.com/office/drawing/2014/main" id="{FF08161A-1AD7-4427-819F-9B3553B689E3}"/>
+                <a16:creationId xmlns:a16="http://schemas.microsoft.com/office/drawing/2014/main" id="{F9154332-EAC3-4457-8982-8CB6EA299B79}"/>
               </a:ext>
             </a:extLst>
           </p:cNvPr>
@@ -41804,7 +41674,7 @@
         </p:blipFill>
         <p:spPr bwMode="auto">
           <a:xfrm>
-            <a:off x="2157414" y="3068638"/>
+            <a:off x="633413" y="3068638"/>
             <a:ext cx="8224837" cy="3554412"/>
           </a:xfrm>
           <a:prstGeom prst="rect">
@@ -41986,7 +41856,7 @@
           <p:cNvPr id="76802" name="内容占位符 1">
             <a:extLst>
               <a:ext uri="{FF2B5EF4-FFF2-40B4-BE49-F238E27FC236}">
-                <a16:creationId xmlns:a16="http://schemas.microsoft.com/office/drawing/2014/main" id="{02DEF877-704A-4C55-8D3C-1E66412AC2D1}"/>
+                <a16:creationId xmlns:a16="http://schemas.microsoft.com/office/drawing/2014/main" id="{EF280652-14F0-48FA-B8CF-5D0377127586}"/>
               </a:ext>
             </a:extLst>
           </p:cNvPr>
@@ -41999,7 +41869,7 @@
         </p:nvSpPr>
         <p:spPr>
           <a:xfrm>
-            <a:off x="1981200" y="1071563"/>
+            <a:off x="457200" y="1071563"/>
             <a:ext cx="8186738" cy="5357812"/>
           </a:xfrm>
         </p:spPr>
@@ -42120,7 +41990,7 @@
           <p:cNvPr id="77826" name="内容占位符 1">
             <a:extLst>
               <a:ext uri="{FF2B5EF4-FFF2-40B4-BE49-F238E27FC236}">
-                <a16:creationId xmlns:a16="http://schemas.microsoft.com/office/drawing/2014/main" id="{ABB23B6A-9450-403F-B487-BE3F77B9CA53}"/>
+                <a16:creationId xmlns:a16="http://schemas.microsoft.com/office/drawing/2014/main" id="{7D72CA31-87F4-4974-AD90-1D453F25A006}"/>
               </a:ext>
             </a:extLst>
           </p:cNvPr>
@@ -42133,7 +42003,7 @@
         </p:nvSpPr>
         <p:spPr>
           <a:xfrm>
-            <a:off x="1981200" y="1071563"/>
+            <a:off x="457200" y="1071563"/>
             <a:ext cx="8186738" cy="5357812"/>
           </a:xfrm>
         </p:spPr>
@@ -42286,7 +42156,7 @@
           <p:cNvPr id="78850" name="内容占位符 1">
             <a:extLst>
               <a:ext uri="{FF2B5EF4-FFF2-40B4-BE49-F238E27FC236}">
-                <a16:creationId xmlns:a16="http://schemas.microsoft.com/office/drawing/2014/main" id="{59B3ADF9-EB83-4950-89C4-C7FD2F7C00B3}"/>
+                <a16:creationId xmlns:a16="http://schemas.microsoft.com/office/drawing/2014/main" id="{9076A786-F3B2-4AF9-9E75-C69DD0E69535}"/>
               </a:ext>
             </a:extLst>
           </p:cNvPr>
@@ -42299,7 +42169,7 @@
         </p:nvSpPr>
         <p:spPr>
           <a:xfrm>
-            <a:off x="1981200" y="1071563"/>
+            <a:off x="457200" y="1071563"/>
             <a:ext cx="8186738" cy="5357812"/>
           </a:xfrm>
         </p:spPr>
@@ -42496,7 +42366,7 @@
           <p:cNvPr id="79874" name="TextBox 7">
             <a:extLst>
               <a:ext uri="{FF2B5EF4-FFF2-40B4-BE49-F238E27FC236}">
-                <a16:creationId xmlns:a16="http://schemas.microsoft.com/office/drawing/2014/main" id="{34D2967C-6B94-46B6-B6DC-48A9042EA04F}"/>
+                <a16:creationId xmlns:a16="http://schemas.microsoft.com/office/drawing/2014/main" id="{C0365115-4AEA-4A74-86E5-618B5285692C}"/>
               </a:ext>
             </a:extLst>
           </p:cNvPr>
@@ -42507,8 +42377,8 @@
         </p:nvSpPr>
         <p:spPr bwMode="auto">
           <a:xfrm>
-            <a:off x="1809750" y="2593975"/>
-            <a:ext cx="2525050" cy="784830"/>
+            <a:off x="285750" y="2593975"/>
+            <a:ext cx="2679700" cy="784225"/>
           </a:xfrm>
           <a:prstGeom prst="rect">
             <a:avLst/>
@@ -42713,7 +42583,7 @@
           <p:cNvPr id="79875" name="图片 4" descr="图片1.jpg">
             <a:extLst>
               <a:ext uri="{FF2B5EF4-FFF2-40B4-BE49-F238E27FC236}">
-                <a16:creationId xmlns:a16="http://schemas.microsoft.com/office/drawing/2014/main" id="{5AE69551-AF66-4F6B-97D6-4917D45AD41A}"/>
+                <a16:creationId xmlns:a16="http://schemas.microsoft.com/office/drawing/2014/main" id="{B3D1C310-E4FB-4845-8F01-EC673627DAB9}"/>
               </a:ext>
             </a:extLst>
           </p:cNvPr>
@@ -42738,7 +42608,7 @@
         <p:spPr bwMode="auto">
           <a:xfrm>
             <a:off x="0" y="0"/>
-            <a:ext cx="12192000" cy="6858000"/>
+            <a:ext cx="9144000" cy="6858000"/>
           </a:xfrm>
           <a:prstGeom prst="rect">
             <a:avLst/>
@@ -42773,7 +42643,7 @@
           <p:cNvPr id="6" name="TextBox 5">
             <a:extLst>
               <a:ext uri="{FF2B5EF4-FFF2-40B4-BE49-F238E27FC236}">
-                <a16:creationId xmlns:a16="http://schemas.microsoft.com/office/drawing/2014/main" id="{52343708-5135-48DE-8B94-D738AB9A81B8}"/>
+                <a16:creationId xmlns:a16="http://schemas.microsoft.com/office/drawing/2014/main" id="{AD620DC9-EEB0-4526-B76D-E1B2EFE59706}"/>
               </a:ext>
             </a:extLst>
           </p:cNvPr>
@@ -42782,7 +42652,7 @@
         </p:nvSpPr>
         <p:spPr>
           <a:xfrm>
-            <a:off x="2595564" y="4429126"/>
+            <a:off x="1071563" y="4429125"/>
             <a:ext cx="4143375" cy="646113"/>
           </a:xfrm>
           <a:prstGeom prst="rect">
@@ -42980,7 +42850,7 @@
           <p:cNvPr id="17410" name="内容占位符 1">
             <a:extLst>
               <a:ext uri="{FF2B5EF4-FFF2-40B4-BE49-F238E27FC236}">
-                <a16:creationId xmlns:a16="http://schemas.microsoft.com/office/drawing/2014/main" id="{E7C13281-0473-4263-B557-49B240A2031D}"/>
+                <a16:creationId xmlns:a16="http://schemas.microsoft.com/office/drawing/2014/main" id="{5EF83E01-CA95-4537-8B23-BDEE9EBDBCA0}"/>
               </a:ext>
             </a:extLst>
           </p:cNvPr>
@@ -42993,7 +42863,7 @@
         </p:nvSpPr>
         <p:spPr>
           <a:xfrm>
-            <a:off x="1981200" y="1071563"/>
+            <a:off x="457200" y="1071563"/>
             <a:ext cx="8186738" cy="5357812"/>
           </a:xfrm>
         </p:spPr>
@@ -43019,7 +42889,7 @@
           <p:cNvPr id="17411" name="AutoShape 7" descr="http://t1.baidu.com/it/u=2109447615,3810298372&amp;fm=23&amp;gp=0.jpg">
             <a:extLst>
               <a:ext uri="{FF2B5EF4-FFF2-40B4-BE49-F238E27FC236}">
-                <a16:creationId xmlns:a16="http://schemas.microsoft.com/office/drawing/2014/main" id="{751B7B34-F24A-476F-B427-1F3AAD845986}"/>
+                <a16:creationId xmlns:a16="http://schemas.microsoft.com/office/drawing/2014/main" id="{A7A12555-5884-4FD1-B30E-08C95D05A401}"/>
               </a:ext>
             </a:extLst>
           </p:cNvPr>
@@ -43030,7 +42900,7 @@
         </p:nvSpPr>
         <p:spPr bwMode="auto">
           <a:xfrm>
-            <a:off x="1679575" y="-144463"/>
+            <a:off x="155575" y="-144463"/>
             <a:ext cx="304800" cy="304801"/>
           </a:xfrm>
           <a:prstGeom prst="rect">
@@ -43221,7 +43091,7 @@
           <p:cNvPr id="17412" name="AutoShape 9" descr="http://t1.baidu.com/it/u=2109447615,3810298372&amp;fm=23&amp;gp=0.jpg">
             <a:extLst>
               <a:ext uri="{FF2B5EF4-FFF2-40B4-BE49-F238E27FC236}">
-                <a16:creationId xmlns:a16="http://schemas.microsoft.com/office/drawing/2014/main" id="{BE767478-FC19-44B2-A52A-CA368E342BC1}"/>
+                <a16:creationId xmlns:a16="http://schemas.microsoft.com/office/drawing/2014/main" id="{FF259497-6992-4BE7-AFE5-F96FF670EFBC}"/>
               </a:ext>
             </a:extLst>
           </p:cNvPr>
@@ -43232,7 +43102,7 @@
         </p:nvSpPr>
         <p:spPr bwMode="auto">
           <a:xfrm>
-            <a:off x="1679575" y="-144463"/>
+            <a:off x="155575" y="-144463"/>
             <a:ext cx="304800" cy="304801"/>
           </a:xfrm>
           <a:prstGeom prst="rect">
@@ -43423,7 +43293,7 @@
           <p:cNvPr id="17413" name="AutoShape 11" descr="http://t1.baidu.com/it/u=2109447615,3810298372&amp;fm=23&amp;gp=0.jpg">
             <a:extLst>
               <a:ext uri="{FF2B5EF4-FFF2-40B4-BE49-F238E27FC236}">
-                <a16:creationId xmlns:a16="http://schemas.microsoft.com/office/drawing/2014/main" id="{DAE8490D-9CC8-449F-8409-4A69141CDB82}"/>
+                <a16:creationId xmlns:a16="http://schemas.microsoft.com/office/drawing/2014/main" id="{6E1E71BA-5E5D-42DD-937D-386CF787C588}"/>
               </a:ext>
             </a:extLst>
           </p:cNvPr>
@@ -43434,7 +43304,7 @@
         </p:nvSpPr>
         <p:spPr bwMode="auto">
           <a:xfrm>
-            <a:off x="1679575" y="-144463"/>
+            <a:off x="155575" y="-144463"/>
             <a:ext cx="304800" cy="304801"/>
           </a:xfrm>
           <a:prstGeom prst="rect">
@@ -43625,7 +43495,7 @@
           <p:cNvPr id="17414" name="AutoShape 13" descr="http://t1.baidu.com/it/u=2109447615,3810298372&amp;fm=23&amp;gp=0.jpg">
             <a:extLst>
               <a:ext uri="{FF2B5EF4-FFF2-40B4-BE49-F238E27FC236}">
-                <a16:creationId xmlns:a16="http://schemas.microsoft.com/office/drawing/2014/main" id="{F55FBC05-3B82-412A-8EB2-9D888F242E04}"/>
+                <a16:creationId xmlns:a16="http://schemas.microsoft.com/office/drawing/2014/main" id="{913020BD-C02F-4E75-9A02-65AD9C7B4A52}"/>
               </a:ext>
             </a:extLst>
           </p:cNvPr>
@@ -43636,7 +43506,7 @@
         </p:nvSpPr>
         <p:spPr bwMode="auto">
           <a:xfrm>
-            <a:off x="1679575" y="-144463"/>
+            <a:off x="155575" y="-144463"/>
             <a:ext cx="304800" cy="304801"/>
           </a:xfrm>
           <a:prstGeom prst="rect">
@@ -43827,7 +43697,7 @@
           <p:cNvPr id="17415" name="AutoShape 15" descr="http://t1.baidu.com/it/u=2109447615,3810298372&amp;fm=23&amp;gp=0.jpg">
             <a:extLst>
               <a:ext uri="{FF2B5EF4-FFF2-40B4-BE49-F238E27FC236}">
-                <a16:creationId xmlns:a16="http://schemas.microsoft.com/office/drawing/2014/main" id="{3D095924-1936-4D6F-86B5-7A5804EF8A48}"/>
+                <a16:creationId xmlns:a16="http://schemas.microsoft.com/office/drawing/2014/main" id="{E4AC244A-689D-4056-AA0A-CB512389C024}"/>
               </a:ext>
             </a:extLst>
           </p:cNvPr>
@@ -43838,7 +43708,7 @@
         </p:nvSpPr>
         <p:spPr bwMode="auto">
           <a:xfrm>
-            <a:off x="1679575" y="-144463"/>
+            <a:off x="155575" y="-144463"/>
             <a:ext cx="304800" cy="304801"/>
           </a:xfrm>
           <a:prstGeom prst="rect">
@@ -44029,7 +43899,7 @@
           <p:cNvPr id="17416" name="AutoShape 18" descr="http://t3.baidu.com/it/u=2683230008,805302693&amp;fm=23&amp;gp=0.jpg">
             <a:extLst>
               <a:ext uri="{FF2B5EF4-FFF2-40B4-BE49-F238E27FC236}">
-                <a16:creationId xmlns:a16="http://schemas.microsoft.com/office/drawing/2014/main" id="{E787A48C-04B0-4056-8196-9273EB3D2EBE}"/>
+                <a16:creationId xmlns:a16="http://schemas.microsoft.com/office/drawing/2014/main" id="{2BBEFA63-F148-4FB1-93ED-D26B16401ED5}"/>
               </a:ext>
             </a:extLst>
           </p:cNvPr>
@@ -44040,7 +43910,7 @@
         </p:nvSpPr>
         <p:spPr bwMode="auto">
           <a:xfrm>
-            <a:off x="1679575" y="-144463"/>
+            <a:off x="155575" y="-144463"/>
             <a:ext cx="304800" cy="304801"/>
           </a:xfrm>
           <a:prstGeom prst="rect">
@@ -44231,7 +44101,7 @@
           <p:cNvPr id="17417" name="Picture 16">
             <a:extLst>
               <a:ext uri="{FF2B5EF4-FFF2-40B4-BE49-F238E27FC236}">
-                <a16:creationId xmlns:a16="http://schemas.microsoft.com/office/drawing/2014/main" id="{4B0E584C-D1DD-41AC-9FD8-9D43AA44BE80}"/>
+                <a16:creationId xmlns:a16="http://schemas.microsoft.com/office/drawing/2014/main" id="{3AEA96D9-8DC3-42C0-9208-082C5ABDCCD4}"/>
               </a:ext>
             </a:extLst>
           </p:cNvPr>
@@ -44255,7 +44125,7 @@
         </p:blipFill>
         <p:spPr bwMode="auto">
           <a:xfrm>
-            <a:off x="6411914" y="2427288"/>
+            <a:off x="4887913" y="2427288"/>
             <a:ext cx="2109787" cy="2736850"/>
           </a:xfrm>
           <a:prstGeom prst="rect">
@@ -44291,7 +44161,7 @@
           <p:cNvPr id="17418" name="Picture 19">
             <a:extLst>
               <a:ext uri="{FF2B5EF4-FFF2-40B4-BE49-F238E27FC236}">
-                <a16:creationId xmlns:a16="http://schemas.microsoft.com/office/drawing/2014/main" id="{70B8AE16-0E48-4B65-9FCE-B9042DAEB501}"/>
+                <a16:creationId xmlns:a16="http://schemas.microsoft.com/office/drawing/2014/main" id="{93D220AB-EF75-4DDE-B8EE-8AEB7EAE99CC}"/>
               </a:ext>
             </a:extLst>
           </p:cNvPr>
@@ -44315,7 +44185,7 @@
         </p:blipFill>
         <p:spPr bwMode="auto">
           <a:xfrm>
-            <a:off x="1847850" y="2481263"/>
+            <a:off x="323850" y="2481263"/>
             <a:ext cx="2336800" cy="2736850"/>
           </a:xfrm>
           <a:prstGeom prst="rect">
@@ -44351,7 +44221,7 @@
           <p:cNvPr id="17419" name="图片 1">
             <a:extLst>
               <a:ext uri="{FF2B5EF4-FFF2-40B4-BE49-F238E27FC236}">
-                <a16:creationId xmlns:a16="http://schemas.microsoft.com/office/drawing/2014/main" id="{FF113C74-5C3E-4BEC-B0C7-9022AF733CA1}"/>
+                <a16:creationId xmlns:a16="http://schemas.microsoft.com/office/drawing/2014/main" id="{B7109FD2-DB27-441E-8814-DD28A35BBFA4}"/>
               </a:ext>
             </a:extLst>
           </p:cNvPr>
@@ -44375,7 +44245,7 @@
         </p:blipFill>
         <p:spPr bwMode="auto">
           <a:xfrm>
-            <a:off x="8580438" y="2492375"/>
+            <a:off x="7056438" y="2492375"/>
             <a:ext cx="2087562" cy="2611438"/>
           </a:xfrm>
           <a:prstGeom prst="rect">
@@ -44411,7 +44281,7 @@
           <p:cNvPr id="17420" name="图片 2">
             <a:extLst>
               <a:ext uri="{FF2B5EF4-FFF2-40B4-BE49-F238E27FC236}">
-                <a16:creationId xmlns:a16="http://schemas.microsoft.com/office/drawing/2014/main" id="{037C0DE8-CD5C-454D-90C7-3887DECEA1A7}"/>
+                <a16:creationId xmlns:a16="http://schemas.microsoft.com/office/drawing/2014/main" id="{FA3DB792-6EB9-4407-B68B-5DA17FC31091}"/>
               </a:ext>
             </a:extLst>
           </p:cNvPr>
@@ -44435,7 +44305,7 @@
         </p:blipFill>
         <p:spPr bwMode="auto">
           <a:xfrm>
-            <a:off x="4224338" y="2492375"/>
+            <a:off x="2700338" y="2492375"/>
             <a:ext cx="2125662" cy="2736850"/>
           </a:xfrm>
           <a:prstGeom prst="rect">
@@ -44496,7 +44366,7 @@
           <p:cNvPr id="8195" name="内容占位符 2">
             <a:extLst>
               <a:ext uri="{FF2B5EF4-FFF2-40B4-BE49-F238E27FC236}">
-                <a16:creationId xmlns:a16="http://schemas.microsoft.com/office/drawing/2014/main" id="{507881DC-24CE-4691-BBE9-AC778196E1E7}"/>
+                <a16:creationId xmlns:a16="http://schemas.microsoft.com/office/drawing/2014/main" id="{BB25ABC4-FF59-437D-AF6C-CC0AB80BECC8}"/>
               </a:ext>
             </a:extLst>
           </p:cNvPr>
@@ -44509,7 +44379,7 @@
         </p:nvSpPr>
         <p:spPr>
           <a:xfrm>
-            <a:off x="1981200" y="1071563"/>
+            <a:off x="688975" y="998538"/>
             <a:ext cx="8186738" cy="5357812"/>
           </a:xfrm>
         </p:spPr>
@@ -44520,31 +44390,31 @@
             <a:pPr eaLnBrk="1" hangingPunct="1">
               <a:buFontTx/>
               <a:buBlip>
-                <a:blip r:embed="rId4"/>
+                <a:blip r:embed="rId3"/>
               </a:buBlip>
             </a:pPr>
             <a:r>
-              <a:rPr kumimoji="0" lang="zh-CN" altLang="en-US"/>
+              <a:rPr kumimoji="0" lang="zh-CN" altLang="en-US" dirty="0"/>
               <a:t>考核方式</a:t>
             </a:r>
-            <a:endParaRPr kumimoji="0" lang="en-US" altLang="zh-CN"/>
+            <a:endParaRPr kumimoji="0" lang="en-US" altLang="zh-CN" dirty="0"/>
           </a:p>
           <a:p>
             <a:pPr lvl="1" eaLnBrk="1" hangingPunct="1">
               <a:buFontTx/>
               <a:buBlip>
-                <a:blip r:embed="rId5"/>
+                <a:blip r:embed="rId4"/>
               </a:buBlip>
             </a:pPr>
             <a:r>
-              <a:rPr kumimoji="0" lang="zh-CN" altLang="en-US">
+              <a:rPr kumimoji="0" lang="zh-CN" altLang="en-US" dirty="0">
                 <a:solidFill>
                   <a:srgbClr val="FF0000"/>
                 </a:solidFill>
               </a:rPr>
               <a:t>选修课</a:t>
             </a:r>
-            <a:endParaRPr kumimoji="0" lang="en-US" altLang="zh-CN">
+            <a:endParaRPr kumimoji="0" lang="en-US" altLang="zh-CN" dirty="0">
               <a:solidFill>
                 <a:srgbClr val="FF0000"/>
               </a:solidFill>
@@ -44554,36 +44424,36 @@
             <a:pPr lvl="2" eaLnBrk="1" hangingPunct="1">
               <a:buFontTx/>
               <a:buBlip>
-                <a:blip r:embed="rId5"/>
+                <a:blip r:embed="rId4"/>
               </a:buBlip>
             </a:pPr>
             <a:r>
-              <a:rPr kumimoji="0" lang="en-US" altLang="zh-CN"/>
-              <a:t>34</a:t>
-            </a:r>
-            <a:r>
-              <a:rPr kumimoji="0" lang="zh-CN" altLang="en-US"/>
+              <a:rPr kumimoji="0" lang="en-US" altLang="zh-CN" dirty="0"/>
+              <a:t>32</a:t>
+            </a:r>
+            <a:r>
+              <a:rPr kumimoji="0" lang="zh-CN" altLang="en-US" dirty="0"/>
               <a:t>学时、</a:t>
             </a:r>
             <a:r>
-              <a:rPr kumimoji="0" lang="en-US" altLang="zh-CN"/>
+              <a:rPr kumimoji="0" lang="en-US" altLang="zh-CN" dirty="0"/>
               <a:t>2</a:t>
             </a:r>
             <a:r>
-              <a:rPr kumimoji="0" lang="zh-CN" altLang="en-US"/>
+              <a:rPr kumimoji="0" lang="zh-CN" altLang="en-US" dirty="0"/>
               <a:t>学分</a:t>
             </a:r>
-            <a:endParaRPr kumimoji="0" lang="en-US" altLang="zh-CN"/>
+            <a:endParaRPr kumimoji="0" lang="en-US" altLang="zh-CN" dirty="0"/>
           </a:p>
           <a:p>
             <a:pPr lvl="1" eaLnBrk="1" hangingPunct="1">
               <a:buFontTx/>
               <a:buBlip>
-                <a:blip r:embed="rId5"/>
+                <a:blip r:embed="rId4"/>
               </a:buBlip>
             </a:pPr>
             <a:r>
-              <a:rPr kumimoji="0" lang="zh-CN" altLang="en-US">
+              <a:rPr kumimoji="0" lang="zh-CN" altLang="en-US" dirty="0">
                 <a:solidFill>
                   <a:srgbClr val="FF0000"/>
                 </a:solidFill>
@@ -44591,31 +44461,31 @@
               <a:t>平时成绩：</a:t>
             </a:r>
             <a:r>
-              <a:rPr kumimoji="0" lang="en-US" altLang="zh-CN">
+              <a:rPr kumimoji="0" lang="en-US" altLang="zh-CN" dirty="0">
                 <a:solidFill>
                   <a:srgbClr val="FF0000"/>
                 </a:solidFill>
               </a:rPr>
-              <a:t>30%</a:t>
+              <a:t>70%</a:t>
             </a:r>
           </a:p>
           <a:p>
             <a:pPr lvl="2" eaLnBrk="1" hangingPunct="1">
               <a:buFontTx/>
               <a:buBlip>
-                <a:blip r:embed="rId5"/>
+                <a:blip r:embed="rId4"/>
               </a:buBlip>
             </a:pPr>
             <a:r>
-              <a:rPr kumimoji="0" lang="zh-CN" altLang="en-US"/>
+              <a:rPr kumimoji="0" lang="zh-CN" altLang="en-US" dirty="0"/>
               <a:t>平时表现：</a:t>
             </a:r>
             <a:r>
-              <a:rPr kumimoji="0" lang="en-US" altLang="zh-CN"/>
-              <a:t>10%</a:t>
-            </a:r>
-            <a:r>
-              <a:rPr kumimoji="0" lang="zh-CN" altLang="en-US"/>
+              <a:rPr kumimoji="0" lang="en-US" altLang="zh-CN" dirty="0"/>
+              <a:t>15%</a:t>
+            </a:r>
+            <a:r>
+              <a:rPr kumimoji="0" lang="zh-CN" altLang="en-US" dirty="0"/>
               <a:t>（课堂提问、课堂纪律、课堂出勤）</a:t>
             </a:r>
           </a:p>
@@ -44623,27 +44493,27 @@
             <a:pPr lvl="2" eaLnBrk="1" hangingPunct="1">
               <a:buFontTx/>
               <a:buBlip>
-                <a:blip r:embed="rId5"/>
+                <a:blip r:embed="rId4"/>
               </a:buBlip>
             </a:pPr>
             <a:r>
-              <a:rPr kumimoji="0" lang="zh-CN" altLang="en-US"/>
-              <a:t>平时作业：</a:t>
-            </a:r>
-            <a:r>
-              <a:rPr kumimoji="0" lang="en-US" altLang="zh-CN"/>
-              <a:t>20%</a:t>
+              <a:rPr kumimoji="0" lang="zh-CN" altLang="en-US" dirty="0"/>
+              <a:t>雪梨平时作业：</a:t>
+            </a:r>
+            <a:r>
+              <a:rPr kumimoji="0" lang="en-US" altLang="zh-CN" dirty="0"/>
+              <a:t>55%</a:t>
             </a:r>
           </a:p>
           <a:p>
             <a:pPr lvl="1" eaLnBrk="1" hangingPunct="1">
               <a:buFontTx/>
               <a:buBlip>
-                <a:blip r:embed="rId5"/>
+                <a:blip r:embed="rId4"/>
               </a:buBlip>
             </a:pPr>
             <a:r>
-              <a:rPr kumimoji="0" lang="zh-CN" altLang="en-US">
+              <a:rPr kumimoji="0" lang="zh-CN" altLang="en-US" dirty="0">
                 <a:solidFill>
                   <a:srgbClr val="FF0000"/>
                 </a:solidFill>
@@ -44651,34 +44521,60 @@
               <a:t>期末成绩：</a:t>
             </a:r>
             <a:r>
-              <a:rPr kumimoji="0" lang="en-US" altLang="zh-CN">
+              <a:rPr kumimoji="0" lang="en-US" altLang="zh-CN" dirty="0">
                 <a:solidFill>
                   <a:srgbClr val="FF0000"/>
                 </a:solidFill>
               </a:rPr>
-              <a:t>70%</a:t>
+              <a:t>30%</a:t>
             </a:r>
           </a:p>
           <a:p>
             <a:pPr lvl="2" eaLnBrk="1" hangingPunct="1">
               <a:buFontTx/>
               <a:buBlip>
-                <a:blip r:embed="rId5"/>
+                <a:blip r:embed="rId4"/>
               </a:buBlip>
             </a:pPr>
             <a:r>
-              <a:rPr kumimoji="0" lang="zh-CN" altLang="en-US"/>
+              <a:rPr kumimoji="0" lang="zh-CN" altLang="en-US" dirty="0"/>
               <a:t>考试形式：闭卷、笔试</a:t>
             </a:r>
+            <a:endParaRPr kumimoji="0" lang="en-US" altLang="zh-CN" dirty="0"/>
           </a:p>
           <a:p>
-            <a:pPr eaLnBrk="1" hangingPunct="1">
-              <a:buFontTx/>
+            <a:pPr lvl="1" eaLnBrk="1" hangingPunct="1">
               <a:buBlip>
                 <a:blip r:embed="rId4"/>
               </a:buBlip>
             </a:pPr>
-            <a:endParaRPr kumimoji="0" lang="zh-CN" altLang="en-US"/>
+            <a:r>
+              <a:rPr kumimoji="0" lang="zh-CN" altLang="en-US" sz="2000" dirty="0"/>
+              <a:t>课程资料：</a:t>
+            </a:r>
+            <a:r>
+              <a:rPr kumimoji="0" lang="en-US" altLang="zh-CN" sz="2000" dirty="0">
+                <a:hlinkClick r:id="rId5"/>
+              </a:rPr>
+              <a:t>https://github.com/edu2act/course-Software-architecture</a:t>
+            </a:r>
+            <a:endParaRPr kumimoji="0" lang="en-US" altLang="zh-CN" dirty="0"/>
+          </a:p>
+          <a:p>
+            <a:pPr lvl="1" eaLnBrk="1" hangingPunct="1">
+              <a:buBlip>
+                <a:blip r:embed="rId4"/>
+              </a:buBlip>
+            </a:pPr>
+            <a:r>
+              <a:rPr kumimoji="0" lang="zh-CN" altLang="en-US" sz="2000" dirty="0"/>
+              <a:t>雪梨作业平台：</a:t>
+            </a:r>
+            <a:r>
+              <a:rPr kumimoji="0" lang="en-US" altLang="zh-CN" sz="2000" dirty="0"/>
+              <a:t>http://www.edu2act.cn/team/20192020-di-er-xue-qi-ruan-jian-ti-xi-jie-gou-ke-c/</a:t>
+            </a:r>
+            <a:endParaRPr kumimoji="0" lang="zh-CN" altLang="en-US" sz="2000" dirty="0"/>
           </a:p>
         </p:txBody>
       </p:sp>
@@ -44687,7 +44583,7 @@
           <p:cNvPr id="19459" name="页脚占位符 3">
             <a:extLst>
               <a:ext uri="{FF2B5EF4-FFF2-40B4-BE49-F238E27FC236}">
-                <a16:creationId xmlns:a16="http://schemas.microsoft.com/office/drawing/2014/main" id="{06314B95-0121-4E42-A20B-D80BEC3349FE}"/>
+                <a16:creationId xmlns:a16="http://schemas.microsoft.com/office/drawing/2014/main" id="{11D87CF7-BAA9-4FE8-B602-DC7248F58D20}"/>
               </a:ext>
             </a:extLst>
           </p:cNvPr>
@@ -44700,7 +44596,7 @@
         </p:nvSpPr>
         <p:spPr bwMode="auto">
           <a:xfrm>
-            <a:off x="1524000" y="6356351"/>
+            <a:off x="0" y="6356350"/>
             <a:ext cx="2895600" cy="365125"/>
           </a:xfrm>
           <a:noFill/>
@@ -44906,7 +44802,7 @@
           <p:cNvPr id="19460" name="灯片编号占位符 4">
             <a:extLst>
               <a:ext uri="{FF2B5EF4-FFF2-40B4-BE49-F238E27FC236}">
-                <a16:creationId xmlns:a16="http://schemas.microsoft.com/office/drawing/2014/main" id="{3BA59023-666B-44E4-9B72-D8481F3AAA6C}"/>
+                <a16:creationId xmlns:a16="http://schemas.microsoft.com/office/drawing/2014/main" id="{56064716-EA40-449D-8857-EE502988C259}"/>
               </a:ext>
             </a:extLst>
           </p:cNvPr>
@@ -44919,7 +44815,7 @@
         </p:nvSpPr>
         <p:spPr bwMode="auto">
           <a:xfrm>
-            <a:off x="8534400" y="6356351"/>
+            <a:off x="7010400" y="6356350"/>
             <a:ext cx="2133600" cy="365125"/>
           </a:xfrm>
           <a:noFill/>
@@ -45093,8 +44989,8 @@
               <a:buFontTx/>
               <a:buNone/>
             </a:pPr>
-            <a:fld id="{F4E23A03-5FCF-4473-8454-ACBD1141DF3B}" type="slidenum">
-              <a:rPr kumimoji="0" lang="en-US" altLang="zh-CN" sz="1200">
+            <a:fld id="{BCCD94BC-D680-41DB-83AA-3D7A28A52BD9}" type="slidenum">
+              <a:rPr kumimoji="0" lang="en-US" altLang="zh-CN" sz="1200" smtClean="0">
                 <a:solidFill>
                   <a:srgbClr val="898989"/>
                 </a:solidFill>
@@ -45116,95 +45012,6 @@
           </a:p>
         </p:txBody>
       </p:sp>
-      <p:graphicFrame>
-        <p:nvGraphicFramePr>
-          <p:cNvPr id="8194" name="图表 5">
-            <a:extLst>
-              <a:ext uri="{FF2B5EF4-FFF2-40B4-BE49-F238E27FC236}">
-                <a16:creationId xmlns:a16="http://schemas.microsoft.com/office/drawing/2014/main" id="{B26BF1D3-7974-4DAE-BDB6-95A0D8E4F550}"/>
-              </a:ext>
-            </a:extLst>
-          </p:cNvPr>
-          <p:cNvGraphicFramePr>
-            <a:graphicFrameLocks/>
-          </p:cNvGraphicFramePr>
-          <p:nvPr/>
-        </p:nvGraphicFramePr>
-        <p:xfrm>
-          <a:off x="6386513" y="3863975"/>
-          <a:ext cx="4064000" cy="2844800"/>
-        </p:xfrm>
-        <a:graphic>
-          <a:graphicData uri="http://schemas.openxmlformats.org/presentationml/2006/ole">
-            <mc:AlternateContent xmlns:mc="http://schemas.openxmlformats.org/markup-compatibility/2006">
-              <mc:Choice xmlns:v="urn:schemas-microsoft-com:vml" Requires="v">
-                <p:oleObj spid="_x0000_s19472" name="Chart" r:id="rId6" imgW="4076626" imgH="2857631" progId="Excel.Chart.8">
-                  <p:embed/>
-                </p:oleObj>
-              </mc:Choice>
-              <mc:Fallback>
-                <p:oleObj name="Chart" r:id="rId6" imgW="4076626" imgH="2857631" progId="Excel.Chart.8">
-                  <p:embed/>
-                  <p:pic>
-                    <p:nvPicPr>
-                      <p:cNvPr id="0" name="图表 5"/>
-                      <p:cNvPicPr>
-                        <a:picLocks noChangeArrowheads="1"/>
-                      </p:cNvPicPr>
-                      <p:nvPr/>
-                    </p:nvPicPr>
-                    <p:blipFill>
-                      <a:blip r:embed="rId7">
-                        <a:extLst>
-                          <a:ext uri="{28A0092B-C50C-407E-A947-70E740481C1C}">
-                            <a14:useLocalDpi xmlns:a14="http://schemas.microsoft.com/office/drawing/2010/main" val="0"/>
-                          </a:ext>
-                        </a:extLst>
-                      </a:blip>
-                      <a:srcRect/>
-                      <a:stretch>
-                        <a:fillRect/>
-                      </a:stretch>
-                    </p:blipFill>
-                    <p:spPr bwMode="auto">
-                      <a:xfrm>
-                        <a:off x="6386513" y="3863975"/>
-                        <a:ext cx="4064000" cy="2844800"/>
-                      </a:xfrm>
-                      <a:prstGeom prst="rect">
-                        <a:avLst/>
-                      </a:prstGeom>
-                      <a:noFill/>
-                      <a:ln>
-                        <a:noFill/>
-                      </a:ln>
-                      <a:extLst>
-                        <a:ext uri="{909E8E84-426E-40DD-AFC4-6F175D3DCCD1}">
-                          <a14:hiddenFill xmlns:a14="http://schemas.microsoft.com/office/drawing/2010/main">
-                            <a:solidFill>
-                              <a:srgbClr val="FFFFFF"/>
-                            </a:solidFill>
-                          </a14:hiddenFill>
-                        </a:ext>
-                        <a:ext uri="{91240B29-F687-4F45-9708-019B960494DF}">
-                          <a14:hiddenLine xmlns:a14="http://schemas.microsoft.com/office/drawing/2010/main" w="9525">
-                            <a:solidFill>
-                              <a:srgbClr val="000000"/>
-                            </a:solidFill>
-                            <a:miter lim="800000"/>
-                            <a:headEnd/>
-                            <a:tailEnd/>
-                          </a14:hiddenLine>
-                        </a:ext>
-                      </a:extLst>
-                    </p:spPr>
-                  </p:pic>
-                </p:oleObj>
-              </mc:Fallback>
-            </mc:AlternateContent>
-          </a:graphicData>
-        </a:graphic>
-      </p:graphicFrame>
     </p:spTree>
   </p:cSld>
   <p:clrMapOvr>
@@ -45861,39 +45668,25 @@
                                   </p:childTnLst>
                                 </p:cTn>
                               </p:par>
-                            </p:childTnLst>
-                          </p:cTn>
-                        </p:par>
-                      </p:childTnLst>
-                    </p:cTn>
-                  </p:par>
-                  <p:par>
-                    <p:cTn id="37" fill="hold" nodeType="clickPar">
-                      <p:stCondLst>
-                        <p:cond delay="indefinite"/>
-                      </p:stCondLst>
-                      <p:childTnLst>
-                        <p:par>
-                          <p:cTn id="38" fill="hold" nodeType="withGroup">
-                            <p:stCondLst>
-                              <p:cond delay="0"/>
-                            </p:stCondLst>
-                            <p:childTnLst>
                               <p:par>
-                                <p:cTn id="39" presetID="55" presetClass="entr" presetSubtype="0" fill="hold" grpId="0" nodeType="clickEffect">
+                                <p:cTn id="37" presetID="2" presetClass="entr" presetSubtype="4" fill="hold" nodeType="withEffect">
                                   <p:stCondLst>
                                     <p:cond delay="0"/>
                                   </p:stCondLst>
                                   <p:childTnLst>
                                     <p:set>
                                       <p:cBhvr>
-                                        <p:cTn id="40" dur="1" fill="hold">
+                                        <p:cTn id="38" dur="1" fill="hold">
                                           <p:stCondLst>
                                             <p:cond delay="0"/>
                                           </p:stCondLst>
                                         </p:cTn>
                                         <p:tgtEl>
-                                          <p:spTgt spid="8194"/>
+                                          <p:spTgt spid="8195">
+                                            <p:txEl>
+                                              <p:pRg st="8" end="8"/>
+                                            </p:txEl>
+                                          </p:spTgt>
                                         </p:tgtEl>
                                         <p:attrNameLst>
                                           <p:attrName>style.visibility</p:attrName>
@@ -45904,59 +45697,144 @@
                                       </p:to>
                                     </p:set>
                                     <p:anim calcmode="lin" valueType="num">
-                                      <p:cBhvr>
-                                        <p:cTn id="41" dur="500" fill="hold"/>
+                                      <p:cBhvr additive="base">
+                                        <p:cTn id="39" dur="500" fill="hold"/>
                                         <p:tgtEl>
-                                          <p:spTgt spid="8194"/>
+                                          <p:spTgt spid="8195">
+                                            <p:txEl>
+                                              <p:pRg st="8" end="8"/>
+                                            </p:txEl>
+                                          </p:spTgt>
                                         </p:tgtEl>
                                         <p:attrNameLst>
-                                          <p:attrName>ppt_w</p:attrName>
+                                          <p:attrName>ppt_x</p:attrName>
                                         </p:attrNameLst>
                                       </p:cBhvr>
                                       <p:tavLst>
                                         <p:tav tm="0">
                                           <p:val>
-                                            <p:strVal val="#ppt_w*0.70"/>
+                                            <p:strVal val="#ppt_x"/>
                                           </p:val>
                                         </p:tav>
                                         <p:tav tm="100000">
                                           <p:val>
-                                            <p:strVal val="#ppt_w"/>
+                                            <p:strVal val="#ppt_x"/>
                                           </p:val>
                                         </p:tav>
                                       </p:tavLst>
                                     </p:anim>
                                     <p:anim calcmode="lin" valueType="num">
-                                      <p:cBhvr>
-                                        <p:cTn id="42" dur="500" fill="hold"/>
+                                      <p:cBhvr additive="base">
+                                        <p:cTn id="40" dur="500" fill="hold"/>
                                         <p:tgtEl>
-                                          <p:spTgt spid="8194"/>
+                                          <p:spTgt spid="8195">
+                                            <p:txEl>
+                                              <p:pRg st="8" end="8"/>
+                                            </p:txEl>
+                                          </p:spTgt>
                                         </p:tgtEl>
                                         <p:attrNameLst>
-                                          <p:attrName>ppt_h</p:attrName>
+                                          <p:attrName>ppt_y</p:attrName>
                                         </p:attrNameLst>
                                       </p:cBhvr>
                                       <p:tavLst>
                                         <p:tav tm="0">
                                           <p:val>
-                                            <p:strVal val="#ppt_h"/>
+                                            <p:strVal val="1+#ppt_h/2"/>
                                           </p:val>
                                         </p:tav>
                                         <p:tav tm="100000">
                                           <p:val>
-                                            <p:strVal val="#ppt_h"/>
+                                            <p:strVal val="#ppt_y"/>
                                           </p:val>
                                         </p:tav>
                                       </p:tavLst>
                                     </p:anim>
-                                    <p:animEffect transition="in" filter="fade">
+                                  </p:childTnLst>
+                                </p:cTn>
+                              </p:par>
+                              <p:par>
+                                <p:cTn id="41" presetID="2" presetClass="entr" presetSubtype="4" fill="hold" nodeType="withEffect">
+                                  <p:stCondLst>
+                                    <p:cond delay="0"/>
+                                  </p:stCondLst>
+                                  <p:childTnLst>
+                                    <p:set>
                                       <p:cBhvr>
-                                        <p:cTn id="43" dur="500"/>
+                                        <p:cTn id="42" dur="1" fill="hold">
+                                          <p:stCondLst>
+                                            <p:cond delay="0"/>
+                                          </p:stCondLst>
+                                        </p:cTn>
                                         <p:tgtEl>
-                                          <p:spTgt spid="8194"/>
+                                          <p:spTgt spid="8195">
+                                            <p:txEl>
+                                              <p:pRg st="9" end="9"/>
+                                            </p:txEl>
+                                          </p:spTgt>
                                         </p:tgtEl>
+                                        <p:attrNameLst>
+                                          <p:attrName>style.visibility</p:attrName>
+                                        </p:attrNameLst>
                                       </p:cBhvr>
-                                    </p:animEffect>
+                                      <p:to>
+                                        <p:strVal val="visible"/>
+                                      </p:to>
+                                    </p:set>
+                                    <p:anim calcmode="lin" valueType="num">
+                                      <p:cBhvr additive="base">
+                                        <p:cTn id="43" dur="500" fill="hold"/>
+                                        <p:tgtEl>
+                                          <p:spTgt spid="8195">
+                                            <p:txEl>
+                                              <p:pRg st="9" end="9"/>
+                                            </p:txEl>
+                                          </p:spTgt>
+                                        </p:tgtEl>
+                                        <p:attrNameLst>
+                                          <p:attrName>ppt_x</p:attrName>
+                                        </p:attrNameLst>
+                                      </p:cBhvr>
+                                      <p:tavLst>
+                                        <p:tav tm="0">
+                                          <p:val>
+                                            <p:strVal val="#ppt_x"/>
+                                          </p:val>
+                                        </p:tav>
+                                        <p:tav tm="100000">
+                                          <p:val>
+                                            <p:strVal val="#ppt_x"/>
+                                          </p:val>
+                                        </p:tav>
+                                      </p:tavLst>
+                                    </p:anim>
+                                    <p:anim calcmode="lin" valueType="num">
+                                      <p:cBhvr additive="base">
+                                        <p:cTn id="44" dur="500" fill="hold"/>
+                                        <p:tgtEl>
+                                          <p:spTgt spid="8195">
+                                            <p:txEl>
+                                              <p:pRg st="9" end="9"/>
+                                            </p:txEl>
+                                          </p:spTgt>
+                                        </p:tgtEl>
+                                        <p:attrNameLst>
+                                          <p:attrName>ppt_y</p:attrName>
+                                        </p:attrNameLst>
+                                      </p:cBhvr>
+                                      <p:tavLst>
+                                        <p:tav tm="0">
+                                          <p:val>
+                                            <p:strVal val="1+#ppt_h/2"/>
+                                          </p:val>
+                                        </p:tav>
+                                        <p:tav tm="100000">
+                                          <p:val>
+                                            <p:strVal val="#ppt_y"/>
+                                          </p:val>
+                                        </p:tav>
+                                      </p:tavLst>
+                                    </p:anim>
                                   </p:childTnLst>
                                 </p:cTn>
                               </p:par>
@@ -45987,9 +45865,6 @@
         </p:cTn>
       </p:par>
     </p:tnLst>
-    <p:bldLst>
-      <p:bldOleChart spid="8194" grpId="0"/>
-    </p:bldLst>
   </p:timing>
 </p:sld>
 </file>
@@ -46016,7 +45891,7 @@
           <p:cNvPr id="21506" name="内容占位符 1">
             <a:extLst>
               <a:ext uri="{FF2B5EF4-FFF2-40B4-BE49-F238E27FC236}">
-                <a16:creationId xmlns:a16="http://schemas.microsoft.com/office/drawing/2014/main" id="{1B3B4A77-A4B7-4CEC-9653-410888B29A89}"/>
+                <a16:creationId xmlns:a16="http://schemas.microsoft.com/office/drawing/2014/main" id="{9BA73772-EAC4-4A60-B6A3-F9C0F2DACAD9}"/>
               </a:ext>
             </a:extLst>
           </p:cNvPr>
@@ -46029,7 +45904,7 @@
         </p:nvSpPr>
         <p:spPr>
           <a:xfrm>
-            <a:off x="1981200" y="1071563"/>
+            <a:off x="457200" y="1071563"/>
             <a:ext cx="8186738" cy="5357812"/>
           </a:xfrm>
         </p:spPr>
@@ -46148,7 +46023,7 @@
           <p:cNvPr id="22530" name="内容占位符 1">
             <a:extLst>
               <a:ext uri="{FF2B5EF4-FFF2-40B4-BE49-F238E27FC236}">
-                <a16:creationId xmlns:a16="http://schemas.microsoft.com/office/drawing/2014/main" id="{ADEE8665-E03E-4C72-966B-3D7690532788}"/>
+                <a16:creationId xmlns:a16="http://schemas.microsoft.com/office/drawing/2014/main" id="{2309C1C5-F804-4423-9411-A49EBD15D2B7}"/>
               </a:ext>
             </a:extLst>
           </p:cNvPr>
@@ -46161,7 +46036,7 @@
         </p:nvSpPr>
         <p:spPr>
           <a:xfrm>
-            <a:off x="1981200" y="1071563"/>
+            <a:off x="457200" y="1071563"/>
             <a:ext cx="8186738" cy="5357812"/>
           </a:xfrm>
         </p:spPr>
